--- a/Ai Final persentation.pptx
+++ b/Ai Final persentation.pptx
@@ -1,20 +1,20 @@
 
 <file path=ppt/presentation.xml><?xml version="1.0" encoding="utf-8"?>
-<p:presentation xmlns:a="http://schemas.openxmlformats.org/drawingml/2006/main" xmlns:r="http://schemas.openxmlformats.org/officeDocument/2006/relationships" xmlns:mc="http://schemas.openxmlformats.org/markup-compatibility/2006" xmlns:mv="urn:schemas-microsoft-com:mac:vml" xmlns:p="http://schemas.openxmlformats.org/presentationml/2006/main" xmlns:c="http://schemas.openxmlformats.org/drawingml/2006/chart" xmlns:dgm="http://schemas.openxmlformats.org/drawingml/2006/diagram" xmlns:o="urn:schemas-microsoft-com:office:office" xmlns:v="urn:schemas-microsoft-com:vml" xmlns:pvml="urn:schemas-microsoft-com:office:powerpoint" xmlns:com="http://schemas.openxmlformats.org/drawingml/2006/compatibility" xmlns:p14="http://schemas.microsoft.com/office/powerpoint/2010/main" xmlns:p15="http://schemas.microsoft.com/office/powerpoint/2012/main" autoCompressPictures="0" strictFirstAndLastChars="0" saveSubsetFonts="1">
+<p:presentation xmlns:a="http://schemas.openxmlformats.org/drawingml/2006/main" xmlns:r="http://schemas.openxmlformats.org/officeDocument/2006/relationships" xmlns:p="http://schemas.openxmlformats.org/presentationml/2006/main" strictFirstAndLastChars="0" saveSubsetFonts="1" autoCompressPictures="0">
   <p:sldMasterIdLst>
-    <p:sldMasterId id="2147483659" r:id="rId4"/>
+    <p:sldMasterId id="2147483659" r:id="rId1"/>
   </p:sldMasterIdLst>
   <p:notesMasterIdLst>
-    <p:notesMasterId r:id="rId5"/>
+    <p:notesMasterId r:id="rId4"/>
   </p:notesMasterIdLst>
   <p:sldIdLst>
-    <p:sldId id="256" r:id="rId6"/>
-    <p:sldId id="257" r:id="rId7"/>
+    <p:sldId id="256" r:id="rId2"/>
+    <p:sldId id="257" r:id="rId3"/>
   </p:sldIdLst>
-  <p:sldSz cy="5143500" cx="9144000"/>
+  <p:sldSz cx="9144000" cy="5143500" type="screen16x9"/>
   <p:notesSz cx="6858000" cy="9144000"/>
   <p:defaultTextStyle>
-    <a:defPPr lvl="0" marR="0" rtl="0" algn="l">
+    <a:defPPr marR="0" lvl="0" algn="l" rtl="0">
       <a:lnSpc>
         <a:spcPct val="100000"/>
       </a:lnSpc>
@@ -25,7 +25,7 @@
         <a:spcPts val="0"/>
       </a:spcAft>
     </a:defPPr>
-    <a:lvl1pPr lvl="0" marR="0" rtl="0" algn="l">
+    <a:lvl1pPr marR="0" lvl="0" algn="l" rtl="0">
       <a:lnSpc>
         <a:spcPct val="100000"/>
       </a:lnSpc>
@@ -39,7 +39,7 @@
         <a:srgbClr val="000000"/>
       </a:buClr>
       <a:buFont typeface="Arial"/>
-      <a:defRPr b="0" i="0" sz="1400" u="none" cap="none" strike="noStrike">
+      <a:defRPr sz="1400" b="0" i="0" u="none" strike="noStrike" cap="none">
         <a:solidFill>
           <a:srgbClr val="000000"/>
         </a:solidFill>
@@ -49,7 +49,7 @@
         <a:sym typeface="Arial"/>
       </a:defRPr>
     </a:lvl1pPr>
-    <a:lvl2pPr lvl="1" marR="0" rtl="0" algn="l">
+    <a:lvl2pPr marR="0" lvl="1" algn="l" rtl="0">
       <a:lnSpc>
         <a:spcPct val="100000"/>
       </a:lnSpc>
@@ -63,7 +63,7 @@
         <a:srgbClr val="000000"/>
       </a:buClr>
       <a:buFont typeface="Arial"/>
-      <a:defRPr b="0" i="0" sz="1400" u="none" cap="none" strike="noStrike">
+      <a:defRPr sz="1400" b="0" i="0" u="none" strike="noStrike" cap="none">
         <a:solidFill>
           <a:srgbClr val="000000"/>
         </a:solidFill>
@@ -73,7 +73,7 @@
         <a:sym typeface="Arial"/>
       </a:defRPr>
     </a:lvl2pPr>
-    <a:lvl3pPr lvl="2" marR="0" rtl="0" algn="l">
+    <a:lvl3pPr marR="0" lvl="2" algn="l" rtl="0">
       <a:lnSpc>
         <a:spcPct val="100000"/>
       </a:lnSpc>
@@ -87,7 +87,7 @@
         <a:srgbClr val="000000"/>
       </a:buClr>
       <a:buFont typeface="Arial"/>
-      <a:defRPr b="0" i="0" sz="1400" u="none" cap="none" strike="noStrike">
+      <a:defRPr sz="1400" b="0" i="0" u="none" strike="noStrike" cap="none">
         <a:solidFill>
           <a:srgbClr val="000000"/>
         </a:solidFill>
@@ -97,7 +97,7 @@
         <a:sym typeface="Arial"/>
       </a:defRPr>
     </a:lvl3pPr>
-    <a:lvl4pPr lvl="3" marR="0" rtl="0" algn="l">
+    <a:lvl4pPr marR="0" lvl="3" algn="l" rtl="0">
       <a:lnSpc>
         <a:spcPct val="100000"/>
       </a:lnSpc>
@@ -111,7 +111,7 @@
         <a:srgbClr val="000000"/>
       </a:buClr>
       <a:buFont typeface="Arial"/>
-      <a:defRPr b="0" i="0" sz="1400" u="none" cap="none" strike="noStrike">
+      <a:defRPr sz="1400" b="0" i="0" u="none" strike="noStrike" cap="none">
         <a:solidFill>
           <a:srgbClr val="000000"/>
         </a:solidFill>
@@ -121,7 +121,7 @@
         <a:sym typeface="Arial"/>
       </a:defRPr>
     </a:lvl4pPr>
-    <a:lvl5pPr lvl="4" marR="0" rtl="0" algn="l">
+    <a:lvl5pPr marR="0" lvl="4" algn="l" rtl="0">
       <a:lnSpc>
         <a:spcPct val="100000"/>
       </a:lnSpc>
@@ -135,7 +135,7 @@
         <a:srgbClr val="000000"/>
       </a:buClr>
       <a:buFont typeface="Arial"/>
-      <a:defRPr b="0" i="0" sz="1400" u="none" cap="none" strike="noStrike">
+      <a:defRPr sz="1400" b="0" i="0" u="none" strike="noStrike" cap="none">
         <a:solidFill>
           <a:srgbClr val="000000"/>
         </a:solidFill>
@@ -145,7 +145,7 @@
         <a:sym typeface="Arial"/>
       </a:defRPr>
     </a:lvl5pPr>
-    <a:lvl6pPr lvl="5" marR="0" rtl="0" algn="l">
+    <a:lvl6pPr marR="0" lvl="5" algn="l" rtl="0">
       <a:lnSpc>
         <a:spcPct val="100000"/>
       </a:lnSpc>
@@ -159,7 +159,7 @@
         <a:srgbClr val="000000"/>
       </a:buClr>
       <a:buFont typeface="Arial"/>
-      <a:defRPr b="0" i="0" sz="1400" u="none" cap="none" strike="noStrike">
+      <a:defRPr sz="1400" b="0" i="0" u="none" strike="noStrike" cap="none">
         <a:solidFill>
           <a:srgbClr val="000000"/>
         </a:solidFill>
@@ -169,7 +169,7 @@
         <a:sym typeface="Arial"/>
       </a:defRPr>
     </a:lvl6pPr>
-    <a:lvl7pPr lvl="6" marR="0" rtl="0" algn="l">
+    <a:lvl7pPr marR="0" lvl="6" algn="l" rtl="0">
       <a:lnSpc>
         <a:spcPct val="100000"/>
       </a:lnSpc>
@@ -183,7 +183,7 @@
         <a:srgbClr val="000000"/>
       </a:buClr>
       <a:buFont typeface="Arial"/>
-      <a:defRPr b="0" i="0" sz="1400" u="none" cap="none" strike="noStrike">
+      <a:defRPr sz="1400" b="0" i="0" u="none" strike="noStrike" cap="none">
         <a:solidFill>
           <a:srgbClr val="000000"/>
         </a:solidFill>
@@ -193,7 +193,7 @@
         <a:sym typeface="Arial"/>
       </a:defRPr>
     </a:lvl7pPr>
-    <a:lvl8pPr lvl="7" marR="0" rtl="0" algn="l">
+    <a:lvl8pPr marR="0" lvl="7" algn="l" rtl="0">
       <a:lnSpc>
         <a:spcPct val="100000"/>
       </a:lnSpc>
@@ -207,7 +207,7 @@
         <a:srgbClr val="000000"/>
       </a:buClr>
       <a:buFont typeface="Arial"/>
-      <a:defRPr b="0" i="0" sz="1400" u="none" cap="none" strike="noStrike">
+      <a:defRPr sz="1400" b="0" i="0" u="none" strike="noStrike" cap="none">
         <a:solidFill>
           <a:srgbClr val="000000"/>
         </a:solidFill>
@@ -217,7 +217,7 @@
         <a:sym typeface="Arial"/>
       </a:defRPr>
     </a:lvl8pPr>
-    <a:lvl9pPr lvl="8" marR="0" rtl="0" algn="l">
+    <a:lvl9pPr marR="0" lvl="8" algn="l" rtl="0">
       <a:lnSpc>
         <a:spcPct val="100000"/>
       </a:lnSpc>
@@ -231,7 +231,7 @@
         <a:srgbClr val="000000"/>
       </a:buClr>
       <a:buFont typeface="Arial"/>
-      <a:defRPr b="0" i="0" sz="1400" u="none" cap="none" strike="noStrike">
+      <a:defRPr sz="1400" b="0" i="0" u="none" strike="noStrike" cap="none">
         <a:solidFill>
           <a:srgbClr val="000000"/>
         </a:solidFill>
@@ -244,7 +244,7 @@
   </p:defaultTextStyle>
   <p:extLst>
     <p:ext uri="{EFAFB233-063F-42B5-8137-9DF3F51BA10A}">
-      <p15:sldGuideLst>
+      <p15:sldGuideLst xmlns:p15="http://schemas.microsoft.com/office/powerpoint/2012/main">
         <p15:guide id="1" orient="horz" pos="1620">
           <p15:clr>
             <a:srgbClr val="A4A3A4"/>
@@ -262,11 +262,16 @@
 </file>
 
 <file path=ppt/notesMasters/notesMaster1.xml><?xml version="1.0" encoding="utf-8"?>
-<p:notesMaster xmlns:a="http://schemas.openxmlformats.org/drawingml/2006/main" xmlns:r="http://schemas.openxmlformats.org/officeDocument/2006/relationships" xmlns:mc="http://schemas.openxmlformats.org/markup-compatibility/2006" xmlns:mv="urn:schemas-microsoft-com:mac:vml" xmlns:p="http://schemas.openxmlformats.org/presentationml/2006/main" xmlns:c="http://schemas.openxmlformats.org/drawingml/2006/chart" xmlns:dgm="http://schemas.openxmlformats.org/drawingml/2006/diagram" xmlns:o="urn:schemas-microsoft-com:office:office" xmlns:v="urn:schemas-microsoft-com:vml" xmlns:pvml="urn:schemas-microsoft-com:office:powerpoint" xmlns:com="http://schemas.openxmlformats.org/drawingml/2006/compatibility" xmlns:p14="http://schemas.microsoft.com/office/powerpoint/2010/main" xmlns:p15="http://schemas.microsoft.com/office/powerpoint/2012/main">
+<p:notesMaster xmlns:a="http://schemas.openxmlformats.org/drawingml/2006/main" xmlns:r="http://schemas.openxmlformats.org/officeDocument/2006/relationships" xmlns:p="http://schemas.openxmlformats.org/presentationml/2006/main">
   <p:cSld>
+    <p:bg>
+      <p:bgRef idx="1001">
+        <a:schemeClr val="bg1"/>
+      </p:bgRef>
+    </p:bg>
     <p:spTree>
       <p:nvGrpSpPr>
-        <p:cNvPr id="2" name="Shape 2"/>
+        <p:cNvPr id="1" name="Shape 2"/>
         <p:cNvGrpSpPr/>
         <p:nvPr/>
       </p:nvGrpSpPr>
@@ -281,9 +286,11 @@
       <p:sp>
         <p:nvSpPr>
           <p:cNvPr id="3" name="Google Shape;3;n"/>
-          <p:cNvSpPr/>
+          <p:cNvSpPr>
+            <a:spLocks noGrp="1" noRot="1" noChangeAspect="1"/>
+          </p:cNvSpPr>
           <p:nvPr>
-            <p:ph idx="2" type="sldImg"/>
+            <p:ph type="sldImg" idx="2"/>
           </p:nvPr>
         </p:nvSpPr>
         <p:spPr>
@@ -292,9 +299,13 @@
             <a:ext cx="6096075" cy="3429000"/>
           </a:xfrm>
           <a:custGeom>
-            <a:rect b="b" l="l" r="r" t="t"/>
+            <a:avLst/>
+            <a:gdLst/>
+            <a:ahLst/>
+            <a:cxnLst/>
+            <a:rect l="l" t="t" r="r" b="b"/>
             <a:pathLst>
-              <a:path extrusionOk="0" h="120000" w="120000">
+              <a:path w="120000" h="120000" extrusionOk="0">
                 <a:moveTo>
                   <a:pt x="0" y="0"/>
                 </a:moveTo>
@@ -312,23 +323,25 @@
             </a:pathLst>
           </a:custGeom>
           <a:noFill/>
-          <a:ln cap="flat" cmpd="sng" w="9525">
+          <a:ln w="9525" cap="flat" cmpd="sng">
             <a:solidFill>
               <a:srgbClr val="000000"/>
             </a:solidFill>
             <a:prstDash val="solid"/>
             <a:round/>
-            <a:headEnd len="sm" w="sm" type="none"/>
-            <a:tailEnd len="sm" w="sm" type="none"/>
+            <a:headEnd type="none" w="sm" len="sm"/>
+            <a:tailEnd type="none" w="sm" len="sm"/>
           </a:ln>
         </p:spPr>
       </p:sp>
       <p:sp>
         <p:nvSpPr>
           <p:cNvPr id="4" name="Google Shape;4;n"/>
-          <p:cNvSpPr txBox="1"/>
+          <p:cNvSpPr txBox="1">
+            <a:spLocks noGrp="1"/>
+          </p:cNvSpPr>
           <p:nvPr>
-            <p:ph idx="1" type="body"/>
+            <p:ph type="body" idx="1"/>
           </p:nvPr>
         </p:nvSpPr>
         <p:spPr>
@@ -345,9 +358,9 @@
           </a:ln>
         </p:spPr>
         <p:txBody>
-          <a:bodyPr anchorCtr="0" anchor="t" bIns="91425" lIns="91425" spcFirstLastPara="1" rIns="91425" wrap="square" tIns="91425"/>
+          <a:bodyPr spcFirstLastPara="1" wrap="square" lIns="91425" tIns="91425" rIns="91425" bIns="91425" anchor="t" anchorCtr="0"/>
           <a:lstStyle>
-            <a:lvl1pPr indent="-298450" lvl="0" marL="457200">
+            <a:lvl1pPr marL="457200" lvl="0" indent="-298450">
               <a:spcBef>
                 <a:spcPts val="0"/>
               </a:spcBef>
@@ -358,7 +371,7 @@
               <a:buChar char="●"/>
               <a:defRPr sz="1100"/>
             </a:lvl1pPr>
-            <a:lvl2pPr indent="-298450" lvl="1" marL="914400">
+            <a:lvl2pPr marL="914400" lvl="1" indent="-298450">
               <a:spcBef>
                 <a:spcPts val="0"/>
               </a:spcBef>
@@ -369,7 +382,7 @@
               <a:buChar char="○"/>
               <a:defRPr sz="1100"/>
             </a:lvl2pPr>
-            <a:lvl3pPr indent="-298450" lvl="2" marL="1371600">
+            <a:lvl3pPr marL="1371600" lvl="2" indent="-298450">
               <a:spcBef>
                 <a:spcPts val="0"/>
               </a:spcBef>
@@ -380,7 +393,7 @@
               <a:buChar char="■"/>
               <a:defRPr sz="1100"/>
             </a:lvl3pPr>
-            <a:lvl4pPr indent="-298450" lvl="3" marL="1828800">
+            <a:lvl4pPr marL="1828800" lvl="3" indent="-298450">
               <a:spcBef>
                 <a:spcPts val="0"/>
               </a:spcBef>
@@ -391,7 +404,7 @@
               <a:buChar char="●"/>
               <a:defRPr sz="1100"/>
             </a:lvl4pPr>
-            <a:lvl5pPr indent="-298450" lvl="4" marL="2286000">
+            <a:lvl5pPr marL="2286000" lvl="4" indent="-298450">
               <a:spcBef>
                 <a:spcPts val="0"/>
               </a:spcBef>
@@ -402,7 +415,7 @@
               <a:buChar char="○"/>
               <a:defRPr sz="1100"/>
             </a:lvl5pPr>
-            <a:lvl6pPr indent="-298450" lvl="5" marL="2743200">
+            <a:lvl6pPr marL="2743200" lvl="5" indent="-298450">
               <a:spcBef>
                 <a:spcPts val="0"/>
               </a:spcBef>
@@ -413,7 +426,7 @@
               <a:buChar char="■"/>
               <a:defRPr sz="1100"/>
             </a:lvl6pPr>
-            <a:lvl7pPr indent="-298450" lvl="6" marL="3200400">
+            <a:lvl7pPr marL="3200400" lvl="6" indent="-298450">
               <a:spcBef>
                 <a:spcPts val="0"/>
               </a:spcBef>
@@ -424,7 +437,7 @@
               <a:buChar char="●"/>
               <a:defRPr sz="1100"/>
             </a:lvl7pPr>
-            <a:lvl8pPr indent="-298450" lvl="7" marL="3657600">
+            <a:lvl8pPr marL="3657600" lvl="7" indent="-298450">
               <a:spcBef>
                 <a:spcPts val="0"/>
               </a:spcBef>
@@ -435,7 +448,7 @@
               <a:buChar char="○"/>
               <a:defRPr sz="1100"/>
             </a:lvl8pPr>
-            <a:lvl9pPr indent="-298450" lvl="8" marL="4114800">
+            <a:lvl9pPr marL="4114800" lvl="8" indent="-298450">
               <a:spcBef>
                 <a:spcPts val="0"/>
               </a:spcBef>
@@ -447,14 +460,16 @@
               <a:defRPr sz="1100"/>
             </a:lvl9pPr>
           </a:lstStyle>
-          <a:p/>
+          <a:p>
+            <a:endParaRPr/>
+          </a:p>
         </p:txBody>
       </p:sp>
     </p:spTree>
   </p:cSld>
-  <p:clrMap accent1="accent1" accent2="accent2" accent3="accent3" accent4="accent4" accent5="accent5" accent6="accent6" bg1="lt1" bg2="dk2" tx1="dk1" tx2="lt2" folHlink="folHlink" hlink="hlink"/>
+  <p:clrMap bg1="lt1" tx1="dk1" bg2="dk2" tx2="lt2" accent1="accent1" accent2="accent2" accent3="accent3" accent4="accent4" accent5="accent5" accent6="accent6" hlink="hlink" folHlink="folHlink"/>
   <p:notesStyle>
-    <a:defPPr lvl="0" marR="0" rtl="0" algn="l">
+    <a:defPPr marR="0" lvl="0" algn="l" rtl="0">
       <a:lnSpc>
         <a:spcPct val="100000"/>
       </a:lnSpc>
@@ -465,7 +480,7 @@
         <a:spcPts val="0"/>
       </a:spcAft>
     </a:defPPr>
-    <a:lvl1pPr lvl="0" marR="0" rtl="0" algn="l">
+    <a:lvl1pPr marR="0" lvl="0" algn="l" rtl="0">
       <a:lnSpc>
         <a:spcPct val="100000"/>
       </a:lnSpc>
@@ -479,7 +494,7 @@
         <a:srgbClr val="000000"/>
       </a:buClr>
       <a:buFont typeface="Arial"/>
-      <a:defRPr b="0" i="0" sz="1400" u="none" cap="none" strike="noStrike">
+      <a:defRPr sz="1400" b="0" i="0" u="none" strike="noStrike" cap="none">
         <a:solidFill>
           <a:srgbClr val="000000"/>
         </a:solidFill>
@@ -489,7 +504,7 @@
         <a:sym typeface="Arial"/>
       </a:defRPr>
     </a:lvl1pPr>
-    <a:lvl2pPr lvl="1" marR="0" rtl="0" algn="l">
+    <a:lvl2pPr marR="0" lvl="1" algn="l" rtl="0">
       <a:lnSpc>
         <a:spcPct val="100000"/>
       </a:lnSpc>
@@ -503,7 +518,7 @@
         <a:srgbClr val="000000"/>
       </a:buClr>
       <a:buFont typeface="Arial"/>
-      <a:defRPr b="0" i="0" sz="1400" u="none" cap="none" strike="noStrike">
+      <a:defRPr sz="1400" b="0" i="0" u="none" strike="noStrike" cap="none">
         <a:solidFill>
           <a:srgbClr val="000000"/>
         </a:solidFill>
@@ -513,7 +528,7 @@
         <a:sym typeface="Arial"/>
       </a:defRPr>
     </a:lvl2pPr>
-    <a:lvl3pPr lvl="2" marR="0" rtl="0" algn="l">
+    <a:lvl3pPr marR="0" lvl="2" algn="l" rtl="0">
       <a:lnSpc>
         <a:spcPct val="100000"/>
       </a:lnSpc>
@@ -527,7 +542,7 @@
         <a:srgbClr val="000000"/>
       </a:buClr>
       <a:buFont typeface="Arial"/>
-      <a:defRPr b="0" i="0" sz="1400" u="none" cap="none" strike="noStrike">
+      <a:defRPr sz="1400" b="0" i="0" u="none" strike="noStrike" cap="none">
         <a:solidFill>
           <a:srgbClr val="000000"/>
         </a:solidFill>
@@ -537,7 +552,7 @@
         <a:sym typeface="Arial"/>
       </a:defRPr>
     </a:lvl3pPr>
-    <a:lvl4pPr lvl="3" marR="0" rtl="0" algn="l">
+    <a:lvl4pPr marR="0" lvl="3" algn="l" rtl="0">
       <a:lnSpc>
         <a:spcPct val="100000"/>
       </a:lnSpc>
@@ -551,7 +566,7 @@
         <a:srgbClr val="000000"/>
       </a:buClr>
       <a:buFont typeface="Arial"/>
-      <a:defRPr b="0" i="0" sz="1400" u="none" cap="none" strike="noStrike">
+      <a:defRPr sz="1400" b="0" i="0" u="none" strike="noStrike" cap="none">
         <a:solidFill>
           <a:srgbClr val="000000"/>
         </a:solidFill>
@@ -561,7 +576,7 @@
         <a:sym typeface="Arial"/>
       </a:defRPr>
     </a:lvl4pPr>
-    <a:lvl5pPr lvl="4" marR="0" rtl="0" algn="l">
+    <a:lvl5pPr marR="0" lvl="4" algn="l" rtl="0">
       <a:lnSpc>
         <a:spcPct val="100000"/>
       </a:lnSpc>
@@ -575,7 +590,7 @@
         <a:srgbClr val="000000"/>
       </a:buClr>
       <a:buFont typeface="Arial"/>
-      <a:defRPr b="0" i="0" sz="1400" u="none" cap="none" strike="noStrike">
+      <a:defRPr sz="1400" b="0" i="0" u="none" strike="noStrike" cap="none">
         <a:solidFill>
           <a:srgbClr val="000000"/>
         </a:solidFill>
@@ -585,7 +600,7 @@
         <a:sym typeface="Arial"/>
       </a:defRPr>
     </a:lvl5pPr>
-    <a:lvl6pPr lvl="5" marR="0" rtl="0" algn="l">
+    <a:lvl6pPr marR="0" lvl="5" algn="l" rtl="0">
       <a:lnSpc>
         <a:spcPct val="100000"/>
       </a:lnSpc>
@@ -599,7 +614,7 @@
         <a:srgbClr val="000000"/>
       </a:buClr>
       <a:buFont typeface="Arial"/>
-      <a:defRPr b="0" i="0" sz="1400" u="none" cap="none" strike="noStrike">
+      <a:defRPr sz="1400" b="0" i="0" u="none" strike="noStrike" cap="none">
         <a:solidFill>
           <a:srgbClr val="000000"/>
         </a:solidFill>
@@ -609,7 +624,7 @@
         <a:sym typeface="Arial"/>
       </a:defRPr>
     </a:lvl6pPr>
-    <a:lvl7pPr lvl="6" marR="0" rtl="0" algn="l">
+    <a:lvl7pPr marR="0" lvl="6" algn="l" rtl="0">
       <a:lnSpc>
         <a:spcPct val="100000"/>
       </a:lnSpc>
@@ -623,7 +638,7 @@
         <a:srgbClr val="000000"/>
       </a:buClr>
       <a:buFont typeface="Arial"/>
-      <a:defRPr b="0" i="0" sz="1400" u="none" cap="none" strike="noStrike">
+      <a:defRPr sz="1400" b="0" i="0" u="none" strike="noStrike" cap="none">
         <a:solidFill>
           <a:srgbClr val="000000"/>
         </a:solidFill>
@@ -633,7 +648,7 @@
         <a:sym typeface="Arial"/>
       </a:defRPr>
     </a:lvl7pPr>
-    <a:lvl8pPr lvl="7" marR="0" rtl="0" algn="l">
+    <a:lvl8pPr marR="0" lvl="7" algn="l" rtl="0">
       <a:lnSpc>
         <a:spcPct val="100000"/>
       </a:lnSpc>
@@ -647,7 +662,7 @@
         <a:srgbClr val="000000"/>
       </a:buClr>
       <a:buFont typeface="Arial"/>
-      <a:defRPr b="0" i="0" sz="1400" u="none" cap="none" strike="noStrike">
+      <a:defRPr sz="1400" b="0" i="0" u="none" strike="noStrike" cap="none">
         <a:solidFill>
           <a:srgbClr val="000000"/>
         </a:solidFill>
@@ -657,7 +672,7 @@
         <a:sym typeface="Arial"/>
       </a:defRPr>
     </a:lvl8pPr>
-    <a:lvl9pPr lvl="8" marR="0" rtl="0" algn="l">
+    <a:lvl9pPr marR="0" lvl="8" algn="l" rtl="0">
       <a:lnSpc>
         <a:spcPct val="100000"/>
       </a:lnSpc>
@@ -671,7 +686,7 @@
         <a:srgbClr val="000000"/>
       </a:buClr>
       <a:buFont typeface="Arial"/>
-      <a:defRPr b="0" i="0" sz="1400" u="none" cap="none" strike="noStrike">
+      <a:defRPr sz="1400" b="0" i="0" u="none" strike="noStrike" cap="none">
         <a:solidFill>
           <a:srgbClr val="000000"/>
         </a:solidFill>
@@ -686,11 +701,11 @@
 </file>
 
 <file path=ppt/notesSlides/notesSlide1.xml><?xml version="1.0" encoding="utf-8"?>
-<p:notes xmlns:a="http://schemas.openxmlformats.org/drawingml/2006/main" xmlns:r="http://schemas.openxmlformats.org/officeDocument/2006/relationships" xmlns:mc="http://schemas.openxmlformats.org/markup-compatibility/2006" xmlns:mv="urn:schemas-microsoft-com:mac:vml" xmlns:p="http://schemas.openxmlformats.org/presentationml/2006/main" xmlns:c="http://schemas.openxmlformats.org/drawingml/2006/chart" xmlns:dgm="http://schemas.openxmlformats.org/drawingml/2006/diagram" xmlns:o="urn:schemas-microsoft-com:office:office" xmlns:v="urn:schemas-microsoft-com:vml" xmlns:pvml="urn:schemas-microsoft-com:office:powerpoint" xmlns:com="http://schemas.openxmlformats.org/drawingml/2006/compatibility" xmlns:p14="http://schemas.microsoft.com/office/powerpoint/2010/main" xmlns:p15="http://schemas.microsoft.com/office/powerpoint/2012/main" showMasterPhAnim="0" showMasterSp="0">
+<p:notes xmlns:a="http://schemas.openxmlformats.org/drawingml/2006/main" xmlns:r="http://schemas.openxmlformats.org/officeDocument/2006/relationships" xmlns:p="http://schemas.openxmlformats.org/presentationml/2006/main" showMasterSp="0" showMasterPhAnim="0">
   <p:cSld>
     <p:spTree>
       <p:nvGrpSpPr>
-        <p:cNvPr id="50" name="Shape 50"/>
+        <p:cNvPr id="1" name="Shape 50"/>
         <p:cNvGrpSpPr/>
         <p:nvPr/>
       </p:nvGrpSpPr>
@@ -705,9 +720,11 @@
       <p:sp>
         <p:nvSpPr>
           <p:cNvPr id="51" name="Google Shape;51;p:notes"/>
-          <p:cNvSpPr/>
+          <p:cNvSpPr>
+            <a:spLocks noGrp="1" noRot="1" noChangeAspect="1"/>
+          </p:cNvSpPr>
           <p:nvPr>
-            <p:ph idx="2" type="sldImg"/>
+            <p:ph type="sldImg" idx="2"/>
           </p:nvPr>
         </p:nvSpPr>
         <p:spPr>
@@ -716,9 +733,13 @@
             <a:ext cx="6096075" cy="3429000"/>
           </a:xfrm>
           <a:custGeom>
-            <a:rect b="b" l="l" r="r" t="t"/>
+            <a:avLst/>
+            <a:gdLst/>
+            <a:ahLst/>
+            <a:cxnLst/>
+            <a:rect l="l" t="t" r="r" b="b"/>
             <a:pathLst>
-              <a:path extrusionOk="0" h="120000" w="120000">
+              <a:path w="120000" h="120000" extrusionOk="0">
                 <a:moveTo>
                   <a:pt x="0" y="0"/>
                 </a:moveTo>
@@ -740,9 +761,11 @@
       <p:sp>
         <p:nvSpPr>
           <p:cNvPr id="52" name="Google Shape;52;p:notes"/>
-          <p:cNvSpPr txBox="1"/>
+          <p:cNvSpPr txBox="1">
+            <a:spLocks noGrp="1"/>
+          </p:cNvSpPr>
           <p:nvPr>
-            <p:ph idx="1" type="body"/>
+            <p:ph type="body" idx="1"/>
           </p:nvPr>
         </p:nvSpPr>
         <p:spPr>
@@ -755,12 +778,12 @@
           </a:prstGeom>
         </p:spPr>
         <p:txBody>
-          <a:bodyPr anchorCtr="0" anchor="t" bIns="91425" lIns="91425" spcFirstLastPara="1" rIns="91425" wrap="square" tIns="91425">
+          <a:bodyPr spcFirstLastPara="1" wrap="square" lIns="91425" tIns="91425" rIns="91425" bIns="91425" anchor="t" anchorCtr="0">
             <a:noAutofit/>
           </a:bodyPr>
           <a:lstStyle/>
           <a:p>
-            <a:pPr indent="0" lvl="0" marL="0" rtl="0" algn="l">
+            <a:pPr marL="0" lvl="0" indent="0" algn="l" rtl="0">
               <a:spcBef>
                 <a:spcPts val="0"/>
               </a:spcBef>
@@ -769,9 +792,6 @@
               </a:spcAft>
               <a:buNone/>
             </a:pPr>
-            <a:r>
-              <a:t/>
-            </a:r>
             <a:endParaRPr/>
           </a:p>
         </p:txBody>
@@ -785,11 +805,11 @@
 </file>
 
 <file path=ppt/notesSlides/notesSlide2.xml><?xml version="1.0" encoding="utf-8"?>
-<p:notes xmlns:a="http://schemas.openxmlformats.org/drawingml/2006/main" xmlns:r="http://schemas.openxmlformats.org/officeDocument/2006/relationships" xmlns:mc="http://schemas.openxmlformats.org/markup-compatibility/2006" xmlns:mv="urn:schemas-microsoft-com:mac:vml" xmlns:p="http://schemas.openxmlformats.org/presentationml/2006/main" xmlns:c="http://schemas.openxmlformats.org/drawingml/2006/chart" xmlns:dgm="http://schemas.openxmlformats.org/drawingml/2006/diagram" xmlns:o="urn:schemas-microsoft-com:office:office" xmlns:v="urn:schemas-microsoft-com:vml" xmlns:pvml="urn:schemas-microsoft-com:office:powerpoint" xmlns:com="http://schemas.openxmlformats.org/drawingml/2006/compatibility" xmlns:p14="http://schemas.microsoft.com/office/powerpoint/2010/main" xmlns:p15="http://schemas.microsoft.com/office/powerpoint/2012/main" showMasterPhAnim="0" showMasterSp="0">
+<p:notes xmlns:a="http://schemas.openxmlformats.org/drawingml/2006/main" xmlns:r="http://schemas.openxmlformats.org/officeDocument/2006/relationships" xmlns:p="http://schemas.openxmlformats.org/presentationml/2006/main" showMasterSp="0" showMasterPhAnim="0">
   <p:cSld>
     <p:spTree>
       <p:nvGrpSpPr>
-        <p:cNvPr id="56" name="Shape 56"/>
+        <p:cNvPr id="1" name="Shape 56"/>
         <p:cNvGrpSpPr/>
         <p:nvPr/>
       </p:nvGrpSpPr>
@@ -804,20 +824,26 @@
       <p:sp>
         <p:nvSpPr>
           <p:cNvPr id="57" name="Google Shape;57;g433a33e9e8_0_0:notes"/>
-          <p:cNvSpPr/>
+          <p:cNvSpPr>
+            <a:spLocks noGrp="1" noRot="1" noChangeAspect="1"/>
+          </p:cNvSpPr>
           <p:nvPr>
-            <p:ph idx="2" type="sldImg"/>
+            <p:ph type="sldImg" idx="2"/>
           </p:nvPr>
         </p:nvSpPr>
         <p:spPr>
           <a:xfrm>
-            <a:off x="381300" y="685800"/>
+            <a:off x="381000" y="685800"/>
             <a:ext cx="6096000" cy="3429000"/>
           </a:xfrm>
           <a:custGeom>
-            <a:rect b="b" l="l" r="r" t="t"/>
+            <a:avLst/>
+            <a:gdLst/>
+            <a:ahLst/>
+            <a:cxnLst/>
+            <a:rect l="l" t="t" r="r" b="b"/>
             <a:pathLst>
-              <a:path extrusionOk="0" h="120000" w="120000">
+              <a:path w="120000" h="120000" extrusionOk="0">
                 <a:moveTo>
                   <a:pt x="0" y="0"/>
                 </a:moveTo>
@@ -839,9 +865,11 @@
       <p:sp>
         <p:nvSpPr>
           <p:cNvPr id="58" name="Google Shape;58;g433a33e9e8_0_0:notes"/>
-          <p:cNvSpPr txBox="1"/>
+          <p:cNvSpPr txBox="1">
+            <a:spLocks noGrp="1"/>
+          </p:cNvSpPr>
           <p:nvPr>
-            <p:ph idx="1" type="body"/>
+            <p:ph type="body" idx="1"/>
           </p:nvPr>
         </p:nvSpPr>
         <p:spPr>
@@ -854,12 +882,12 @@
           </a:prstGeom>
         </p:spPr>
         <p:txBody>
-          <a:bodyPr anchorCtr="0" anchor="t" bIns="91425" lIns="91425" spcFirstLastPara="1" rIns="91425" wrap="square" tIns="91425">
+          <a:bodyPr spcFirstLastPara="1" wrap="square" lIns="91425" tIns="91425" rIns="91425" bIns="91425" anchor="t" anchorCtr="0">
             <a:noAutofit/>
           </a:bodyPr>
           <a:lstStyle/>
           <a:p>
-            <a:pPr indent="0" lvl="0" marL="0" rtl="0" algn="l">
+            <a:pPr marL="0" lvl="0" indent="0" algn="l" rtl="0">
               <a:spcBef>
                 <a:spcPts val="0"/>
               </a:spcBef>
@@ -868,9 +896,6 @@
               </a:spcAft>
               <a:buNone/>
             </a:pPr>
-            <a:r>
-              <a:t/>
-            </a:r>
             <a:endParaRPr/>
           </a:p>
         </p:txBody>
@@ -884,11 +909,11 @@
 </file>
 
 <file path=ppt/slideLayouts/slideLayout1.xml><?xml version="1.0" encoding="utf-8"?>
-<p:sldLayout xmlns:a="http://schemas.openxmlformats.org/drawingml/2006/main" xmlns:r="http://schemas.openxmlformats.org/officeDocument/2006/relationships" xmlns:mc="http://schemas.openxmlformats.org/markup-compatibility/2006" xmlns:mv="urn:schemas-microsoft-com:mac:vml" xmlns:p="http://schemas.openxmlformats.org/presentationml/2006/main" xmlns:c="http://schemas.openxmlformats.org/drawingml/2006/chart" xmlns:dgm="http://schemas.openxmlformats.org/drawingml/2006/diagram" xmlns:o="urn:schemas-microsoft-com:office:office" xmlns:v="urn:schemas-microsoft-com:vml" xmlns:pvml="urn:schemas-microsoft-com:office:powerpoint" xmlns:com="http://schemas.openxmlformats.org/drawingml/2006/compatibility" xmlns:p14="http://schemas.microsoft.com/office/powerpoint/2010/main" xmlns:p15="http://schemas.microsoft.com/office/powerpoint/2012/main" matchingName="Title slide" type="title">
+<p:sldLayout xmlns:a="http://schemas.openxmlformats.org/drawingml/2006/main" xmlns:r="http://schemas.openxmlformats.org/officeDocument/2006/relationships" xmlns:p="http://schemas.openxmlformats.org/presentationml/2006/main" matchingName="Title slide" type="title">
   <p:cSld name="TITLE">
     <p:spTree>
       <p:nvGrpSpPr>
-        <p:cNvPr id="9" name="Shape 9"/>
+        <p:cNvPr id="1" name="Shape 9"/>
         <p:cNvGrpSpPr/>
         <p:nvPr/>
       </p:nvGrpSpPr>
@@ -903,7 +928,9 @@
       <p:sp>
         <p:nvSpPr>
           <p:cNvPr id="10" name="Google Shape;10;p2"/>
-          <p:cNvSpPr txBox="1"/>
+          <p:cNvSpPr txBox="1">
+            <a:spLocks noGrp="1"/>
+          </p:cNvSpPr>
           <p:nvPr>
             <p:ph type="ctrTitle"/>
           </p:nvPr>
@@ -918,7 +945,7 @@
           </a:prstGeom>
         </p:spPr>
         <p:txBody>
-          <a:bodyPr anchorCtr="0" anchor="b" bIns="91425" lIns="91425" spcFirstLastPara="1" rIns="91425" wrap="square" tIns="91425"/>
+          <a:bodyPr spcFirstLastPara="1" wrap="square" lIns="91425" tIns="91425" rIns="91425" bIns="91425" anchor="b" anchorCtr="0"/>
           <a:lstStyle>
             <a:lvl1pPr lvl="0" algn="ctr">
               <a:spcBef>
@@ -1020,15 +1047,19 @@
               <a:defRPr sz="5200"/>
             </a:lvl9pPr>
           </a:lstStyle>
-          <a:p/>
+          <a:p>
+            <a:endParaRPr/>
+          </a:p>
         </p:txBody>
       </p:sp>
       <p:sp>
         <p:nvSpPr>
           <p:cNvPr id="11" name="Google Shape;11;p2"/>
-          <p:cNvSpPr txBox="1"/>
+          <p:cNvSpPr txBox="1">
+            <a:spLocks noGrp="1"/>
+          </p:cNvSpPr>
           <p:nvPr>
-            <p:ph idx="1" type="subTitle"/>
+            <p:ph type="subTitle" idx="1"/>
           </p:nvPr>
         </p:nvSpPr>
         <p:spPr>
@@ -1041,7 +1072,7 @@
           </a:prstGeom>
         </p:spPr>
         <p:txBody>
-          <a:bodyPr anchorCtr="0" anchor="t" bIns="91425" lIns="91425" spcFirstLastPara="1" rIns="91425" wrap="square" tIns="91425"/>
+          <a:bodyPr spcFirstLastPara="1" wrap="square" lIns="91425" tIns="91425" rIns="91425" bIns="91425" anchor="t" anchorCtr="0"/>
           <a:lstStyle>
             <a:lvl1pPr lvl="0" algn="ctr">
               <a:lnSpc>
@@ -1170,15 +1201,19 @@
               <a:defRPr sz="2800"/>
             </a:lvl9pPr>
           </a:lstStyle>
-          <a:p/>
+          <a:p>
+            <a:endParaRPr/>
+          </a:p>
         </p:txBody>
       </p:sp>
       <p:sp>
         <p:nvSpPr>
           <p:cNvPr id="12" name="Google Shape;12;p2"/>
-          <p:cNvSpPr txBox="1"/>
+          <p:cNvSpPr txBox="1">
+            <a:spLocks noGrp="1"/>
+          </p:cNvSpPr>
           <p:nvPr>
-            <p:ph idx="12" type="sldNum"/>
+            <p:ph type="sldNum" idx="12"/>
           </p:nvPr>
         </p:nvSpPr>
         <p:spPr>
@@ -1191,7 +1226,7 @@
           </a:prstGeom>
         </p:spPr>
         <p:txBody>
-          <a:bodyPr anchorCtr="0" anchor="ctr" bIns="91425" lIns="91425" spcFirstLastPara="1" rIns="91425" wrap="square" tIns="91425">
+          <a:bodyPr spcFirstLastPara="1" wrap="square" lIns="91425" tIns="91425" rIns="91425" bIns="91425" anchor="ctr" anchorCtr="0">
             <a:noAutofit/>
           </a:bodyPr>
           <a:lstStyle>
@@ -1233,7 +1268,7 @@
             </a:lvl9pPr>
           </a:lstStyle>
           <a:p>
-            <a:pPr indent="0" lvl="0" marL="0" rtl="0" algn="r">
+            <a:pPr marL="0" lvl="0" indent="0" algn="r" rtl="0">
               <a:spcBef>
                 <a:spcPts val="0"/>
               </a:spcBef>
@@ -1259,11 +1294,11 @@
 </file>
 
 <file path=ppt/slideLayouts/slideLayout10.xml><?xml version="1.0" encoding="utf-8"?>
-<p:sldLayout xmlns:a="http://schemas.openxmlformats.org/drawingml/2006/main" xmlns:r="http://schemas.openxmlformats.org/officeDocument/2006/relationships" xmlns:mc="http://schemas.openxmlformats.org/markup-compatibility/2006" xmlns:mv="urn:schemas-microsoft-com:mac:vml" xmlns:p="http://schemas.openxmlformats.org/presentationml/2006/main" xmlns:c="http://schemas.openxmlformats.org/drawingml/2006/chart" xmlns:dgm="http://schemas.openxmlformats.org/drawingml/2006/diagram" xmlns:o="urn:schemas-microsoft-com:office:office" xmlns:v="urn:schemas-microsoft-com:vml" xmlns:pvml="urn:schemas-microsoft-com:office:powerpoint" xmlns:com="http://schemas.openxmlformats.org/drawingml/2006/compatibility" xmlns:p14="http://schemas.microsoft.com/office/powerpoint/2010/main" xmlns:p15="http://schemas.microsoft.com/office/powerpoint/2012/main" matchingName="Big number">
+<p:sldLayout xmlns:a="http://schemas.openxmlformats.org/drawingml/2006/main" xmlns:r="http://schemas.openxmlformats.org/officeDocument/2006/relationships" xmlns:p="http://schemas.openxmlformats.org/presentationml/2006/main" matchingName="Big number">
   <p:cSld name="BIG_NUMBER">
     <p:spTree>
       <p:nvGrpSpPr>
-        <p:cNvPr id="44" name="Shape 44"/>
+        <p:cNvPr id="1" name="Shape 44"/>
         <p:cNvGrpSpPr/>
         <p:nvPr/>
       </p:nvGrpSpPr>
@@ -1278,9 +1313,11 @@
       <p:sp>
         <p:nvSpPr>
           <p:cNvPr id="45" name="Google Shape;45;p11"/>
-          <p:cNvSpPr txBox="1"/>
+          <p:cNvSpPr txBox="1">
+            <a:spLocks noGrp="1"/>
+          </p:cNvSpPr>
           <p:nvPr>
-            <p:ph hasCustomPrompt="1" type="title"/>
+            <p:ph type="title" hasCustomPrompt="1"/>
           </p:nvPr>
         </p:nvSpPr>
         <p:spPr>
@@ -1293,7 +1330,7 @@
           </a:prstGeom>
         </p:spPr>
         <p:txBody>
-          <a:bodyPr anchorCtr="0" anchor="b" bIns="91425" lIns="91425" spcFirstLastPara="1" rIns="91425" wrap="square" tIns="91425"/>
+          <a:bodyPr spcFirstLastPara="1" wrap="square" lIns="91425" tIns="91425" rIns="91425" bIns="91425" anchor="b" anchorCtr="0"/>
           <a:lstStyle>
             <a:lvl1pPr lvl="0" algn="ctr">
               <a:spcBef>
@@ -1405,9 +1442,11 @@
       <p:sp>
         <p:nvSpPr>
           <p:cNvPr id="46" name="Google Shape;46;p11"/>
-          <p:cNvSpPr txBox="1"/>
+          <p:cNvSpPr txBox="1">
+            <a:spLocks noGrp="1"/>
+          </p:cNvSpPr>
           <p:nvPr>
-            <p:ph idx="1" type="body"/>
+            <p:ph type="body" idx="1"/>
           </p:nvPr>
         </p:nvSpPr>
         <p:spPr>
@@ -1420,9 +1459,9 @@
           </a:prstGeom>
         </p:spPr>
         <p:txBody>
-          <a:bodyPr anchorCtr="0" anchor="t" bIns="91425" lIns="91425" spcFirstLastPara="1" rIns="91425" wrap="square" tIns="91425"/>
+          <a:bodyPr spcFirstLastPara="1" wrap="square" lIns="91425" tIns="91425" rIns="91425" bIns="91425" anchor="t" anchorCtr="0"/>
           <a:lstStyle>
-            <a:lvl1pPr indent="-342900" lvl="0" marL="457200" algn="ctr">
+            <a:lvl1pPr marL="457200" lvl="0" indent="-342900" algn="ctr">
               <a:spcBef>
                 <a:spcPts val="0"/>
               </a:spcBef>
@@ -1433,7 +1472,7 @@
               <a:buChar char="●"/>
               <a:defRPr/>
             </a:lvl1pPr>
-            <a:lvl2pPr indent="-317500" lvl="1" marL="914400" algn="ctr">
+            <a:lvl2pPr marL="914400" lvl="1" indent="-317500" algn="ctr">
               <a:spcBef>
                 <a:spcPts val="1600"/>
               </a:spcBef>
@@ -1444,7 +1483,7 @@
               <a:buChar char="○"/>
               <a:defRPr/>
             </a:lvl2pPr>
-            <a:lvl3pPr indent="-317500" lvl="2" marL="1371600" algn="ctr">
+            <a:lvl3pPr marL="1371600" lvl="2" indent="-317500" algn="ctr">
               <a:spcBef>
                 <a:spcPts val="1600"/>
               </a:spcBef>
@@ -1455,7 +1494,7 @@
               <a:buChar char="■"/>
               <a:defRPr/>
             </a:lvl3pPr>
-            <a:lvl4pPr indent="-317500" lvl="3" marL="1828800" algn="ctr">
+            <a:lvl4pPr marL="1828800" lvl="3" indent="-317500" algn="ctr">
               <a:spcBef>
                 <a:spcPts val="1600"/>
               </a:spcBef>
@@ -1466,7 +1505,7 @@
               <a:buChar char="●"/>
               <a:defRPr/>
             </a:lvl4pPr>
-            <a:lvl5pPr indent="-317500" lvl="4" marL="2286000" algn="ctr">
+            <a:lvl5pPr marL="2286000" lvl="4" indent="-317500" algn="ctr">
               <a:spcBef>
                 <a:spcPts val="1600"/>
               </a:spcBef>
@@ -1477,7 +1516,7 @@
               <a:buChar char="○"/>
               <a:defRPr/>
             </a:lvl5pPr>
-            <a:lvl6pPr indent="-317500" lvl="5" marL="2743200" algn="ctr">
+            <a:lvl6pPr marL="2743200" lvl="5" indent="-317500" algn="ctr">
               <a:spcBef>
                 <a:spcPts val="1600"/>
               </a:spcBef>
@@ -1488,7 +1527,7 @@
               <a:buChar char="■"/>
               <a:defRPr/>
             </a:lvl6pPr>
-            <a:lvl7pPr indent="-317500" lvl="6" marL="3200400" algn="ctr">
+            <a:lvl7pPr marL="3200400" lvl="6" indent="-317500" algn="ctr">
               <a:spcBef>
                 <a:spcPts val="1600"/>
               </a:spcBef>
@@ -1499,7 +1538,7 @@
               <a:buChar char="●"/>
               <a:defRPr/>
             </a:lvl7pPr>
-            <a:lvl8pPr indent="-317500" lvl="7" marL="3657600" algn="ctr">
+            <a:lvl8pPr marL="3657600" lvl="7" indent="-317500" algn="ctr">
               <a:spcBef>
                 <a:spcPts val="1600"/>
               </a:spcBef>
@@ -1510,7 +1549,7 @@
               <a:buChar char="○"/>
               <a:defRPr/>
             </a:lvl8pPr>
-            <a:lvl9pPr indent="-317500" lvl="8" marL="4114800" algn="ctr">
+            <a:lvl9pPr marL="4114800" lvl="8" indent="-317500" algn="ctr">
               <a:spcBef>
                 <a:spcPts val="1600"/>
               </a:spcBef>
@@ -1522,15 +1561,19 @@
               <a:defRPr/>
             </a:lvl9pPr>
           </a:lstStyle>
-          <a:p/>
+          <a:p>
+            <a:endParaRPr/>
+          </a:p>
         </p:txBody>
       </p:sp>
       <p:sp>
         <p:nvSpPr>
           <p:cNvPr id="47" name="Google Shape;47;p11"/>
-          <p:cNvSpPr txBox="1"/>
+          <p:cNvSpPr txBox="1">
+            <a:spLocks noGrp="1"/>
+          </p:cNvSpPr>
           <p:nvPr>
-            <p:ph idx="12" type="sldNum"/>
+            <p:ph type="sldNum" idx="12"/>
           </p:nvPr>
         </p:nvSpPr>
         <p:spPr>
@@ -1543,7 +1586,7 @@
           </a:prstGeom>
         </p:spPr>
         <p:txBody>
-          <a:bodyPr anchorCtr="0" anchor="ctr" bIns="91425" lIns="91425" spcFirstLastPara="1" rIns="91425" wrap="square" tIns="91425">
+          <a:bodyPr spcFirstLastPara="1" wrap="square" lIns="91425" tIns="91425" rIns="91425" bIns="91425" anchor="ctr" anchorCtr="0">
             <a:noAutofit/>
           </a:bodyPr>
           <a:lstStyle>
@@ -1585,7 +1628,7 @@
             </a:lvl9pPr>
           </a:lstStyle>
           <a:p>
-            <a:pPr indent="0" lvl="0" marL="0" rtl="0" algn="r">
+            <a:pPr marL="0" lvl="0" indent="0" algn="r" rtl="0">
               <a:spcBef>
                 <a:spcPts val="0"/>
               </a:spcBef>
@@ -1611,11 +1654,11 @@
 </file>
 
 <file path=ppt/slideLayouts/slideLayout11.xml><?xml version="1.0" encoding="utf-8"?>
-<p:sldLayout xmlns:a="http://schemas.openxmlformats.org/drawingml/2006/main" xmlns:r="http://schemas.openxmlformats.org/officeDocument/2006/relationships" xmlns:mc="http://schemas.openxmlformats.org/markup-compatibility/2006" xmlns:mv="urn:schemas-microsoft-com:mac:vml" xmlns:p="http://schemas.openxmlformats.org/presentationml/2006/main" xmlns:c="http://schemas.openxmlformats.org/drawingml/2006/chart" xmlns:dgm="http://schemas.openxmlformats.org/drawingml/2006/diagram" xmlns:o="urn:schemas-microsoft-com:office:office" xmlns:v="urn:schemas-microsoft-com:vml" xmlns:pvml="urn:schemas-microsoft-com:office:powerpoint" xmlns:com="http://schemas.openxmlformats.org/drawingml/2006/compatibility" xmlns:p14="http://schemas.microsoft.com/office/powerpoint/2010/main" xmlns:p15="http://schemas.microsoft.com/office/powerpoint/2012/main" matchingName="Blank" type="blank">
+<p:sldLayout xmlns:a="http://schemas.openxmlformats.org/drawingml/2006/main" xmlns:r="http://schemas.openxmlformats.org/officeDocument/2006/relationships" xmlns:p="http://schemas.openxmlformats.org/presentationml/2006/main" matchingName="Blank" type="blank">
   <p:cSld name="BLANK">
     <p:spTree>
       <p:nvGrpSpPr>
-        <p:cNvPr id="48" name="Shape 48"/>
+        <p:cNvPr id="1" name="Shape 48"/>
         <p:cNvGrpSpPr/>
         <p:nvPr/>
       </p:nvGrpSpPr>
@@ -1630,9 +1673,11 @@
       <p:sp>
         <p:nvSpPr>
           <p:cNvPr id="49" name="Google Shape;49;p12"/>
-          <p:cNvSpPr txBox="1"/>
+          <p:cNvSpPr txBox="1">
+            <a:spLocks noGrp="1"/>
+          </p:cNvSpPr>
           <p:nvPr>
-            <p:ph idx="12" type="sldNum"/>
+            <p:ph type="sldNum" idx="12"/>
           </p:nvPr>
         </p:nvSpPr>
         <p:spPr>
@@ -1645,7 +1690,7 @@
           </a:prstGeom>
         </p:spPr>
         <p:txBody>
-          <a:bodyPr anchorCtr="0" anchor="ctr" bIns="91425" lIns="91425" spcFirstLastPara="1" rIns="91425" wrap="square" tIns="91425">
+          <a:bodyPr spcFirstLastPara="1" wrap="square" lIns="91425" tIns="91425" rIns="91425" bIns="91425" anchor="ctr" anchorCtr="0">
             <a:noAutofit/>
           </a:bodyPr>
           <a:lstStyle>
@@ -1687,7 +1732,7 @@
             </a:lvl9pPr>
           </a:lstStyle>
           <a:p>
-            <a:pPr indent="0" lvl="0" marL="0" rtl="0" algn="r">
+            <a:pPr marL="0" lvl="0" indent="0" algn="r" rtl="0">
               <a:spcBef>
                 <a:spcPts val="0"/>
               </a:spcBef>
@@ -1713,11 +1758,11 @@
 </file>
 
 <file path=ppt/slideLayouts/slideLayout2.xml><?xml version="1.0" encoding="utf-8"?>
-<p:sldLayout xmlns:a="http://schemas.openxmlformats.org/drawingml/2006/main" xmlns:r="http://schemas.openxmlformats.org/officeDocument/2006/relationships" xmlns:mc="http://schemas.openxmlformats.org/markup-compatibility/2006" xmlns:mv="urn:schemas-microsoft-com:mac:vml" xmlns:p="http://schemas.openxmlformats.org/presentationml/2006/main" xmlns:c="http://schemas.openxmlformats.org/drawingml/2006/chart" xmlns:dgm="http://schemas.openxmlformats.org/drawingml/2006/diagram" xmlns:o="urn:schemas-microsoft-com:office:office" xmlns:v="urn:schemas-microsoft-com:vml" xmlns:pvml="urn:schemas-microsoft-com:office:powerpoint" xmlns:com="http://schemas.openxmlformats.org/drawingml/2006/compatibility" xmlns:p14="http://schemas.microsoft.com/office/powerpoint/2010/main" xmlns:p15="http://schemas.microsoft.com/office/powerpoint/2012/main" matchingName="Section header" type="secHead">
+<p:sldLayout xmlns:a="http://schemas.openxmlformats.org/drawingml/2006/main" xmlns:r="http://schemas.openxmlformats.org/officeDocument/2006/relationships" xmlns:p="http://schemas.openxmlformats.org/presentationml/2006/main" matchingName="Section header" type="secHead">
   <p:cSld name="SECTION_HEADER">
     <p:spTree>
       <p:nvGrpSpPr>
-        <p:cNvPr id="13" name="Shape 13"/>
+        <p:cNvPr id="1" name="Shape 13"/>
         <p:cNvGrpSpPr/>
         <p:nvPr/>
       </p:nvGrpSpPr>
@@ -1732,7 +1777,9 @@
       <p:sp>
         <p:nvSpPr>
           <p:cNvPr id="14" name="Google Shape;14;p3"/>
-          <p:cNvSpPr txBox="1"/>
+          <p:cNvSpPr txBox="1">
+            <a:spLocks noGrp="1"/>
+          </p:cNvSpPr>
           <p:nvPr>
             <p:ph type="title"/>
           </p:nvPr>
@@ -1747,7 +1794,7 @@
           </a:prstGeom>
         </p:spPr>
         <p:txBody>
-          <a:bodyPr anchorCtr="0" anchor="ctr" bIns="91425" lIns="91425" spcFirstLastPara="1" rIns="91425" wrap="square" tIns="91425"/>
+          <a:bodyPr spcFirstLastPara="1" wrap="square" lIns="91425" tIns="91425" rIns="91425" bIns="91425" anchor="ctr" anchorCtr="0"/>
           <a:lstStyle>
             <a:lvl1pPr lvl="0" algn="ctr">
               <a:spcBef>
@@ -1849,15 +1896,19 @@
               <a:defRPr sz="3600"/>
             </a:lvl9pPr>
           </a:lstStyle>
-          <a:p/>
+          <a:p>
+            <a:endParaRPr/>
+          </a:p>
         </p:txBody>
       </p:sp>
       <p:sp>
         <p:nvSpPr>
           <p:cNvPr id="15" name="Google Shape;15;p3"/>
-          <p:cNvSpPr txBox="1"/>
+          <p:cNvSpPr txBox="1">
+            <a:spLocks noGrp="1"/>
+          </p:cNvSpPr>
           <p:nvPr>
-            <p:ph idx="12" type="sldNum"/>
+            <p:ph type="sldNum" idx="12"/>
           </p:nvPr>
         </p:nvSpPr>
         <p:spPr>
@@ -1870,7 +1921,7 @@
           </a:prstGeom>
         </p:spPr>
         <p:txBody>
-          <a:bodyPr anchorCtr="0" anchor="ctr" bIns="91425" lIns="91425" spcFirstLastPara="1" rIns="91425" wrap="square" tIns="91425">
+          <a:bodyPr spcFirstLastPara="1" wrap="square" lIns="91425" tIns="91425" rIns="91425" bIns="91425" anchor="ctr" anchorCtr="0">
             <a:noAutofit/>
           </a:bodyPr>
           <a:lstStyle>
@@ -1912,7 +1963,7 @@
             </a:lvl9pPr>
           </a:lstStyle>
           <a:p>
-            <a:pPr indent="0" lvl="0" marL="0" rtl="0" algn="r">
+            <a:pPr marL="0" lvl="0" indent="0" algn="r" rtl="0">
               <a:spcBef>
                 <a:spcPts val="0"/>
               </a:spcBef>
@@ -1938,11 +1989,11 @@
 </file>
 
 <file path=ppt/slideLayouts/slideLayout3.xml><?xml version="1.0" encoding="utf-8"?>
-<p:sldLayout xmlns:a="http://schemas.openxmlformats.org/drawingml/2006/main" xmlns:r="http://schemas.openxmlformats.org/officeDocument/2006/relationships" xmlns:mc="http://schemas.openxmlformats.org/markup-compatibility/2006" xmlns:mv="urn:schemas-microsoft-com:mac:vml" xmlns:p="http://schemas.openxmlformats.org/presentationml/2006/main" xmlns:c="http://schemas.openxmlformats.org/drawingml/2006/chart" xmlns:dgm="http://schemas.openxmlformats.org/drawingml/2006/diagram" xmlns:o="urn:schemas-microsoft-com:office:office" xmlns:v="urn:schemas-microsoft-com:vml" xmlns:pvml="urn:schemas-microsoft-com:office:powerpoint" xmlns:com="http://schemas.openxmlformats.org/drawingml/2006/compatibility" xmlns:p14="http://schemas.microsoft.com/office/powerpoint/2010/main" xmlns:p15="http://schemas.microsoft.com/office/powerpoint/2012/main" matchingName="Title and body" type="tx">
+<p:sldLayout xmlns:a="http://schemas.openxmlformats.org/drawingml/2006/main" xmlns:r="http://schemas.openxmlformats.org/officeDocument/2006/relationships" xmlns:p="http://schemas.openxmlformats.org/presentationml/2006/main" matchingName="Title and body" type="tx">
   <p:cSld name="TITLE_AND_BODY">
     <p:spTree>
       <p:nvGrpSpPr>
-        <p:cNvPr id="16" name="Shape 16"/>
+        <p:cNvPr id="1" name="Shape 16"/>
         <p:cNvGrpSpPr/>
         <p:nvPr/>
       </p:nvGrpSpPr>
@@ -1957,7 +2008,9 @@
       <p:sp>
         <p:nvSpPr>
           <p:cNvPr id="17" name="Google Shape;17;p4"/>
-          <p:cNvSpPr txBox="1"/>
+          <p:cNvSpPr txBox="1">
+            <a:spLocks noGrp="1"/>
+          </p:cNvSpPr>
           <p:nvPr>
             <p:ph type="title"/>
           </p:nvPr>
@@ -1972,7 +2025,7 @@
           </a:prstGeom>
         </p:spPr>
         <p:txBody>
-          <a:bodyPr anchorCtr="0" anchor="t" bIns="91425" lIns="91425" spcFirstLastPara="1" rIns="91425" wrap="square" tIns="91425"/>
+          <a:bodyPr spcFirstLastPara="1" wrap="square" lIns="91425" tIns="91425" rIns="91425" bIns="91425" anchor="t" anchorCtr="0"/>
           <a:lstStyle>
             <a:lvl1pPr lvl="0">
               <a:spcBef>
@@ -2074,15 +2127,19 @@
               <a:defRPr/>
             </a:lvl9pPr>
           </a:lstStyle>
-          <a:p/>
+          <a:p>
+            <a:endParaRPr/>
+          </a:p>
         </p:txBody>
       </p:sp>
       <p:sp>
         <p:nvSpPr>
           <p:cNvPr id="18" name="Google Shape;18;p4"/>
-          <p:cNvSpPr txBox="1"/>
+          <p:cNvSpPr txBox="1">
+            <a:spLocks noGrp="1"/>
+          </p:cNvSpPr>
           <p:nvPr>
-            <p:ph idx="1" type="body"/>
+            <p:ph type="body" idx="1"/>
           </p:nvPr>
         </p:nvSpPr>
         <p:spPr>
@@ -2095,9 +2152,9 @@
           </a:prstGeom>
         </p:spPr>
         <p:txBody>
-          <a:bodyPr anchorCtr="0" anchor="t" bIns="91425" lIns="91425" spcFirstLastPara="1" rIns="91425" wrap="square" tIns="91425"/>
+          <a:bodyPr spcFirstLastPara="1" wrap="square" lIns="91425" tIns="91425" rIns="91425" bIns="91425" anchor="t" anchorCtr="0"/>
           <a:lstStyle>
-            <a:lvl1pPr indent="-342900" lvl="0" marL="457200">
+            <a:lvl1pPr marL="457200" lvl="0" indent="-342900">
               <a:spcBef>
                 <a:spcPts val="0"/>
               </a:spcBef>
@@ -2108,7 +2165,7 @@
               <a:buChar char="●"/>
               <a:defRPr/>
             </a:lvl1pPr>
-            <a:lvl2pPr indent="-317500" lvl="1" marL="914400">
+            <a:lvl2pPr marL="914400" lvl="1" indent="-317500">
               <a:spcBef>
                 <a:spcPts val="1600"/>
               </a:spcBef>
@@ -2119,7 +2176,7 @@
               <a:buChar char="○"/>
               <a:defRPr/>
             </a:lvl2pPr>
-            <a:lvl3pPr indent="-317500" lvl="2" marL="1371600">
+            <a:lvl3pPr marL="1371600" lvl="2" indent="-317500">
               <a:spcBef>
                 <a:spcPts val="1600"/>
               </a:spcBef>
@@ -2130,7 +2187,7 @@
               <a:buChar char="■"/>
               <a:defRPr/>
             </a:lvl3pPr>
-            <a:lvl4pPr indent="-317500" lvl="3" marL="1828800">
+            <a:lvl4pPr marL="1828800" lvl="3" indent="-317500">
               <a:spcBef>
                 <a:spcPts val="1600"/>
               </a:spcBef>
@@ -2141,7 +2198,7 @@
               <a:buChar char="●"/>
               <a:defRPr/>
             </a:lvl4pPr>
-            <a:lvl5pPr indent="-317500" lvl="4" marL="2286000">
+            <a:lvl5pPr marL="2286000" lvl="4" indent="-317500">
               <a:spcBef>
                 <a:spcPts val="1600"/>
               </a:spcBef>
@@ -2152,7 +2209,7 @@
               <a:buChar char="○"/>
               <a:defRPr/>
             </a:lvl5pPr>
-            <a:lvl6pPr indent="-317500" lvl="5" marL="2743200">
+            <a:lvl6pPr marL="2743200" lvl="5" indent="-317500">
               <a:spcBef>
                 <a:spcPts val="1600"/>
               </a:spcBef>
@@ -2163,7 +2220,7 @@
               <a:buChar char="■"/>
               <a:defRPr/>
             </a:lvl6pPr>
-            <a:lvl7pPr indent="-317500" lvl="6" marL="3200400">
+            <a:lvl7pPr marL="3200400" lvl="6" indent="-317500">
               <a:spcBef>
                 <a:spcPts val="1600"/>
               </a:spcBef>
@@ -2174,7 +2231,7 @@
               <a:buChar char="●"/>
               <a:defRPr/>
             </a:lvl7pPr>
-            <a:lvl8pPr indent="-317500" lvl="7" marL="3657600">
+            <a:lvl8pPr marL="3657600" lvl="7" indent="-317500">
               <a:spcBef>
                 <a:spcPts val="1600"/>
               </a:spcBef>
@@ -2185,7 +2242,7 @@
               <a:buChar char="○"/>
               <a:defRPr/>
             </a:lvl8pPr>
-            <a:lvl9pPr indent="-317500" lvl="8" marL="4114800">
+            <a:lvl9pPr marL="4114800" lvl="8" indent="-317500">
               <a:spcBef>
                 <a:spcPts val="1600"/>
               </a:spcBef>
@@ -2197,15 +2254,19 @@
               <a:defRPr/>
             </a:lvl9pPr>
           </a:lstStyle>
-          <a:p/>
+          <a:p>
+            <a:endParaRPr/>
+          </a:p>
         </p:txBody>
       </p:sp>
       <p:sp>
         <p:nvSpPr>
           <p:cNvPr id="19" name="Google Shape;19;p4"/>
-          <p:cNvSpPr txBox="1"/>
+          <p:cNvSpPr txBox="1">
+            <a:spLocks noGrp="1"/>
+          </p:cNvSpPr>
           <p:nvPr>
-            <p:ph idx="12" type="sldNum"/>
+            <p:ph type="sldNum" idx="12"/>
           </p:nvPr>
         </p:nvSpPr>
         <p:spPr>
@@ -2218,7 +2279,7 @@
           </a:prstGeom>
         </p:spPr>
         <p:txBody>
-          <a:bodyPr anchorCtr="0" anchor="ctr" bIns="91425" lIns="91425" spcFirstLastPara="1" rIns="91425" wrap="square" tIns="91425">
+          <a:bodyPr spcFirstLastPara="1" wrap="square" lIns="91425" tIns="91425" rIns="91425" bIns="91425" anchor="ctr" anchorCtr="0">
             <a:noAutofit/>
           </a:bodyPr>
           <a:lstStyle>
@@ -2260,7 +2321,7 @@
             </a:lvl9pPr>
           </a:lstStyle>
           <a:p>
-            <a:pPr indent="0" lvl="0" marL="0" rtl="0" algn="r">
+            <a:pPr marL="0" lvl="0" indent="0" algn="r" rtl="0">
               <a:spcBef>
                 <a:spcPts val="0"/>
               </a:spcBef>
@@ -2286,11 +2347,11 @@
 </file>
 
 <file path=ppt/slideLayouts/slideLayout4.xml><?xml version="1.0" encoding="utf-8"?>
-<p:sldLayout xmlns:a="http://schemas.openxmlformats.org/drawingml/2006/main" xmlns:r="http://schemas.openxmlformats.org/officeDocument/2006/relationships" xmlns:mc="http://schemas.openxmlformats.org/markup-compatibility/2006" xmlns:mv="urn:schemas-microsoft-com:mac:vml" xmlns:p="http://schemas.openxmlformats.org/presentationml/2006/main" xmlns:c="http://schemas.openxmlformats.org/drawingml/2006/chart" xmlns:dgm="http://schemas.openxmlformats.org/drawingml/2006/diagram" xmlns:o="urn:schemas-microsoft-com:office:office" xmlns:v="urn:schemas-microsoft-com:vml" xmlns:pvml="urn:schemas-microsoft-com:office:powerpoint" xmlns:com="http://schemas.openxmlformats.org/drawingml/2006/compatibility" xmlns:p14="http://schemas.microsoft.com/office/powerpoint/2010/main" xmlns:p15="http://schemas.microsoft.com/office/powerpoint/2012/main" matchingName="Title and two columns" type="twoColTx">
+<p:sldLayout xmlns:a="http://schemas.openxmlformats.org/drawingml/2006/main" xmlns:r="http://schemas.openxmlformats.org/officeDocument/2006/relationships" xmlns:p="http://schemas.openxmlformats.org/presentationml/2006/main" matchingName="Title and two columns" type="twoColTx">
   <p:cSld name="TITLE_AND_TWO_COLUMNS">
     <p:spTree>
       <p:nvGrpSpPr>
-        <p:cNvPr id="20" name="Shape 20"/>
+        <p:cNvPr id="1" name="Shape 20"/>
         <p:cNvGrpSpPr/>
         <p:nvPr/>
       </p:nvGrpSpPr>
@@ -2305,7 +2366,9 @@
       <p:sp>
         <p:nvSpPr>
           <p:cNvPr id="21" name="Google Shape;21;p5"/>
-          <p:cNvSpPr txBox="1"/>
+          <p:cNvSpPr txBox="1">
+            <a:spLocks noGrp="1"/>
+          </p:cNvSpPr>
           <p:nvPr>
             <p:ph type="title"/>
           </p:nvPr>
@@ -2320,7 +2383,7 @@
           </a:prstGeom>
         </p:spPr>
         <p:txBody>
-          <a:bodyPr anchorCtr="0" anchor="t" bIns="91425" lIns="91425" spcFirstLastPara="1" rIns="91425" wrap="square" tIns="91425"/>
+          <a:bodyPr spcFirstLastPara="1" wrap="square" lIns="91425" tIns="91425" rIns="91425" bIns="91425" anchor="t" anchorCtr="0"/>
           <a:lstStyle>
             <a:lvl1pPr lvl="0">
               <a:spcBef>
@@ -2422,15 +2485,19 @@
               <a:defRPr/>
             </a:lvl9pPr>
           </a:lstStyle>
-          <a:p/>
+          <a:p>
+            <a:endParaRPr/>
+          </a:p>
         </p:txBody>
       </p:sp>
       <p:sp>
         <p:nvSpPr>
           <p:cNvPr id="22" name="Google Shape;22;p5"/>
-          <p:cNvSpPr txBox="1"/>
+          <p:cNvSpPr txBox="1">
+            <a:spLocks noGrp="1"/>
+          </p:cNvSpPr>
           <p:nvPr>
-            <p:ph idx="1" type="body"/>
+            <p:ph type="body" idx="1"/>
           </p:nvPr>
         </p:nvSpPr>
         <p:spPr>
@@ -2443,9 +2510,9 @@
           </a:prstGeom>
         </p:spPr>
         <p:txBody>
-          <a:bodyPr anchorCtr="0" anchor="t" bIns="91425" lIns="91425" spcFirstLastPara="1" rIns="91425" wrap="square" tIns="91425"/>
+          <a:bodyPr spcFirstLastPara="1" wrap="square" lIns="91425" tIns="91425" rIns="91425" bIns="91425" anchor="t" anchorCtr="0"/>
           <a:lstStyle>
-            <a:lvl1pPr indent="-317500" lvl="0" marL="457200">
+            <a:lvl1pPr marL="457200" lvl="0" indent="-317500">
               <a:spcBef>
                 <a:spcPts val="0"/>
               </a:spcBef>
@@ -2456,7 +2523,7 @@
               <a:buChar char="●"/>
               <a:defRPr sz="1400"/>
             </a:lvl1pPr>
-            <a:lvl2pPr indent="-304800" lvl="1" marL="914400">
+            <a:lvl2pPr marL="914400" lvl="1" indent="-304800">
               <a:spcBef>
                 <a:spcPts val="1600"/>
               </a:spcBef>
@@ -2467,7 +2534,7 @@
               <a:buChar char="○"/>
               <a:defRPr sz="1200"/>
             </a:lvl2pPr>
-            <a:lvl3pPr indent="-304800" lvl="2" marL="1371600">
+            <a:lvl3pPr marL="1371600" lvl="2" indent="-304800">
               <a:spcBef>
                 <a:spcPts val="1600"/>
               </a:spcBef>
@@ -2478,7 +2545,7 @@
               <a:buChar char="■"/>
               <a:defRPr sz="1200"/>
             </a:lvl3pPr>
-            <a:lvl4pPr indent="-304800" lvl="3" marL="1828800">
+            <a:lvl4pPr marL="1828800" lvl="3" indent="-304800">
               <a:spcBef>
                 <a:spcPts val="1600"/>
               </a:spcBef>
@@ -2489,7 +2556,7 @@
               <a:buChar char="●"/>
               <a:defRPr sz="1200"/>
             </a:lvl4pPr>
-            <a:lvl5pPr indent="-304800" lvl="4" marL="2286000">
+            <a:lvl5pPr marL="2286000" lvl="4" indent="-304800">
               <a:spcBef>
                 <a:spcPts val="1600"/>
               </a:spcBef>
@@ -2500,7 +2567,7 @@
               <a:buChar char="○"/>
               <a:defRPr sz="1200"/>
             </a:lvl5pPr>
-            <a:lvl6pPr indent="-304800" lvl="5" marL="2743200">
+            <a:lvl6pPr marL="2743200" lvl="5" indent="-304800">
               <a:spcBef>
                 <a:spcPts val="1600"/>
               </a:spcBef>
@@ -2511,7 +2578,7 @@
               <a:buChar char="■"/>
               <a:defRPr sz="1200"/>
             </a:lvl6pPr>
-            <a:lvl7pPr indent="-304800" lvl="6" marL="3200400">
+            <a:lvl7pPr marL="3200400" lvl="6" indent="-304800">
               <a:spcBef>
                 <a:spcPts val="1600"/>
               </a:spcBef>
@@ -2522,7 +2589,7 @@
               <a:buChar char="●"/>
               <a:defRPr sz="1200"/>
             </a:lvl7pPr>
-            <a:lvl8pPr indent="-304800" lvl="7" marL="3657600">
+            <a:lvl8pPr marL="3657600" lvl="7" indent="-304800">
               <a:spcBef>
                 <a:spcPts val="1600"/>
               </a:spcBef>
@@ -2533,7 +2600,7 @@
               <a:buChar char="○"/>
               <a:defRPr sz="1200"/>
             </a:lvl8pPr>
-            <a:lvl9pPr indent="-304800" lvl="8" marL="4114800">
+            <a:lvl9pPr marL="4114800" lvl="8" indent="-304800">
               <a:spcBef>
                 <a:spcPts val="1600"/>
               </a:spcBef>
@@ -2545,15 +2612,19 @@
               <a:defRPr sz="1200"/>
             </a:lvl9pPr>
           </a:lstStyle>
-          <a:p/>
+          <a:p>
+            <a:endParaRPr/>
+          </a:p>
         </p:txBody>
       </p:sp>
       <p:sp>
         <p:nvSpPr>
           <p:cNvPr id="23" name="Google Shape;23;p5"/>
-          <p:cNvSpPr txBox="1"/>
+          <p:cNvSpPr txBox="1">
+            <a:spLocks noGrp="1"/>
+          </p:cNvSpPr>
           <p:nvPr>
-            <p:ph idx="2" type="body"/>
+            <p:ph type="body" idx="2"/>
           </p:nvPr>
         </p:nvSpPr>
         <p:spPr>
@@ -2566,9 +2637,9 @@
           </a:prstGeom>
         </p:spPr>
         <p:txBody>
-          <a:bodyPr anchorCtr="0" anchor="t" bIns="91425" lIns="91425" spcFirstLastPara="1" rIns="91425" wrap="square" tIns="91425"/>
+          <a:bodyPr spcFirstLastPara="1" wrap="square" lIns="91425" tIns="91425" rIns="91425" bIns="91425" anchor="t" anchorCtr="0"/>
           <a:lstStyle>
-            <a:lvl1pPr indent="-317500" lvl="0" marL="457200">
+            <a:lvl1pPr marL="457200" lvl="0" indent="-317500">
               <a:spcBef>
                 <a:spcPts val="0"/>
               </a:spcBef>
@@ -2579,7 +2650,7 @@
               <a:buChar char="●"/>
               <a:defRPr sz="1400"/>
             </a:lvl1pPr>
-            <a:lvl2pPr indent="-304800" lvl="1" marL="914400">
+            <a:lvl2pPr marL="914400" lvl="1" indent="-304800">
               <a:spcBef>
                 <a:spcPts val="1600"/>
               </a:spcBef>
@@ -2590,7 +2661,7 @@
               <a:buChar char="○"/>
               <a:defRPr sz="1200"/>
             </a:lvl2pPr>
-            <a:lvl3pPr indent="-304800" lvl="2" marL="1371600">
+            <a:lvl3pPr marL="1371600" lvl="2" indent="-304800">
               <a:spcBef>
                 <a:spcPts val="1600"/>
               </a:spcBef>
@@ -2601,7 +2672,7 @@
               <a:buChar char="■"/>
               <a:defRPr sz="1200"/>
             </a:lvl3pPr>
-            <a:lvl4pPr indent="-304800" lvl="3" marL="1828800">
+            <a:lvl4pPr marL="1828800" lvl="3" indent="-304800">
               <a:spcBef>
                 <a:spcPts val="1600"/>
               </a:spcBef>
@@ -2612,7 +2683,7 @@
               <a:buChar char="●"/>
               <a:defRPr sz="1200"/>
             </a:lvl4pPr>
-            <a:lvl5pPr indent="-304800" lvl="4" marL="2286000">
+            <a:lvl5pPr marL="2286000" lvl="4" indent="-304800">
               <a:spcBef>
                 <a:spcPts val="1600"/>
               </a:spcBef>
@@ -2623,7 +2694,7 @@
               <a:buChar char="○"/>
               <a:defRPr sz="1200"/>
             </a:lvl5pPr>
-            <a:lvl6pPr indent="-304800" lvl="5" marL="2743200">
+            <a:lvl6pPr marL="2743200" lvl="5" indent="-304800">
               <a:spcBef>
                 <a:spcPts val="1600"/>
               </a:spcBef>
@@ -2634,7 +2705,7 @@
               <a:buChar char="■"/>
               <a:defRPr sz="1200"/>
             </a:lvl6pPr>
-            <a:lvl7pPr indent="-304800" lvl="6" marL="3200400">
+            <a:lvl7pPr marL="3200400" lvl="6" indent="-304800">
               <a:spcBef>
                 <a:spcPts val="1600"/>
               </a:spcBef>
@@ -2645,7 +2716,7 @@
               <a:buChar char="●"/>
               <a:defRPr sz="1200"/>
             </a:lvl7pPr>
-            <a:lvl8pPr indent="-304800" lvl="7" marL="3657600">
+            <a:lvl8pPr marL="3657600" lvl="7" indent="-304800">
               <a:spcBef>
                 <a:spcPts val="1600"/>
               </a:spcBef>
@@ -2656,7 +2727,7 @@
               <a:buChar char="○"/>
               <a:defRPr sz="1200"/>
             </a:lvl8pPr>
-            <a:lvl9pPr indent="-304800" lvl="8" marL="4114800">
+            <a:lvl9pPr marL="4114800" lvl="8" indent="-304800">
               <a:spcBef>
                 <a:spcPts val="1600"/>
               </a:spcBef>
@@ -2668,15 +2739,19 @@
               <a:defRPr sz="1200"/>
             </a:lvl9pPr>
           </a:lstStyle>
-          <a:p/>
+          <a:p>
+            <a:endParaRPr/>
+          </a:p>
         </p:txBody>
       </p:sp>
       <p:sp>
         <p:nvSpPr>
           <p:cNvPr id="24" name="Google Shape;24;p5"/>
-          <p:cNvSpPr txBox="1"/>
+          <p:cNvSpPr txBox="1">
+            <a:spLocks noGrp="1"/>
+          </p:cNvSpPr>
           <p:nvPr>
-            <p:ph idx="12" type="sldNum"/>
+            <p:ph type="sldNum" idx="12"/>
           </p:nvPr>
         </p:nvSpPr>
         <p:spPr>
@@ -2689,7 +2764,7 @@
           </a:prstGeom>
         </p:spPr>
         <p:txBody>
-          <a:bodyPr anchorCtr="0" anchor="ctr" bIns="91425" lIns="91425" spcFirstLastPara="1" rIns="91425" wrap="square" tIns="91425">
+          <a:bodyPr spcFirstLastPara="1" wrap="square" lIns="91425" tIns="91425" rIns="91425" bIns="91425" anchor="ctr" anchorCtr="0">
             <a:noAutofit/>
           </a:bodyPr>
           <a:lstStyle>
@@ -2731,7 +2806,7 @@
             </a:lvl9pPr>
           </a:lstStyle>
           <a:p>
-            <a:pPr indent="0" lvl="0" marL="0" rtl="0" algn="r">
+            <a:pPr marL="0" lvl="0" indent="0" algn="r" rtl="0">
               <a:spcBef>
                 <a:spcPts val="0"/>
               </a:spcBef>
@@ -2757,11 +2832,11 @@
 </file>
 
 <file path=ppt/slideLayouts/slideLayout5.xml><?xml version="1.0" encoding="utf-8"?>
-<p:sldLayout xmlns:a="http://schemas.openxmlformats.org/drawingml/2006/main" xmlns:r="http://schemas.openxmlformats.org/officeDocument/2006/relationships" xmlns:mc="http://schemas.openxmlformats.org/markup-compatibility/2006" xmlns:mv="urn:schemas-microsoft-com:mac:vml" xmlns:p="http://schemas.openxmlformats.org/presentationml/2006/main" xmlns:c="http://schemas.openxmlformats.org/drawingml/2006/chart" xmlns:dgm="http://schemas.openxmlformats.org/drawingml/2006/diagram" xmlns:o="urn:schemas-microsoft-com:office:office" xmlns:v="urn:schemas-microsoft-com:vml" xmlns:pvml="urn:schemas-microsoft-com:office:powerpoint" xmlns:com="http://schemas.openxmlformats.org/drawingml/2006/compatibility" xmlns:p14="http://schemas.microsoft.com/office/powerpoint/2010/main" xmlns:p15="http://schemas.microsoft.com/office/powerpoint/2012/main" matchingName="Title only" type="titleOnly">
+<p:sldLayout xmlns:a="http://schemas.openxmlformats.org/drawingml/2006/main" xmlns:r="http://schemas.openxmlformats.org/officeDocument/2006/relationships" xmlns:p="http://schemas.openxmlformats.org/presentationml/2006/main" matchingName="Title only" type="titleOnly">
   <p:cSld name="TITLE_ONLY">
     <p:spTree>
       <p:nvGrpSpPr>
-        <p:cNvPr id="25" name="Shape 25"/>
+        <p:cNvPr id="1" name="Shape 25"/>
         <p:cNvGrpSpPr/>
         <p:nvPr/>
       </p:nvGrpSpPr>
@@ -2776,7 +2851,9 @@
       <p:sp>
         <p:nvSpPr>
           <p:cNvPr id="26" name="Google Shape;26;p6"/>
-          <p:cNvSpPr txBox="1"/>
+          <p:cNvSpPr txBox="1">
+            <a:spLocks noGrp="1"/>
+          </p:cNvSpPr>
           <p:nvPr>
             <p:ph type="title"/>
           </p:nvPr>
@@ -2791,7 +2868,7 @@
           </a:prstGeom>
         </p:spPr>
         <p:txBody>
-          <a:bodyPr anchorCtr="0" anchor="t" bIns="91425" lIns="91425" spcFirstLastPara="1" rIns="91425" wrap="square" tIns="91425"/>
+          <a:bodyPr spcFirstLastPara="1" wrap="square" lIns="91425" tIns="91425" rIns="91425" bIns="91425" anchor="t" anchorCtr="0"/>
           <a:lstStyle>
             <a:lvl1pPr lvl="0">
               <a:spcBef>
@@ -2893,15 +2970,19 @@
               <a:defRPr/>
             </a:lvl9pPr>
           </a:lstStyle>
-          <a:p/>
+          <a:p>
+            <a:endParaRPr/>
+          </a:p>
         </p:txBody>
       </p:sp>
       <p:sp>
         <p:nvSpPr>
           <p:cNvPr id="27" name="Google Shape;27;p6"/>
-          <p:cNvSpPr txBox="1"/>
+          <p:cNvSpPr txBox="1">
+            <a:spLocks noGrp="1"/>
+          </p:cNvSpPr>
           <p:nvPr>
-            <p:ph idx="12" type="sldNum"/>
+            <p:ph type="sldNum" idx="12"/>
           </p:nvPr>
         </p:nvSpPr>
         <p:spPr>
@@ -2914,7 +2995,7 @@
           </a:prstGeom>
         </p:spPr>
         <p:txBody>
-          <a:bodyPr anchorCtr="0" anchor="ctr" bIns="91425" lIns="91425" spcFirstLastPara="1" rIns="91425" wrap="square" tIns="91425">
+          <a:bodyPr spcFirstLastPara="1" wrap="square" lIns="91425" tIns="91425" rIns="91425" bIns="91425" anchor="ctr" anchorCtr="0">
             <a:noAutofit/>
           </a:bodyPr>
           <a:lstStyle>
@@ -2956,7 +3037,7 @@
             </a:lvl9pPr>
           </a:lstStyle>
           <a:p>
-            <a:pPr indent="0" lvl="0" marL="0" rtl="0" algn="r">
+            <a:pPr marL="0" lvl="0" indent="0" algn="r" rtl="0">
               <a:spcBef>
                 <a:spcPts val="0"/>
               </a:spcBef>
@@ -2982,11 +3063,11 @@
 </file>
 
 <file path=ppt/slideLayouts/slideLayout6.xml><?xml version="1.0" encoding="utf-8"?>
-<p:sldLayout xmlns:a="http://schemas.openxmlformats.org/drawingml/2006/main" xmlns:r="http://schemas.openxmlformats.org/officeDocument/2006/relationships" xmlns:mc="http://schemas.openxmlformats.org/markup-compatibility/2006" xmlns:mv="urn:schemas-microsoft-com:mac:vml" xmlns:p="http://schemas.openxmlformats.org/presentationml/2006/main" xmlns:c="http://schemas.openxmlformats.org/drawingml/2006/chart" xmlns:dgm="http://schemas.openxmlformats.org/drawingml/2006/diagram" xmlns:o="urn:schemas-microsoft-com:office:office" xmlns:v="urn:schemas-microsoft-com:vml" xmlns:pvml="urn:schemas-microsoft-com:office:powerpoint" xmlns:com="http://schemas.openxmlformats.org/drawingml/2006/compatibility" xmlns:p14="http://schemas.microsoft.com/office/powerpoint/2010/main" xmlns:p15="http://schemas.microsoft.com/office/powerpoint/2012/main" matchingName="One column text">
+<p:sldLayout xmlns:a="http://schemas.openxmlformats.org/drawingml/2006/main" xmlns:r="http://schemas.openxmlformats.org/officeDocument/2006/relationships" xmlns:p="http://schemas.openxmlformats.org/presentationml/2006/main" matchingName="One column text">
   <p:cSld name="ONE_COLUMN_TEXT">
     <p:spTree>
       <p:nvGrpSpPr>
-        <p:cNvPr id="28" name="Shape 28"/>
+        <p:cNvPr id="1" name="Shape 28"/>
         <p:cNvGrpSpPr/>
         <p:nvPr/>
       </p:nvGrpSpPr>
@@ -3001,7 +3082,9 @@
       <p:sp>
         <p:nvSpPr>
           <p:cNvPr id="29" name="Google Shape;29;p7"/>
-          <p:cNvSpPr txBox="1"/>
+          <p:cNvSpPr txBox="1">
+            <a:spLocks noGrp="1"/>
+          </p:cNvSpPr>
           <p:nvPr>
             <p:ph type="title"/>
           </p:nvPr>
@@ -3016,7 +3099,7 @@
           </a:prstGeom>
         </p:spPr>
         <p:txBody>
-          <a:bodyPr anchorCtr="0" anchor="b" bIns="91425" lIns="91425" spcFirstLastPara="1" rIns="91425" wrap="square" tIns="91425"/>
+          <a:bodyPr spcFirstLastPara="1" wrap="square" lIns="91425" tIns="91425" rIns="91425" bIns="91425" anchor="b" anchorCtr="0"/>
           <a:lstStyle>
             <a:lvl1pPr lvl="0">
               <a:spcBef>
@@ -3118,15 +3201,19 @@
               <a:defRPr sz="2400"/>
             </a:lvl9pPr>
           </a:lstStyle>
-          <a:p/>
+          <a:p>
+            <a:endParaRPr/>
+          </a:p>
         </p:txBody>
       </p:sp>
       <p:sp>
         <p:nvSpPr>
           <p:cNvPr id="30" name="Google Shape;30;p7"/>
-          <p:cNvSpPr txBox="1"/>
+          <p:cNvSpPr txBox="1">
+            <a:spLocks noGrp="1"/>
+          </p:cNvSpPr>
           <p:nvPr>
-            <p:ph idx="1" type="body"/>
+            <p:ph type="body" idx="1"/>
           </p:nvPr>
         </p:nvSpPr>
         <p:spPr>
@@ -3139,9 +3226,9 @@
           </a:prstGeom>
         </p:spPr>
         <p:txBody>
-          <a:bodyPr anchorCtr="0" anchor="t" bIns="91425" lIns="91425" spcFirstLastPara="1" rIns="91425" wrap="square" tIns="91425"/>
+          <a:bodyPr spcFirstLastPara="1" wrap="square" lIns="91425" tIns="91425" rIns="91425" bIns="91425" anchor="t" anchorCtr="0"/>
           <a:lstStyle>
-            <a:lvl1pPr indent="-304800" lvl="0" marL="457200">
+            <a:lvl1pPr marL="457200" lvl="0" indent="-304800">
               <a:spcBef>
                 <a:spcPts val="0"/>
               </a:spcBef>
@@ -3152,7 +3239,7 @@
               <a:buChar char="●"/>
               <a:defRPr sz="1200"/>
             </a:lvl1pPr>
-            <a:lvl2pPr indent="-304800" lvl="1" marL="914400">
+            <a:lvl2pPr marL="914400" lvl="1" indent="-304800">
               <a:spcBef>
                 <a:spcPts val="1600"/>
               </a:spcBef>
@@ -3163,7 +3250,7 @@
               <a:buChar char="○"/>
               <a:defRPr sz="1200"/>
             </a:lvl2pPr>
-            <a:lvl3pPr indent="-304800" lvl="2" marL="1371600">
+            <a:lvl3pPr marL="1371600" lvl="2" indent="-304800">
               <a:spcBef>
                 <a:spcPts val="1600"/>
               </a:spcBef>
@@ -3174,7 +3261,7 @@
               <a:buChar char="■"/>
               <a:defRPr sz="1200"/>
             </a:lvl3pPr>
-            <a:lvl4pPr indent="-304800" lvl="3" marL="1828800">
+            <a:lvl4pPr marL="1828800" lvl="3" indent="-304800">
               <a:spcBef>
                 <a:spcPts val="1600"/>
               </a:spcBef>
@@ -3185,7 +3272,7 @@
               <a:buChar char="●"/>
               <a:defRPr sz="1200"/>
             </a:lvl4pPr>
-            <a:lvl5pPr indent="-304800" lvl="4" marL="2286000">
+            <a:lvl5pPr marL="2286000" lvl="4" indent="-304800">
               <a:spcBef>
                 <a:spcPts val="1600"/>
               </a:spcBef>
@@ -3196,7 +3283,7 @@
               <a:buChar char="○"/>
               <a:defRPr sz="1200"/>
             </a:lvl5pPr>
-            <a:lvl6pPr indent="-304800" lvl="5" marL="2743200">
+            <a:lvl6pPr marL="2743200" lvl="5" indent="-304800">
               <a:spcBef>
                 <a:spcPts val="1600"/>
               </a:spcBef>
@@ -3207,7 +3294,7 @@
               <a:buChar char="■"/>
               <a:defRPr sz="1200"/>
             </a:lvl6pPr>
-            <a:lvl7pPr indent="-304800" lvl="6" marL="3200400">
+            <a:lvl7pPr marL="3200400" lvl="6" indent="-304800">
               <a:spcBef>
                 <a:spcPts val="1600"/>
               </a:spcBef>
@@ -3218,7 +3305,7 @@
               <a:buChar char="●"/>
               <a:defRPr sz="1200"/>
             </a:lvl7pPr>
-            <a:lvl8pPr indent="-304800" lvl="7" marL="3657600">
+            <a:lvl8pPr marL="3657600" lvl="7" indent="-304800">
               <a:spcBef>
                 <a:spcPts val="1600"/>
               </a:spcBef>
@@ -3229,7 +3316,7 @@
               <a:buChar char="○"/>
               <a:defRPr sz="1200"/>
             </a:lvl8pPr>
-            <a:lvl9pPr indent="-304800" lvl="8" marL="4114800">
+            <a:lvl9pPr marL="4114800" lvl="8" indent="-304800">
               <a:spcBef>
                 <a:spcPts val="1600"/>
               </a:spcBef>
@@ -3241,15 +3328,19 @@
               <a:defRPr sz="1200"/>
             </a:lvl9pPr>
           </a:lstStyle>
-          <a:p/>
+          <a:p>
+            <a:endParaRPr/>
+          </a:p>
         </p:txBody>
       </p:sp>
       <p:sp>
         <p:nvSpPr>
           <p:cNvPr id="31" name="Google Shape;31;p7"/>
-          <p:cNvSpPr txBox="1"/>
+          <p:cNvSpPr txBox="1">
+            <a:spLocks noGrp="1"/>
+          </p:cNvSpPr>
           <p:nvPr>
-            <p:ph idx="12" type="sldNum"/>
+            <p:ph type="sldNum" idx="12"/>
           </p:nvPr>
         </p:nvSpPr>
         <p:spPr>
@@ -3262,7 +3353,7 @@
           </a:prstGeom>
         </p:spPr>
         <p:txBody>
-          <a:bodyPr anchorCtr="0" anchor="ctr" bIns="91425" lIns="91425" spcFirstLastPara="1" rIns="91425" wrap="square" tIns="91425">
+          <a:bodyPr spcFirstLastPara="1" wrap="square" lIns="91425" tIns="91425" rIns="91425" bIns="91425" anchor="ctr" anchorCtr="0">
             <a:noAutofit/>
           </a:bodyPr>
           <a:lstStyle>
@@ -3304,7 +3395,7 @@
             </a:lvl9pPr>
           </a:lstStyle>
           <a:p>
-            <a:pPr indent="0" lvl="0" marL="0" rtl="0" algn="r">
+            <a:pPr marL="0" lvl="0" indent="0" algn="r" rtl="0">
               <a:spcBef>
                 <a:spcPts val="0"/>
               </a:spcBef>
@@ -3330,11 +3421,11 @@
 </file>
 
 <file path=ppt/slideLayouts/slideLayout7.xml><?xml version="1.0" encoding="utf-8"?>
-<p:sldLayout xmlns:a="http://schemas.openxmlformats.org/drawingml/2006/main" xmlns:r="http://schemas.openxmlformats.org/officeDocument/2006/relationships" xmlns:mc="http://schemas.openxmlformats.org/markup-compatibility/2006" xmlns:mv="urn:schemas-microsoft-com:mac:vml" xmlns:p="http://schemas.openxmlformats.org/presentationml/2006/main" xmlns:c="http://schemas.openxmlformats.org/drawingml/2006/chart" xmlns:dgm="http://schemas.openxmlformats.org/drawingml/2006/diagram" xmlns:o="urn:schemas-microsoft-com:office:office" xmlns:v="urn:schemas-microsoft-com:vml" xmlns:pvml="urn:schemas-microsoft-com:office:powerpoint" xmlns:com="http://schemas.openxmlformats.org/drawingml/2006/compatibility" xmlns:p14="http://schemas.microsoft.com/office/powerpoint/2010/main" xmlns:p15="http://schemas.microsoft.com/office/powerpoint/2012/main" matchingName="Main point">
+<p:sldLayout xmlns:a="http://schemas.openxmlformats.org/drawingml/2006/main" xmlns:r="http://schemas.openxmlformats.org/officeDocument/2006/relationships" xmlns:p="http://schemas.openxmlformats.org/presentationml/2006/main" matchingName="Main point">
   <p:cSld name="MAIN_POINT">
     <p:spTree>
       <p:nvGrpSpPr>
-        <p:cNvPr id="32" name="Shape 32"/>
+        <p:cNvPr id="1" name="Shape 32"/>
         <p:cNvGrpSpPr/>
         <p:nvPr/>
       </p:nvGrpSpPr>
@@ -3349,7 +3440,9 @@
       <p:sp>
         <p:nvSpPr>
           <p:cNvPr id="33" name="Google Shape;33;p8"/>
-          <p:cNvSpPr txBox="1"/>
+          <p:cNvSpPr txBox="1">
+            <a:spLocks noGrp="1"/>
+          </p:cNvSpPr>
           <p:nvPr>
             <p:ph type="title"/>
           </p:nvPr>
@@ -3364,7 +3457,7 @@
           </a:prstGeom>
         </p:spPr>
         <p:txBody>
-          <a:bodyPr anchorCtr="0" anchor="ctr" bIns="91425" lIns="91425" spcFirstLastPara="1" rIns="91425" wrap="square" tIns="91425"/>
+          <a:bodyPr spcFirstLastPara="1" wrap="square" lIns="91425" tIns="91425" rIns="91425" bIns="91425" anchor="ctr" anchorCtr="0"/>
           <a:lstStyle>
             <a:lvl1pPr lvl="0">
               <a:spcBef>
@@ -3466,15 +3559,19 @@
               <a:defRPr sz="4800"/>
             </a:lvl9pPr>
           </a:lstStyle>
-          <a:p/>
+          <a:p>
+            <a:endParaRPr/>
+          </a:p>
         </p:txBody>
       </p:sp>
       <p:sp>
         <p:nvSpPr>
           <p:cNvPr id="34" name="Google Shape;34;p8"/>
-          <p:cNvSpPr txBox="1"/>
+          <p:cNvSpPr txBox="1">
+            <a:spLocks noGrp="1"/>
+          </p:cNvSpPr>
           <p:nvPr>
-            <p:ph idx="12" type="sldNum"/>
+            <p:ph type="sldNum" idx="12"/>
           </p:nvPr>
         </p:nvSpPr>
         <p:spPr>
@@ -3487,7 +3584,7 @@
           </a:prstGeom>
         </p:spPr>
         <p:txBody>
-          <a:bodyPr anchorCtr="0" anchor="ctr" bIns="91425" lIns="91425" spcFirstLastPara="1" rIns="91425" wrap="square" tIns="91425">
+          <a:bodyPr spcFirstLastPara="1" wrap="square" lIns="91425" tIns="91425" rIns="91425" bIns="91425" anchor="ctr" anchorCtr="0">
             <a:noAutofit/>
           </a:bodyPr>
           <a:lstStyle>
@@ -3529,7 +3626,7 @@
             </a:lvl9pPr>
           </a:lstStyle>
           <a:p>
-            <a:pPr indent="0" lvl="0" marL="0" rtl="0" algn="r">
+            <a:pPr marL="0" lvl="0" indent="0" algn="r" rtl="0">
               <a:spcBef>
                 <a:spcPts val="0"/>
               </a:spcBef>
@@ -3555,11 +3652,11 @@
 </file>
 
 <file path=ppt/slideLayouts/slideLayout8.xml><?xml version="1.0" encoding="utf-8"?>
-<p:sldLayout xmlns:a="http://schemas.openxmlformats.org/drawingml/2006/main" xmlns:r="http://schemas.openxmlformats.org/officeDocument/2006/relationships" xmlns:mc="http://schemas.openxmlformats.org/markup-compatibility/2006" xmlns:mv="urn:schemas-microsoft-com:mac:vml" xmlns:p="http://schemas.openxmlformats.org/presentationml/2006/main" xmlns:c="http://schemas.openxmlformats.org/drawingml/2006/chart" xmlns:dgm="http://schemas.openxmlformats.org/drawingml/2006/diagram" xmlns:o="urn:schemas-microsoft-com:office:office" xmlns:v="urn:schemas-microsoft-com:vml" xmlns:pvml="urn:schemas-microsoft-com:office:powerpoint" xmlns:com="http://schemas.openxmlformats.org/drawingml/2006/compatibility" xmlns:p14="http://schemas.microsoft.com/office/powerpoint/2010/main" xmlns:p15="http://schemas.microsoft.com/office/powerpoint/2012/main" matchingName="Section title and description">
+<p:sldLayout xmlns:a="http://schemas.openxmlformats.org/drawingml/2006/main" xmlns:r="http://schemas.openxmlformats.org/officeDocument/2006/relationships" xmlns:p="http://schemas.openxmlformats.org/presentationml/2006/main" matchingName="Section title and description">
   <p:cSld name="SECTION_TITLE_AND_DESCRIPTION">
     <p:spTree>
       <p:nvGrpSpPr>
-        <p:cNvPr id="35" name="Shape 35"/>
+        <p:cNvPr id="1" name="Shape 35"/>
         <p:cNvGrpSpPr/>
         <p:nvPr/>
       </p:nvGrpSpPr>
@@ -3593,12 +3690,12 @@
           </a:ln>
         </p:spPr>
         <p:txBody>
-          <a:bodyPr anchorCtr="0" anchor="ctr" bIns="91425" lIns="91425" spcFirstLastPara="1" rIns="91425" wrap="square" tIns="91425">
+          <a:bodyPr spcFirstLastPara="1" wrap="square" lIns="91425" tIns="91425" rIns="91425" bIns="91425" anchor="ctr" anchorCtr="0">
             <a:noAutofit/>
           </a:bodyPr>
           <a:lstStyle/>
           <a:p>
-            <a:pPr indent="0" lvl="0" marL="0" rtl="0" algn="l">
+            <a:pPr marL="0" lvl="0" indent="0" algn="l" rtl="0">
               <a:spcBef>
                 <a:spcPts val="0"/>
               </a:spcBef>
@@ -3607,9 +3704,6 @@
               </a:spcAft>
               <a:buNone/>
             </a:pPr>
-            <a:r>
-              <a:t/>
-            </a:r>
             <a:endParaRPr/>
           </a:p>
         </p:txBody>
@@ -3617,7 +3711,9 @@
       <p:sp>
         <p:nvSpPr>
           <p:cNvPr id="37" name="Google Shape;37;p9"/>
-          <p:cNvSpPr txBox="1"/>
+          <p:cNvSpPr txBox="1">
+            <a:spLocks noGrp="1"/>
+          </p:cNvSpPr>
           <p:nvPr>
             <p:ph type="title"/>
           </p:nvPr>
@@ -3632,7 +3728,7 @@
           </a:prstGeom>
         </p:spPr>
         <p:txBody>
-          <a:bodyPr anchorCtr="0" anchor="b" bIns="91425" lIns="91425" spcFirstLastPara="1" rIns="91425" wrap="square" tIns="91425"/>
+          <a:bodyPr spcFirstLastPara="1" wrap="square" lIns="91425" tIns="91425" rIns="91425" bIns="91425" anchor="b" anchorCtr="0"/>
           <a:lstStyle>
             <a:lvl1pPr lvl="0" algn="ctr">
               <a:spcBef>
@@ -3734,15 +3830,19 @@
               <a:defRPr sz="4200"/>
             </a:lvl9pPr>
           </a:lstStyle>
-          <a:p/>
+          <a:p>
+            <a:endParaRPr/>
+          </a:p>
         </p:txBody>
       </p:sp>
       <p:sp>
         <p:nvSpPr>
           <p:cNvPr id="38" name="Google Shape;38;p9"/>
-          <p:cNvSpPr txBox="1"/>
+          <p:cNvSpPr txBox="1">
+            <a:spLocks noGrp="1"/>
+          </p:cNvSpPr>
           <p:nvPr>
-            <p:ph idx="1" type="subTitle"/>
+            <p:ph type="subTitle" idx="1"/>
           </p:nvPr>
         </p:nvSpPr>
         <p:spPr>
@@ -3755,7 +3855,7 @@
           </a:prstGeom>
         </p:spPr>
         <p:txBody>
-          <a:bodyPr anchorCtr="0" anchor="t" bIns="91425" lIns="91425" spcFirstLastPara="1" rIns="91425" wrap="square" tIns="91425"/>
+          <a:bodyPr spcFirstLastPara="1" wrap="square" lIns="91425" tIns="91425" rIns="91425" bIns="91425" anchor="t" anchorCtr="0"/>
           <a:lstStyle>
             <a:lvl1pPr lvl="0" algn="ctr">
               <a:lnSpc>
@@ -3884,15 +3984,19 @@
               <a:defRPr sz="2100"/>
             </a:lvl9pPr>
           </a:lstStyle>
-          <a:p/>
+          <a:p>
+            <a:endParaRPr/>
+          </a:p>
         </p:txBody>
       </p:sp>
       <p:sp>
         <p:nvSpPr>
           <p:cNvPr id="39" name="Google Shape;39;p9"/>
-          <p:cNvSpPr txBox="1"/>
+          <p:cNvSpPr txBox="1">
+            <a:spLocks noGrp="1"/>
+          </p:cNvSpPr>
           <p:nvPr>
-            <p:ph idx="2" type="body"/>
+            <p:ph type="body" idx="2"/>
           </p:nvPr>
         </p:nvSpPr>
         <p:spPr>
@@ -3905,9 +4009,9 @@
           </a:prstGeom>
         </p:spPr>
         <p:txBody>
-          <a:bodyPr anchorCtr="0" anchor="ctr" bIns="91425" lIns="91425" spcFirstLastPara="1" rIns="91425" wrap="square" tIns="91425"/>
+          <a:bodyPr spcFirstLastPara="1" wrap="square" lIns="91425" tIns="91425" rIns="91425" bIns="91425" anchor="ctr" anchorCtr="0"/>
           <a:lstStyle>
-            <a:lvl1pPr indent="-342900" lvl="0" marL="457200">
+            <a:lvl1pPr marL="457200" lvl="0" indent="-342900">
               <a:spcBef>
                 <a:spcPts val="0"/>
               </a:spcBef>
@@ -3925,7 +4029,7 @@
                 </a:solidFill>
               </a:defRPr>
             </a:lvl1pPr>
-            <a:lvl2pPr indent="-317500" lvl="1" marL="914400">
+            <a:lvl2pPr marL="914400" lvl="1" indent="-317500">
               <a:spcBef>
                 <a:spcPts val="1600"/>
               </a:spcBef>
@@ -3943,7 +4047,7 @@
                 </a:solidFill>
               </a:defRPr>
             </a:lvl2pPr>
-            <a:lvl3pPr indent="-317500" lvl="2" marL="1371600">
+            <a:lvl3pPr marL="1371600" lvl="2" indent="-317500">
               <a:spcBef>
                 <a:spcPts val="1600"/>
               </a:spcBef>
@@ -3961,7 +4065,7 @@
                 </a:solidFill>
               </a:defRPr>
             </a:lvl3pPr>
-            <a:lvl4pPr indent="-317500" lvl="3" marL="1828800">
+            <a:lvl4pPr marL="1828800" lvl="3" indent="-317500">
               <a:spcBef>
                 <a:spcPts val="1600"/>
               </a:spcBef>
@@ -3979,7 +4083,7 @@
                 </a:solidFill>
               </a:defRPr>
             </a:lvl4pPr>
-            <a:lvl5pPr indent="-317500" lvl="4" marL="2286000">
+            <a:lvl5pPr marL="2286000" lvl="4" indent="-317500">
               <a:spcBef>
                 <a:spcPts val="1600"/>
               </a:spcBef>
@@ -3997,7 +4101,7 @@
                 </a:solidFill>
               </a:defRPr>
             </a:lvl5pPr>
-            <a:lvl6pPr indent="-317500" lvl="5" marL="2743200">
+            <a:lvl6pPr marL="2743200" lvl="5" indent="-317500">
               <a:spcBef>
                 <a:spcPts val="1600"/>
               </a:spcBef>
@@ -4015,7 +4119,7 @@
                 </a:solidFill>
               </a:defRPr>
             </a:lvl6pPr>
-            <a:lvl7pPr indent="-317500" lvl="6" marL="3200400">
+            <a:lvl7pPr marL="3200400" lvl="6" indent="-317500">
               <a:spcBef>
                 <a:spcPts val="1600"/>
               </a:spcBef>
@@ -4033,7 +4137,7 @@
                 </a:solidFill>
               </a:defRPr>
             </a:lvl7pPr>
-            <a:lvl8pPr indent="-317500" lvl="7" marL="3657600">
+            <a:lvl8pPr marL="3657600" lvl="7" indent="-317500">
               <a:spcBef>
                 <a:spcPts val="1600"/>
               </a:spcBef>
@@ -4051,7 +4155,7 @@
                 </a:solidFill>
               </a:defRPr>
             </a:lvl8pPr>
-            <a:lvl9pPr indent="-317500" lvl="8" marL="4114800">
+            <a:lvl9pPr marL="4114800" lvl="8" indent="-317500">
               <a:spcBef>
                 <a:spcPts val="1600"/>
               </a:spcBef>
@@ -4070,15 +4174,19 @@
               </a:defRPr>
             </a:lvl9pPr>
           </a:lstStyle>
-          <a:p/>
+          <a:p>
+            <a:endParaRPr/>
+          </a:p>
         </p:txBody>
       </p:sp>
       <p:sp>
         <p:nvSpPr>
           <p:cNvPr id="40" name="Google Shape;40;p9"/>
-          <p:cNvSpPr txBox="1"/>
+          <p:cNvSpPr txBox="1">
+            <a:spLocks noGrp="1"/>
+          </p:cNvSpPr>
           <p:nvPr>
-            <p:ph idx="12" type="sldNum"/>
+            <p:ph type="sldNum" idx="12"/>
           </p:nvPr>
         </p:nvSpPr>
         <p:spPr>
@@ -4091,7 +4199,7 @@
           </a:prstGeom>
         </p:spPr>
         <p:txBody>
-          <a:bodyPr anchorCtr="0" anchor="ctr" bIns="91425" lIns="91425" spcFirstLastPara="1" rIns="91425" wrap="square" tIns="91425">
+          <a:bodyPr spcFirstLastPara="1" wrap="square" lIns="91425" tIns="91425" rIns="91425" bIns="91425" anchor="ctr" anchorCtr="0">
             <a:noAutofit/>
           </a:bodyPr>
           <a:lstStyle>
@@ -4133,7 +4241,7 @@
             </a:lvl9pPr>
           </a:lstStyle>
           <a:p>
-            <a:pPr indent="0" lvl="0" marL="0" rtl="0" algn="r">
+            <a:pPr marL="0" lvl="0" indent="0" algn="r" rtl="0">
               <a:spcBef>
                 <a:spcPts val="0"/>
               </a:spcBef>
@@ -4159,11 +4267,11 @@
 </file>
 
 <file path=ppt/slideLayouts/slideLayout9.xml><?xml version="1.0" encoding="utf-8"?>
-<p:sldLayout xmlns:a="http://schemas.openxmlformats.org/drawingml/2006/main" xmlns:r="http://schemas.openxmlformats.org/officeDocument/2006/relationships" xmlns:mc="http://schemas.openxmlformats.org/markup-compatibility/2006" xmlns:mv="urn:schemas-microsoft-com:mac:vml" xmlns:p="http://schemas.openxmlformats.org/presentationml/2006/main" xmlns:c="http://schemas.openxmlformats.org/drawingml/2006/chart" xmlns:dgm="http://schemas.openxmlformats.org/drawingml/2006/diagram" xmlns:o="urn:schemas-microsoft-com:office:office" xmlns:v="urn:schemas-microsoft-com:vml" xmlns:pvml="urn:schemas-microsoft-com:office:powerpoint" xmlns:com="http://schemas.openxmlformats.org/drawingml/2006/compatibility" xmlns:p14="http://schemas.microsoft.com/office/powerpoint/2010/main" xmlns:p15="http://schemas.microsoft.com/office/powerpoint/2012/main" matchingName="Caption">
+<p:sldLayout xmlns:a="http://schemas.openxmlformats.org/drawingml/2006/main" xmlns:r="http://schemas.openxmlformats.org/officeDocument/2006/relationships" xmlns:p="http://schemas.openxmlformats.org/presentationml/2006/main" matchingName="Caption">
   <p:cSld name="CAPTION_ONLY">
     <p:spTree>
       <p:nvGrpSpPr>
-        <p:cNvPr id="41" name="Shape 41"/>
+        <p:cNvPr id="1" name="Shape 41"/>
         <p:cNvGrpSpPr/>
         <p:nvPr/>
       </p:nvGrpSpPr>
@@ -4178,9 +4286,11 @@
       <p:sp>
         <p:nvSpPr>
           <p:cNvPr id="42" name="Google Shape;42;p10"/>
-          <p:cNvSpPr txBox="1"/>
+          <p:cNvSpPr txBox="1">
+            <a:spLocks noGrp="1"/>
+          </p:cNvSpPr>
           <p:nvPr>
-            <p:ph idx="1" type="body"/>
+            <p:ph type="body" idx="1"/>
           </p:nvPr>
         </p:nvSpPr>
         <p:spPr>
@@ -4193,9 +4303,9 @@
           </a:prstGeom>
         </p:spPr>
         <p:txBody>
-          <a:bodyPr anchorCtr="0" anchor="ctr" bIns="91425" lIns="91425" spcFirstLastPara="1" rIns="91425" wrap="square" tIns="91425"/>
+          <a:bodyPr spcFirstLastPara="1" wrap="square" lIns="91425" tIns="91425" rIns="91425" bIns="91425" anchor="ctr" anchorCtr="0"/>
           <a:lstStyle>
-            <a:lvl1pPr indent="-228600" lvl="0" marL="457200">
+            <a:lvl1pPr marL="457200" lvl="0" indent="-228600">
               <a:lnSpc>
                 <a:spcPct val="100000"/>
               </a:lnSpc>
@@ -4210,15 +4320,19 @@
               <a:defRPr/>
             </a:lvl1pPr>
           </a:lstStyle>
-          <a:p/>
+          <a:p>
+            <a:endParaRPr/>
+          </a:p>
         </p:txBody>
       </p:sp>
       <p:sp>
         <p:nvSpPr>
           <p:cNvPr id="43" name="Google Shape;43;p10"/>
-          <p:cNvSpPr txBox="1"/>
+          <p:cNvSpPr txBox="1">
+            <a:spLocks noGrp="1"/>
+          </p:cNvSpPr>
           <p:nvPr>
-            <p:ph idx="12" type="sldNum"/>
+            <p:ph type="sldNum" idx="12"/>
           </p:nvPr>
         </p:nvSpPr>
         <p:spPr>
@@ -4231,7 +4345,7 @@
           </a:prstGeom>
         </p:spPr>
         <p:txBody>
-          <a:bodyPr anchorCtr="0" anchor="ctr" bIns="91425" lIns="91425" spcFirstLastPara="1" rIns="91425" wrap="square" tIns="91425">
+          <a:bodyPr spcFirstLastPara="1" wrap="square" lIns="91425" tIns="91425" rIns="91425" bIns="91425" anchor="ctr" anchorCtr="0">
             <a:noAutofit/>
           </a:bodyPr>
           <a:lstStyle>
@@ -4273,7 +4387,7 @@
             </a:lvl9pPr>
           </a:lstStyle>
           <a:p>
-            <a:pPr indent="0" lvl="0" marL="0" rtl="0" algn="r">
+            <a:pPr marL="0" lvl="0" indent="0" algn="r" rtl="0">
               <a:spcBef>
                 <a:spcPts val="0"/>
               </a:spcBef>
@@ -4299,18 +4413,19 @@
 </file>
 
 <file path=ppt/slideMasters/slideMaster1.xml><?xml version="1.0" encoding="utf-8"?>
-<p:sldMaster xmlns:a="http://schemas.openxmlformats.org/drawingml/2006/main" xmlns:r="http://schemas.openxmlformats.org/officeDocument/2006/relationships" xmlns:mc="http://schemas.openxmlformats.org/markup-compatibility/2006" xmlns:mv="urn:schemas-microsoft-com:mac:vml" xmlns:p="http://schemas.openxmlformats.org/presentationml/2006/main" xmlns:c="http://schemas.openxmlformats.org/drawingml/2006/chart" xmlns:dgm="http://schemas.openxmlformats.org/drawingml/2006/diagram" xmlns:o="urn:schemas-microsoft-com:office:office" xmlns:v="urn:schemas-microsoft-com:vml" xmlns:pvml="urn:schemas-microsoft-com:office:powerpoint" xmlns:com="http://schemas.openxmlformats.org/drawingml/2006/compatibility" xmlns:p14="http://schemas.microsoft.com/office/powerpoint/2010/main" xmlns:p15="http://schemas.microsoft.com/office/powerpoint/2012/main">
+<p:sldMaster xmlns:a="http://schemas.openxmlformats.org/drawingml/2006/main" xmlns:r="http://schemas.openxmlformats.org/officeDocument/2006/relationships" xmlns:p="http://schemas.openxmlformats.org/presentationml/2006/main">
   <p:cSld name="simple-dark-2">
     <p:bg>
       <p:bgPr>
         <a:solidFill>
           <a:schemeClr val="lt1"/>
         </a:solidFill>
+        <a:effectLst/>
       </p:bgPr>
     </p:bg>
     <p:spTree>
       <p:nvGrpSpPr>
-        <p:cNvPr id="5" name="Shape 5"/>
+        <p:cNvPr id="1" name="Shape 5"/>
         <p:cNvGrpSpPr/>
         <p:nvPr/>
       </p:nvGrpSpPr>
@@ -4325,7 +4440,9 @@
       <p:sp>
         <p:nvSpPr>
           <p:cNvPr id="6" name="Google Shape;6;p1"/>
-          <p:cNvSpPr txBox="1"/>
+          <p:cNvSpPr txBox="1">
+            <a:spLocks noGrp="1"/>
+          </p:cNvSpPr>
           <p:nvPr>
             <p:ph type="title"/>
           </p:nvPr>
@@ -4344,7 +4461,7 @@
           </a:ln>
         </p:spPr>
         <p:txBody>
-          <a:bodyPr anchorCtr="0" anchor="t" bIns="91425" lIns="91425" spcFirstLastPara="1" rIns="91425" wrap="square" tIns="91425"/>
+          <a:bodyPr spcFirstLastPara="1" wrap="square" lIns="91425" tIns="91425" rIns="91425" bIns="91425" anchor="t" anchorCtr="0"/>
           <a:lstStyle>
             <a:lvl1pPr lvl="0">
               <a:spcBef>
@@ -4509,15 +4626,19 @@
               </a:defRPr>
             </a:lvl9pPr>
           </a:lstStyle>
-          <a:p/>
+          <a:p>
+            <a:endParaRPr/>
+          </a:p>
         </p:txBody>
       </p:sp>
       <p:sp>
         <p:nvSpPr>
           <p:cNvPr id="7" name="Google Shape;7;p1"/>
-          <p:cNvSpPr txBox="1"/>
+          <p:cNvSpPr txBox="1">
+            <a:spLocks noGrp="1"/>
+          </p:cNvSpPr>
           <p:nvPr>
-            <p:ph idx="1" type="body"/>
+            <p:ph type="body" idx="1"/>
           </p:nvPr>
         </p:nvSpPr>
         <p:spPr>
@@ -4534,9 +4655,9 @@
           </a:ln>
         </p:spPr>
         <p:txBody>
-          <a:bodyPr anchorCtr="0" anchor="t" bIns="91425" lIns="91425" spcFirstLastPara="1" rIns="91425" wrap="square" tIns="91425"/>
+          <a:bodyPr spcFirstLastPara="1" wrap="square" lIns="91425" tIns="91425" rIns="91425" bIns="91425" anchor="t" anchorCtr="0"/>
           <a:lstStyle>
-            <a:lvl1pPr indent="-342900" lvl="0" marL="457200">
+            <a:lvl1pPr marL="457200" lvl="0" indent="-342900">
               <a:lnSpc>
                 <a:spcPct val="115000"/>
               </a:lnSpc>
@@ -4557,7 +4678,7 @@
                 </a:solidFill>
               </a:defRPr>
             </a:lvl1pPr>
-            <a:lvl2pPr indent="-317500" lvl="1" marL="914400">
+            <a:lvl2pPr marL="914400" lvl="1" indent="-317500">
               <a:lnSpc>
                 <a:spcPct val="115000"/>
               </a:lnSpc>
@@ -4578,7 +4699,7 @@
                 </a:solidFill>
               </a:defRPr>
             </a:lvl2pPr>
-            <a:lvl3pPr indent="-317500" lvl="2" marL="1371600">
+            <a:lvl3pPr marL="1371600" lvl="2" indent="-317500">
               <a:lnSpc>
                 <a:spcPct val="115000"/>
               </a:lnSpc>
@@ -4599,7 +4720,7 @@
                 </a:solidFill>
               </a:defRPr>
             </a:lvl3pPr>
-            <a:lvl4pPr indent="-317500" lvl="3" marL="1828800">
+            <a:lvl4pPr marL="1828800" lvl="3" indent="-317500">
               <a:lnSpc>
                 <a:spcPct val="115000"/>
               </a:lnSpc>
@@ -4620,7 +4741,7 @@
                 </a:solidFill>
               </a:defRPr>
             </a:lvl4pPr>
-            <a:lvl5pPr indent="-317500" lvl="4" marL="2286000">
+            <a:lvl5pPr marL="2286000" lvl="4" indent="-317500">
               <a:lnSpc>
                 <a:spcPct val="115000"/>
               </a:lnSpc>
@@ -4641,7 +4762,7 @@
                 </a:solidFill>
               </a:defRPr>
             </a:lvl5pPr>
-            <a:lvl6pPr indent="-317500" lvl="5" marL="2743200">
+            <a:lvl6pPr marL="2743200" lvl="5" indent="-317500">
               <a:lnSpc>
                 <a:spcPct val="115000"/>
               </a:lnSpc>
@@ -4662,7 +4783,7 @@
                 </a:solidFill>
               </a:defRPr>
             </a:lvl6pPr>
-            <a:lvl7pPr indent="-317500" lvl="6" marL="3200400">
+            <a:lvl7pPr marL="3200400" lvl="6" indent="-317500">
               <a:lnSpc>
                 <a:spcPct val="115000"/>
               </a:lnSpc>
@@ -4683,7 +4804,7 @@
                 </a:solidFill>
               </a:defRPr>
             </a:lvl7pPr>
-            <a:lvl8pPr indent="-317500" lvl="7" marL="3657600">
+            <a:lvl8pPr marL="3657600" lvl="7" indent="-317500">
               <a:lnSpc>
                 <a:spcPct val="115000"/>
               </a:lnSpc>
@@ -4704,7 +4825,7 @@
                 </a:solidFill>
               </a:defRPr>
             </a:lvl8pPr>
-            <a:lvl9pPr indent="-317500" lvl="8" marL="4114800">
+            <a:lvl9pPr marL="4114800" lvl="8" indent="-317500">
               <a:lnSpc>
                 <a:spcPct val="115000"/>
               </a:lnSpc>
@@ -4726,15 +4847,19 @@
               </a:defRPr>
             </a:lvl9pPr>
           </a:lstStyle>
-          <a:p/>
+          <a:p>
+            <a:endParaRPr/>
+          </a:p>
         </p:txBody>
       </p:sp>
       <p:sp>
         <p:nvSpPr>
           <p:cNvPr id="8" name="Google Shape;8;p1"/>
-          <p:cNvSpPr txBox="1"/>
+          <p:cNvSpPr txBox="1">
+            <a:spLocks noGrp="1"/>
+          </p:cNvSpPr>
           <p:nvPr>
-            <p:ph idx="12" type="sldNum"/>
+            <p:ph type="sldNum" idx="12"/>
           </p:nvPr>
         </p:nvSpPr>
         <p:spPr>
@@ -4751,7 +4876,7 @@
           </a:ln>
         </p:spPr>
         <p:txBody>
-          <a:bodyPr anchorCtr="0" anchor="ctr" bIns="91425" lIns="91425" spcFirstLastPara="1" rIns="91425" wrap="square" tIns="91425">
+          <a:bodyPr spcFirstLastPara="1" wrap="square" lIns="91425" tIns="91425" rIns="91425" bIns="91425" anchor="ctr" anchorCtr="0">
             <a:noAutofit/>
           </a:bodyPr>
           <a:lstStyle>
@@ -4829,7 +4954,7 @@
             </a:lvl9pPr>
           </a:lstStyle>
           <a:p>
-            <a:pPr indent="0" lvl="0" marL="0" rtl="0" algn="r">
+            <a:pPr marL="0" lvl="0" indent="0" algn="r" rtl="0">
               <a:spcBef>
                 <a:spcPts val="0"/>
               </a:spcBef>
@@ -4848,7 +4973,7 @@
       </p:sp>
     </p:spTree>
   </p:cSld>
-  <p:clrMap accent1="accent1" accent2="accent2" accent3="accent3" accent4="accent4" accent5="accent5" accent6="accent6" bg1="lt1" bg2="dk2" tx1="dk1" tx2="lt2" folHlink="folHlink" hlink="hlink"/>
+  <p:clrMap bg1="lt1" tx1="dk1" bg2="dk2" tx2="lt2" accent1="accent1" accent2="accent2" accent3="accent3" accent4="accent4" accent5="accent5" accent6="accent6" hlink="hlink" folHlink="folHlink"/>
   <p:sldLayoutIdLst>
     <p:sldLayoutId id="2147483648" r:id="rId1"/>
     <p:sldLayoutId id="2147483649" r:id="rId2"/>
@@ -4862,10 +4987,10 @@
     <p:sldLayoutId id="2147483657" r:id="rId10"/>
     <p:sldLayoutId id="2147483658" r:id="rId11"/>
   </p:sldLayoutIdLst>
-  <p:hf dt="0" ftr="0" hdr="0" sldNum="0"/>
+  <p:hf sldNum="0" hdr="0" ftr="0" dt="0"/>
   <p:txStyles>
     <p:titleStyle>
-      <a:defPPr lvl="0" marR="0" rtl="0" algn="l">
+      <a:defPPr marR="0" lvl="0" algn="l" rtl="0">
         <a:lnSpc>
           <a:spcPct val="100000"/>
         </a:lnSpc>
@@ -4876,7 +5001,7 @@
           <a:spcPts val="0"/>
         </a:spcAft>
       </a:defPPr>
-      <a:lvl1pPr lvl="0" marR="0" rtl="0" algn="l">
+      <a:lvl1pPr marR="0" lvl="0" algn="l" rtl="0">
         <a:lnSpc>
           <a:spcPct val="100000"/>
         </a:lnSpc>
@@ -4890,7 +5015,7 @@
           <a:srgbClr val="000000"/>
         </a:buClr>
         <a:buFont typeface="Arial"/>
-        <a:defRPr b="0" i="0" sz="1400" u="none" cap="none" strike="noStrike">
+        <a:defRPr sz="1400" b="0" i="0" u="none" strike="noStrike" cap="none">
           <a:solidFill>
             <a:srgbClr val="000000"/>
           </a:solidFill>
@@ -4900,7 +5025,7 @@
           <a:sym typeface="Arial"/>
         </a:defRPr>
       </a:lvl1pPr>
-      <a:lvl2pPr lvl="1" marR="0" rtl="0" algn="l">
+      <a:lvl2pPr marR="0" lvl="1" algn="l" rtl="0">
         <a:lnSpc>
           <a:spcPct val="100000"/>
         </a:lnSpc>
@@ -4914,7 +5039,7 @@
           <a:srgbClr val="000000"/>
         </a:buClr>
         <a:buFont typeface="Arial"/>
-        <a:defRPr b="0" i="0" sz="1400" u="none" cap="none" strike="noStrike">
+        <a:defRPr sz="1400" b="0" i="0" u="none" strike="noStrike" cap="none">
           <a:solidFill>
             <a:srgbClr val="000000"/>
           </a:solidFill>
@@ -4924,7 +5049,7 @@
           <a:sym typeface="Arial"/>
         </a:defRPr>
       </a:lvl2pPr>
-      <a:lvl3pPr lvl="2" marR="0" rtl="0" algn="l">
+      <a:lvl3pPr marR="0" lvl="2" algn="l" rtl="0">
         <a:lnSpc>
           <a:spcPct val="100000"/>
         </a:lnSpc>
@@ -4938,7 +5063,7 @@
           <a:srgbClr val="000000"/>
         </a:buClr>
         <a:buFont typeface="Arial"/>
-        <a:defRPr b="0" i="0" sz="1400" u="none" cap="none" strike="noStrike">
+        <a:defRPr sz="1400" b="0" i="0" u="none" strike="noStrike" cap="none">
           <a:solidFill>
             <a:srgbClr val="000000"/>
           </a:solidFill>
@@ -4948,7 +5073,7 @@
           <a:sym typeface="Arial"/>
         </a:defRPr>
       </a:lvl3pPr>
-      <a:lvl4pPr lvl="3" marR="0" rtl="0" algn="l">
+      <a:lvl4pPr marR="0" lvl="3" algn="l" rtl="0">
         <a:lnSpc>
           <a:spcPct val="100000"/>
         </a:lnSpc>
@@ -4962,7 +5087,7 @@
           <a:srgbClr val="000000"/>
         </a:buClr>
         <a:buFont typeface="Arial"/>
-        <a:defRPr b="0" i="0" sz="1400" u="none" cap="none" strike="noStrike">
+        <a:defRPr sz="1400" b="0" i="0" u="none" strike="noStrike" cap="none">
           <a:solidFill>
             <a:srgbClr val="000000"/>
           </a:solidFill>
@@ -4972,7 +5097,7 @@
           <a:sym typeface="Arial"/>
         </a:defRPr>
       </a:lvl4pPr>
-      <a:lvl5pPr lvl="4" marR="0" rtl="0" algn="l">
+      <a:lvl5pPr marR="0" lvl="4" algn="l" rtl="0">
         <a:lnSpc>
           <a:spcPct val="100000"/>
         </a:lnSpc>
@@ -4986,7 +5111,7 @@
           <a:srgbClr val="000000"/>
         </a:buClr>
         <a:buFont typeface="Arial"/>
-        <a:defRPr b="0" i="0" sz="1400" u="none" cap="none" strike="noStrike">
+        <a:defRPr sz="1400" b="0" i="0" u="none" strike="noStrike" cap="none">
           <a:solidFill>
             <a:srgbClr val="000000"/>
           </a:solidFill>
@@ -4996,7 +5121,7 @@
           <a:sym typeface="Arial"/>
         </a:defRPr>
       </a:lvl5pPr>
-      <a:lvl6pPr lvl="5" marR="0" rtl="0" algn="l">
+      <a:lvl6pPr marR="0" lvl="5" algn="l" rtl="0">
         <a:lnSpc>
           <a:spcPct val="100000"/>
         </a:lnSpc>
@@ -5010,7 +5135,7 @@
           <a:srgbClr val="000000"/>
         </a:buClr>
         <a:buFont typeface="Arial"/>
-        <a:defRPr b="0" i="0" sz="1400" u="none" cap="none" strike="noStrike">
+        <a:defRPr sz="1400" b="0" i="0" u="none" strike="noStrike" cap="none">
           <a:solidFill>
             <a:srgbClr val="000000"/>
           </a:solidFill>
@@ -5020,7 +5145,7 @@
           <a:sym typeface="Arial"/>
         </a:defRPr>
       </a:lvl6pPr>
-      <a:lvl7pPr lvl="6" marR="0" rtl="0" algn="l">
+      <a:lvl7pPr marR="0" lvl="6" algn="l" rtl="0">
         <a:lnSpc>
           <a:spcPct val="100000"/>
         </a:lnSpc>
@@ -5034,7 +5159,7 @@
           <a:srgbClr val="000000"/>
         </a:buClr>
         <a:buFont typeface="Arial"/>
-        <a:defRPr b="0" i="0" sz="1400" u="none" cap="none" strike="noStrike">
+        <a:defRPr sz="1400" b="0" i="0" u="none" strike="noStrike" cap="none">
           <a:solidFill>
             <a:srgbClr val="000000"/>
           </a:solidFill>
@@ -5044,7 +5169,7 @@
           <a:sym typeface="Arial"/>
         </a:defRPr>
       </a:lvl7pPr>
-      <a:lvl8pPr lvl="7" marR="0" rtl="0" algn="l">
+      <a:lvl8pPr marR="0" lvl="7" algn="l" rtl="0">
         <a:lnSpc>
           <a:spcPct val="100000"/>
         </a:lnSpc>
@@ -5058,7 +5183,7 @@
           <a:srgbClr val="000000"/>
         </a:buClr>
         <a:buFont typeface="Arial"/>
-        <a:defRPr b="0" i="0" sz="1400" u="none" cap="none" strike="noStrike">
+        <a:defRPr sz="1400" b="0" i="0" u="none" strike="noStrike" cap="none">
           <a:solidFill>
             <a:srgbClr val="000000"/>
           </a:solidFill>
@@ -5068,7 +5193,7 @@
           <a:sym typeface="Arial"/>
         </a:defRPr>
       </a:lvl8pPr>
-      <a:lvl9pPr lvl="8" marR="0" rtl="0" algn="l">
+      <a:lvl9pPr marR="0" lvl="8" algn="l" rtl="0">
         <a:lnSpc>
           <a:spcPct val="100000"/>
         </a:lnSpc>
@@ -5082,7 +5207,7 @@
           <a:srgbClr val="000000"/>
         </a:buClr>
         <a:buFont typeface="Arial"/>
-        <a:defRPr b="0" i="0" sz="1400" u="none" cap="none" strike="noStrike">
+        <a:defRPr sz="1400" b="0" i="0" u="none" strike="noStrike" cap="none">
           <a:solidFill>
             <a:srgbClr val="000000"/>
           </a:solidFill>
@@ -5094,7 +5219,7 @@
       </a:lvl9pPr>
     </p:titleStyle>
     <p:bodyStyle>
-      <a:defPPr lvl="0" marR="0" rtl="0" algn="l">
+      <a:defPPr marR="0" lvl="0" algn="l" rtl="0">
         <a:lnSpc>
           <a:spcPct val="100000"/>
         </a:lnSpc>
@@ -5105,7 +5230,7 @@
           <a:spcPts val="0"/>
         </a:spcAft>
       </a:defPPr>
-      <a:lvl1pPr lvl="0" marR="0" rtl="0" algn="l">
+      <a:lvl1pPr marR="0" lvl="0" algn="l" rtl="0">
         <a:lnSpc>
           <a:spcPct val="100000"/>
         </a:lnSpc>
@@ -5119,7 +5244,7 @@
           <a:srgbClr val="000000"/>
         </a:buClr>
         <a:buFont typeface="Arial"/>
-        <a:defRPr b="0" i="0" sz="1400" u="none" cap="none" strike="noStrike">
+        <a:defRPr sz="1400" b="0" i="0" u="none" strike="noStrike" cap="none">
           <a:solidFill>
             <a:srgbClr val="000000"/>
           </a:solidFill>
@@ -5129,7 +5254,7 @@
           <a:sym typeface="Arial"/>
         </a:defRPr>
       </a:lvl1pPr>
-      <a:lvl2pPr lvl="1" marR="0" rtl="0" algn="l">
+      <a:lvl2pPr marR="0" lvl="1" algn="l" rtl="0">
         <a:lnSpc>
           <a:spcPct val="100000"/>
         </a:lnSpc>
@@ -5143,7 +5268,7 @@
           <a:srgbClr val="000000"/>
         </a:buClr>
         <a:buFont typeface="Arial"/>
-        <a:defRPr b="0" i="0" sz="1400" u="none" cap="none" strike="noStrike">
+        <a:defRPr sz="1400" b="0" i="0" u="none" strike="noStrike" cap="none">
           <a:solidFill>
             <a:srgbClr val="000000"/>
           </a:solidFill>
@@ -5153,7 +5278,7 @@
           <a:sym typeface="Arial"/>
         </a:defRPr>
       </a:lvl2pPr>
-      <a:lvl3pPr lvl="2" marR="0" rtl="0" algn="l">
+      <a:lvl3pPr marR="0" lvl="2" algn="l" rtl="0">
         <a:lnSpc>
           <a:spcPct val="100000"/>
         </a:lnSpc>
@@ -5167,7 +5292,7 @@
           <a:srgbClr val="000000"/>
         </a:buClr>
         <a:buFont typeface="Arial"/>
-        <a:defRPr b="0" i="0" sz="1400" u="none" cap="none" strike="noStrike">
+        <a:defRPr sz="1400" b="0" i="0" u="none" strike="noStrike" cap="none">
           <a:solidFill>
             <a:srgbClr val="000000"/>
           </a:solidFill>
@@ -5177,7 +5302,7 @@
           <a:sym typeface="Arial"/>
         </a:defRPr>
       </a:lvl3pPr>
-      <a:lvl4pPr lvl="3" marR="0" rtl="0" algn="l">
+      <a:lvl4pPr marR="0" lvl="3" algn="l" rtl="0">
         <a:lnSpc>
           <a:spcPct val="100000"/>
         </a:lnSpc>
@@ -5191,7 +5316,7 @@
           <a:srgbClr val="000000"/>
         </a:buClr>
         <a:buFont typeface="Arial"/>
-        <a:defRPr b="0" i="0" sz="1400" u="none" cap="none" strike="noStrike">
+        <a:defRPr sz="1400" b="0" i="0" u="none" strike="noStrike" cap="none">
           <a:solidFill>
             <a:srgbClr val="000000"/>
           </a:solidFill>
@@ -5201,7 +5326,7 @@
           <a:sym typeface="Arial"/>
         </a:defRPr>
       </a:lvl4pPr>
-      <a:lvl5pPr lvl="4" marR="0" rtl="0" algn="l">
+      <a:lvl5pPr marR="0" lvl="4" algn="l" rtl="0">
         <a:lnSpc>
           <a:spcPct val="100000"/>
         </a:lnSpc>
@@ -5215,7 +5340,7 @@
           <a:srgbClr val="000000"/>
         </a:buClr>
         <a:buFont typeface="Arial"/>
-        <a:defRPr b="0" i="0" sz="1400" u="none" cap="none" strike="noStrike">
+        <a:defRPr sz="1400" b="0" i="0" u="none" strike="noStrike" cap="none">
           <a:solidFill>
             <a:srgbClr val="000000"/>
           </a:solidFill>
@@ -5225,7 +5350,7 @@
           <a:sym typeface="Arial"/>
         </a:defRPr>
       </a:lvl5pPr>
-      <a:lvl6pPr lvl="5" marR="0" rtl="0" algn="l">
+      <a:lvl6pPr marR="0" lvl="5" algn="l" rtl="0">
         <a:lnSpc>
           <a:spcPct val="100000"/>
         </a:lnSpc>
@@ -5239,7 +5364,7 @@
           <a:srgbClr val="000000"/>
         </a:buClr>
         <a:buFont typeface="Arial"/>
-        <a:defRPr b="0" i="0" sz="1400" u="none" cap="none" strike="noStrike">
+        <a:defRPr sz="1400" b="0" i="0" u="none" strike="noStrike" cap="none">
           <a:solidFill>
             <a:srgbClr val="000000"/>
           </a:solidFill>
@@ -5249,7 +5374,7 @@
           <a:sym typeface="Arial"/>
         </a:defRPr>
       </a:lvl6pPr>
-      <a:lvl7pPr lvl="6" marR="0" rtl="0" algn="l">
+      <a:lvl7pPr marR="0" lvl="6" algn="l" rtl="0">
         <a:lnSpc>
           <a:spcPct val="100000"/>
         </a:lnSpc>
@@ -5263,7 +5388,7 @@
           <a:srgbClr val="000000"/>
         </a:buClr>
         <a:buFont typeface="Arial"/>
-        <a:defRPr b="0" i="0" sz="1400" u="none" cap="none" strike="noStrike">
+        <a:defRPr sz="1400" b="0" i="0" u="none" strike="noStrike" cap="none">
           <a:solidFill>
             <a:srgbClr val="000000"/>
           </a:solidFill>
@@ -5273,7 +5398,7 @@
           <a:sym typeface="Arial"/>
         </a:defRPr>
       </a:lvl7pPr>
-      <a:lvl8pPr lvl="7" marR="0" rtl="0" algn="l">
+      <a:lvl8pPr marR="0" lvl="7" algn="l" rtl="0">
         <a:lnSpc>
           <a:spcPct val="100000"/>
         </a:lnSpc>
@@ -5287,7 +5412,7 @@
           <a:srgbClr val="000000"/>
         </a:buClr>
         <a:buFont typeface="Arial"/>
-        <a:defRPr b="0" i="0" sz="1400" u="none" cap="none" strike="noStrike">
+        <a:defRPr sz="1400" b="0" i="0" u="none" strike="noStrike" cap="none">
           <a:solidFill>
             <a:srgbClr val="000000"/>
           </a:solidFill>
@@ -5297,7 +5422,7 @@
           <a:sym typeface="Arial"/>
         </a:defRPr>
       </a:lvl8pPr>
-      <a:lvl9pPr lvl="8" marR="0" rtl="0" algn="l">
+      <a:lvl9pPr marR="0" lvl="8" algn="l" rtl="0">
         <a:lnSpc>
           <a:spcPct val="100000"/>
         </a:lnSpc>
@@ -5311,7 +5436,7 @@
           <a:srgbClr val="000000"/>
         </a:buClr>
         <a:buFont typeface="Arial"/>
-        <a:defRPr b="0" i="0" sz="1400" u="none" cap="none" strike="noStrike">
+        <a:defRPr sz="1400" b="0" i="0" u="none" strike="noStrike" cap="none">
           <a:solidFill>
             <a:srgbClr val="000000"/>
           </a:solidFill>
@@ -5323,7 +5448,7 @@
       </a:lvl9pPr>
     </p:bodyStyle>
     <p:otherStyle>
-      <a:defPPr lvl="0" marR="0" rtl="0" algn="l">
+      <a:defPPr marR="0" lvl="0" algn="l" rtl="0">
         <a:lnSpc>
           <a:spcPct val="100000"/>
         </a:lnSpc>
@@ -5334,7 +5459,7 @@
           <a:spcPts val="0"/>
         </a:spcAft>
       </a:defPPr>
-      <a:lvl1pPr lvl="0" marR="0" rtl="0" algn="l">
+      <a:lvl1pPr marR="0" lvl="0" algn="l" rtl="0">
         <a:lnSpc>
           <a:spcPct val="100000"/>
         </a:lnSpc>
@@ -5348,7 +5473,7 @@
           <a:srgbClr val="000000"/>
         </a:buClr>
         <a:buFont typeface="Arial"/>
-        <a:defRPr b="0" i="0" sz="1400" u="none" cap="none" strike="noStrike">
+        <a:defRPr sz="1400" b="0" i="0" u="none" strike="noStrike" cap="none">
           <a:solidFill>
             <a:srgbClr val="000000"/>
           </a:solidFill>
@@ -5358,7 +5483,7 @@
           <a:sym typeface="Arial"/>
         </a:defRPr>
       </a:lvl1pPr>
-      <a:lvl2pPr lvl="1" marR="0" rtl="0" algn="l">
+      <a:lvl2pPr marR="0" lvl="1" algn="l" rtl="0">
         <a:lnSpc>
           <a:spcPct val="100000"/>
         </a:lnSpc>
@@ -5372,7 +5497,7 @@
           <a:srgbClr val="000000"/>
         </a:buClr>
         <a:buFont typeface="Arial"/>
-        <a:defRPr b="0" i="0" sz="1400" u="none" cap="none" strike="noStrike">
+        <a:defRPr sz="1400" b="0" i="0" u="none" strike="noStrike" cap="none">
           <a:solidFill>
             <a:srgbClr val="000000"/>
           </a:solidFill>
@@ -5382,7 +5507,7 @@
           <a:sym typeface="Arial"/>
         </a:defRPr>
       </a:lvl2pPr>
-      <a:lvl3pPr lvl="2" marR="0" rtl="0" algn="l">
+      <a:lvl3pPr marR="0" lvl="2" algn="l" rtl="0">
         <a:lnSpc>
           <a:spcPct val="100000"/>
         </a:lnSpc>
@@ -5396,7 +5521,7 @@
           <a:srgbClr val="000000"/>
         </a:buClr>
         <a:buFont typeface="Arial"/>
-        <a:defRPr b="0" i="0" sz="1400" u="none" cap="none" strike="noStrike">
+        <a:defRPr sz="1400" b="0" i="0" u="none" strike="noStrike" cap="none">
           <a:solidFill>
             <a:srgbClr val="000000"/>
           </a:solidFill>
@@ -5406,7 +5531,7 @@
           <a:sym typeface="Arial"/>
         </a:defRPr>
       </a:lvl3pPr>
-      <a:lvl4pPr lvl="3" marR="0" rtl="0" algn="l">
+      <a:lvl4pPr marR="0" lvl="3" algn="l" rtl="0">
         <a:lnSpc>
           <a:spcPct val="100000"/>
         </a:lnSpc>
@@ -5420,7 +5545,7 @@
           <a:srgbClr val="000000"/>
         </a:buClr>
         <a:buFont typeface="Arial"/>
-        <a:defRPr b="0" i="0" sz="1400" u="none" cap="none" strike="noStrike">
+        <a:defRPr sz="1400" b="0" i="0" u="none" strike="noStrike" cap="none">
           <a:solidFill>
             <a:srgbClr val="000000"/>
           </a:solidFill>
@@ -5430,7 +5555,7 @@
           <a:sym typeface="Arial"/>
         </a:defRPr>
       </a:lvl4pPr>
-      <a:lvl5pPr lvl="4" marR="0" rtl="0" algn="l">
+      <a:lvl5pPr marR="0" lvl="4" algn="l" rtl="0">
         <a:lnSpc>
           <a:spcPct val="100000"/>
         </a:lnSpc>
@@ -5444,7 +5569,7 @@
           <a:srgbClr val="000000"/>
         </a:buClr>
         <a:buFont typeface="Arial"/>
-        <a:defRPr b="0" i="0" sz="1400" u="none" cap="none" strike="noStrike">
+        <a:defRPr sz="1400" b="0" i="0" u="none" strike="noStrike" cap="none">
           <a:solidFill>
             <a:srgbClr val="000000"/>
           </a:solidFill>
@@ -5454,7 +5579,7 @@
           <a:sym typeface="Arial"/>
         </a:defRPr>
       </a:lvl5pPr>
-      <a:lvl6pPr lvl="5" marR="0" rtl="0" algn="l">
+      <a:lvl6pPr marR="0" lvl="5" algn="l" rtl="0">
         <a:lnSpc>
           <a:spcPct val="100000"/>
         </a:lnSpc>
@@ -5468,7 +5593,7 @@
           <a:srgbClr val="000000"/>
         </a:buClr>
         <a:buFont typeface="Arial"/>
-        <a:defRPr b="0" i="0" sz="1400" u="none" cap="none" strike="noStrike">
+        <a:defRPr sz="1400" b="0" i="0" u="none" strike="noStrike" cap="none">
           <a:solidFill>
             <a:srgbClr val="000000"/>
           </a:solidFill>
@@ -5478,7 +5603,7 @@
           <a:sym typeface="Arial"/>
         </a:defRPr>
       </a:lvl6pPr>
-      <a:lvl7pPr lvl="6" marR="0" rtl="0" algn="l">
+      <a:lvl7pPr marR="0" lvl="6" algn="l" rtl="0">
         <a:lnSpc>
           <a:spcPct val="100000"/>
         </a:lnSpc>
@@ -5492,7 +5617,7 @@
           <a:srgbClr val="000000"/>
         </a:buClr>
         <a:buFont typeface="Arial"/>
-        <a:defRPr b="0" i="0" sz="1400" u="none" cap="none" strike="noStrike">
+        <a:defRPr sz="1400" b="0" i="0" u="none" strike="noStrike" cap="none">
           <a:solidFill>
             <a:srgbClr val="000000"/>
           </a:solidFill>
@@ -5502,7 +5627,7 @@
           <a:sym typeface="Arial"/>
         </a:defRPr>
       </a:lvl7pPr>
-      <a:lvl8pPr lvl="7" marR="0" rtl="0" algn="l">
+      <a:lvl8pPr marR="0" lvl="7" algn="l" rtl="0">
         <a:lnSpc>
           <a:spcPct val="100000"/>
         </a:lnSpc>
@@ -5516,7 +5641,7 @@
           <a:srgbClr val="000000"/>
         </a:buClr>
         <a:buFont typeface="Arial"/>
-        <a:defRPr b="0" i="0" sz="1400" u="none" cap="none" strike="noStrike">
+        <a:defRPr sz="1400" b="0" i="0" u="none" strike="noStrike" cap="none">
           <a:solidFill>
             <a:srgbClr val="000000"/>
           </a:solidFill>
@@ -5526,7 +5651,7 @@
           <a:sym typeface="Arial"/>
         </a:defRPr>
       </a:lvl8pPr>
-      <a:lvl9pPr lvl="8" marR="0" rtl="0" algn="l">
+      <a:lvl9pPr marR="0" lvl="8" algn="l" rtl="0">
         <a:lnSpc>
           <a:spcPct val="100000"/>
         </a:lnSpc>
@@ -5540,7 +5665,7 @@
           <a:srgbClr val="000000"/>
         </a:buClr>
         <a:buFont typeface="Arial"/>
-        <a:defRPr b="0" i="0" sz="1400" u="none" cap="none" strike="noStrike">
+        <a:defRPr sz="1400" b="0" i="0" u="none" strike="noStrike" cap="none">
           <a:solidFill>
             <a:srgbClr val="000000"/>
           </a:solidFill>
@@ -5556,11 +5681,11 @@
 </file>
 
 <file path=ppt/slides/slide1.xml><?xml version="1.0" encoding="utf-8"?>
-<p:sld xmlns:a="http://schemas.openxmlformats.org/drawingml/2006/main" xmlns:r="http://schemas.openxmlformats.org/officeDocument/2006/relationships" xmlns:mc="http://schemas.openxmlformats.org/markup-compatibility/2006" xmlns:mv="urn:schemas-microsoft-com:mac:vml" xmlns:p="http://schemas.openxmlformats.org/presentationml/2006/main" xmlns:c="http://schemas.openxmlformats.org/drawingml/2006/chart" xmlns:dgm="http://schemas.openxmlformats.org/drawingml/2006/diagram" xmlns:o="urn:schemas-microsoft-com:office:office" xmlns:v="urn:schemas-microsoft-com:vml" xmlns:pvml="urn:schemas-microsoft-com:office:powerpoint" xmlns:com="http://schemas.openxmlformats.org/drawingml/2006/compatibility" xmlns:p14="http://schemas.microsoft.com/office/powerpoint/2010/main" xmlns:p15="http://schemas.microsoft.com/office/powerpoint/2012/main">
+<p:sld xmlns:a="http://schemas.openxmlformats.org/drawingml/2006/main" xmlns:r="http://schemas.openxmlformats.org/officeDocument/2006/relationships" xmlns:p="http://schemas.openxmlformats.org/presentationml/2006/main">
   <p:cSld>
     <p:spTree>
       <p:nvGrpSpPr>
-        <p:cNvPr id="53" name="Shape 53"/>
+        <p:cNvPr id="1" name="Shape 53"/>
         <p:cNvGrpSpPr/>
         <p:nvPr/>
       </p:nvGrpSpPr>
@@ -5575,7 +5700,9 @@
       <p:sp>
         <p:nvSpPr>
           <p:cNvPr id="54" name="Google Shape;54;p13"/>
-          <p:cNvSpPr txBox="1"/>
+          <p:cNvSpPr txBox="1">
+            <a:spLocks noGrp="1"/>
+          </p:cNvSpPr>
           <p:nvPr>
             <p:ph type="ctrTitle"/>
           </p:nvPr>
@@ -5590,12 +5717,12 @@
           </a:prstGeom>
         </p:spPr>
         <p:txBody>
-          <a:bodyPr anchorCtr="0" anchor="b" bIns="91425" lIns="91425" spcFirstLastPara="1" rIns="91425" wrap="square" tIns="91425">
+          <a:bodyPr spcFirstLastPara="1" wrap="square" lIns="91425" tIns="91425" rIns="91425" bIns="91425" anchor="b" anchorCtr="0">
             <a:noAutofit/>
           </a:bodyPr>
           <a:lstStyle/>
           <a:p>
-            <a:pPr indent="0" lvl="0" marL="0" rtl="0" algn="ctr">
+            <a:pPr marL="0" lvl="0" indent="0" algn="ctr" rtl="0">
               <a:spcBef>
                 <a:spcPts val="0"/>
               </a:spcBef>
@@ -5615,9 +5742,11 @@
       <p:sp>
         <p:nvSpPr>
           <p:cNvPr id="55" name="Google Shape;55;p13"/>
-          <p:cNvSpPr txBox="1"/>
+          <p:cNvSpPr txBox="1">
+            <a:spLocks noGrp="1"/>
+          </p:cNvSpPr>
           <p:nvPr>
-            <p:ph idx="1" type="subTitle"/>
+            <p:ph type="subTitle" idx="1"/>
           </p:nvPr>
         </p:nvSpPr>
         <p:spPr>
@@ -5630,12 +5759,12 @@
           </a:prstGeom>
         </p:spPr>
         <p:txBody>
-          <a:bodyPr anchorCtr="0" anchor="t" bIns="91425" lIns="91425" spcFirstLastPara="1" rIns="91425" wrap="square" tIns="91425">
+          <a:bodyPr spcFirstLastPara="1" wrap="square" lIns="91425" tIns="91425" rIns="91425" bIns="91425" anchor="t" anchorCtr="0">
             <a:noAutofit/>
           </a:bodyPr>
           <a:lstStyle/>
           <a:p>
-            <a:pPr indent="0" lvl="0" marL="0" rtl="0" algn="ctr">
+            <a:pPr marL="0" lvl="0" indent="0" algn="ctr" rtl="0">
               <a:spcBef>
                 <a:spcPts val="0"/>
               </a:spcBef>
@@ -5651,7 +5780,7 @@
             <a:endParaRPr/>
           </a:p>
           <a:p>
-            <a:pPr indent="0" lvl="0" marL="0" rtl="0" algn="ctr">
+            <a:pPr marL="0" lvl="0" indent="0" algn="ctr" rtl="0">
               <a:spcBef>
                 <a:spcPts val="0"/>
               </a:spcBef>
@@ -5677,11 +5806,11 @@
 </file>
 
 <file path=ppt/slides/slide2.xml><?xml version="1.0" encoding="utf-8"?>
-<p:sld xmlns:a="http://schemas.openxmlformats.org/drawingml/2006/main" xmlns:r="http://schemas.openxmlformats.org/officeDocument/2006/relationships" xmlns:mc="http://schemas.openxmlformats.org/markup-compatibility/2006" xmlns:mv="urn:schemas-microsoft-com:mac:vml" xmlns:p="http://schemas.openxmlformats.org/presentationml/2006/main" xmlns:c="http://schemas.openxmlformats.org/drawingml/2006/chart" xmlns:dgm="http://schemas.openxmlformats.org/drawingml/2006/diagram" xmlns:o="urn:schemas-microsoft-com:office:office" xmlns:v="urn:schemas-microsoft-com:vml" xmlns:pvml="urn:schemas-microsoft-com:office:powerpoint" xmlns:com="http://schemas.openxmlformats.org/drawingml/2006/compatibility" xmlns:p14="http://schemas.microsoft.com/office/powerpoint/2010/main" xmlns:p15="http://schemas.microsoft.com/office/powerpoint/2012/main">
+<p:sld xmlns:a="http://schemas.openxmlformats.org/drawingml/2006/main" xmlns:r="http://schemas.openxmlformats.org/officeDocument/2006/relationships" xmlns:p="http://schemas.openxmlformats.org/presentationml/2006/main">
   <p:cSld>
     <p:spTree>
       <p:nvGrpSpPr>
-        <p:cNvPr id="59" name="Shape 59"/>
+        <p:cNvPr id="1" name="Shape 59"/>
         <p:cNvGrpSpPr/>
         <p:nvPr/>
       </p:nvGrpSpPr>
@@ -5696,7 +5825,9 @@
       <p:sp>
         <p:nvSpPr>
           <p:cNvPr id="60" name="Google Shape;60;p14"/>
-          <p:cNvSpPr txBox="1"/>
+          <p:cNvSpPr txBox="1">
+            <a:spLocks noGrp="1"/>
+          </p:cNvSpPr>
           <p:nvPr>
             <p:ph type="title"/>
           </p:nvPr>
@@ -5711,12 +5842,12 @@
           </a:prstGeom>
         </p:spPr>
         <p:txBody>
-          <a:bodyPr anchorCtr="0" anchor="t" bIns="91425" lIns="91425" spcFirstLastPara="1" rIns="91425" wrap="square" tIns="91425">
+          <a:bodyPr spcFirstLastPara="1" wrap="square" lIns="91425" tIns="91425" rIns="91425" bIns="91425" anchor="t" anchorCtr="0">
             <a:noAutofit/>
           </a:bodyPr>
           <a:lstStyle/>
           <a:p>
-            <a:pPr indent="0" lvl="0" marL="0" rtl="0" algn="l">
+            <a:pPr marL="0" lvl="0" indent="0" algn="l" rtl="0">
               <a:spcBef>
                 <a:spcPts val="0"/>
               </a:spcBef>
@@ -5736,9 +5867,11 @@
       <p:sp>
         <p:nvSpPr>
           <p:cNvPr id="61" name="Google Shape;61;p14"/>
-          <p:cNvSpPr txBox="1"/>
+          <p:cNvSpPr txBox="1">
+            <a:spLocks noGrp="1"/>
+          </p:cNvSpPr>
           <p:nvPr>
-            <p:ph idx="1" type="body"/>
+            <p:ph type="body" idx="1"/>
           </p:nvPr>
         </p:nvSpPr>
         <p:spPr>
@@ -5751,12 +5884,15 @@
           </a:prstGeom>
         </p:spPr>
         <p:txBody>
-          <a:bodyPr anchorCtr="0" anchor="t" bIns="91425" lIns="91425" spcFirstLastPara="1" rIns="91425" wrap="square" tIns="91425">
+          <a:bodyPr spcFirstLastPara="1" wrap="square" lIns="91425" tIns="91425" rIns="91425" bIns="91425" anchor="t" anchorCtr="0">
             <a:noAutofit/>
           </a:bodyPr>
           <a:lstStyle/>
           <a:p>
-            <a:pPr indent="0" lvl="0" marL="0" rtl="0" algn="l">
+            <a:pPr marL="0" lvl="0" indent="0" algn="l" rtl="0">
+              <a:lnSpc>
+                <a:spcPct val="100000"/>
+              </a:lnSpc>
               <a:spcBef>
                 <a:spcPts val="0"/>
               </a:spcBef>
@@ -5766,13 +5902,16 @@
               <a:buNone/>
             </a:pPr>
             <a:r>
-              <a:rPr lang="en"/>
+              <a:rPr lang="en" dirty="0"/>
               <a:t>-Trying to create a game with the correct difficulty for each player</a:t>
             </a:r>
-            <a:endParaRPr/>
+            <a:endParaRPr dirty="0"/>
           </a:p>
           <a:p>
-            <a:pPr indent="0" lvl="0" marL="0" rtl="0" algn="l">
+            <a:pPr marL="0" lvl="0" indent="0" algn="l" rtl="0">
+              <a:lnSpc>
+                <a:spcPct val="100000"/>
+              </a:lnSpc>
               <a:spcBef>
                 <a:spcPts val="1600"/>
               </a:spcBef>
@@ -5782,21 +5921,24 @@
               <a:buNone/>
             </a:pPr>
             <a:r>
-              <a:rPr lang="en"/>
-              <a:t>-a couple </a:t>
+              <a:rPr lang="en" dirty="0"/>
+              <a:t>-</a:t>
             </a:r>
             <a:r>
-              <a:rPr lang="en"/>
-              <a:t>placement</a:t>
+              <a:rPr lang="en-US" dirty="0"/>
+              <a:t>A</a:t>
             </a:r>
             <a:r>
-              <a:rPr lang="en"/>
-              <a:t> playthrough will be used to assess the player’s skill level and kickstart the system</a:t>
+              <a:rPr lang="en" dirty="0"/>
+              <a:t> couple placement playthrough will be used to assess the player’s skill level and kickstart the system</a:t>
             </a:r>
-            <a:endParaRPr/>
+            <a:endParaRPr dirty="0"/>
           </a:p>
           <a:p>
-            <a:pPr indent="0" lvl="0" marL="0" rtl="0" algn="l">
+            <a:pPr marL="0" lvl="0" indent="0" algn="l" rtl="0">
+              <a:lnSpc>
+                <a:spcPct val="100000"/>
+              </a:lnSpc>
               <a:spcBef>
                 <a:spcPts val="1600"/>
               </a:spcBef>
@@ -5806,17 +5948,24 @@
               <a:buNone/>
             </a:pPr>
             <a:r>
-              <a:rPr lang="en"/>
-              <a:t>-using data from </a:t>
+              <a:rPr lang="en" dirty="0"/>
+              <a:t>-</a:t>
             </a:r>
             <a:r>
-              <a:rPr lang="en"/>
-              <a:t>previous playthroughs the game will adapt based on how well the player did.</a:t>
+              <a:rPr lang="en-US" dirty="0"/>
+              <a:t>U</a:t>
             </a:r>
-            <a:endParaRPr/>
+            <a:r>
+              <a:rPr lang="en" dirty="0"/>
+              <a:t>sing data from previous playthroughs the game will adapt based on how well the player did.</a:t>
+            </a:r>
+            <a:endParaRPr dirty="0"/>
           </a:p>
           <a:p>
-            <a:pPr indent="0" lvl="0" marL="0" rtl="0" algn="l">
+            <a:pPr marL="0" lvl="0" indent="0" algn="l" rtl="0">
+              <a:lnSpc>
+                <a:spcPct val="100000"/>
+              </a:lnSpc>
               <a:spcBef>
                 <a:spcPts val="1600"/>
               </a:spcBef>
@@ -5826,10 +5975,43 @@
               <a:buNone/>
             </a:pPr>
             <a:r>
-              <a:rPr lang="en"/>
-              <a:t>-will be a unity game</a:t>
+              <a:rPr lang="en" dirty="0"/>
+              <a:t>-</a:t>
             </a:r>
-            <a:endParaRPr/>
+            <a:r>
+              <a:rPr lang="en-US" dirty="0"/>
+              <a:t>W</a:t>
+            </a:r>
+            <a:r>
+              <a:rPr lang="en" dirty="0"/>
+              <a:t>ill be a </a:t>
+            </a:r>
+            <a:r>
+              <a:rPr lang="en-US" dirty="0"/>
+              <a:t>U</a:t>
+            </a:r>
+            <a:r>
+              <a:rPr lang="en" dirty="0"/>
+              <a:t>nity game</a:t>
+            </a:r>
+          </a:p>
+          <a:p>
+            <a:pPr marL="0" lvl="0" indent="0" algn="l" rtl="0">
+              <a:lnSpc>
+                <a:spcPct val="100000"/>
+              </a:lnSpc>
+              <a:spcBef>
+                <a:spcPts val="1600"/>
+              </a:spcBef>
+              <a:spcAft>
+                <a:spcPts val="1600"/>
+              </a:spcAft>
+              <a:buNone/>
+            </a:pPr>
+            <a:r>
+              <a:rPr lang="en" dirty="0"/>
+              <a:t>- Using C# as the scripting language</a:t>
+            </a:r>
           </a:p>
         </p:txBody>
       </p:sp>
@@ -5842,7 +6024,288 @@
 </file>
 
 <file path=ppt/theme/theme1.xml><?xml version="1.0" encoding="utf-8"?>
-<a:theme xmlns:a="http://schemas.openxmlformats.org/drawingml/2006/main" xmlns:r="http://schemas.openxmlformats.org/officeDocument/2006/relationships">
+<a:theme xmlns:a="http://schemas.openxmlformats.org/drawingml/2006/main" name="Simple Dark">
+  <a:themeElements>
+    <a:clrScheme name="Simple Dark">
+      <a:dk1>
+        <a:srgbClr val="FFFFFF"/>
+      </a:dk1>
+      <a:lt1>
+        <a:srgbClr val="212121"/>
+      </a:lt1>
+      <a:dk2>
+        <a:srgbClr val="303030"/>
+      </a:dk2>
+      <a:lt2>
+        <a:srgbClr val="ADADAD"/>
+      </a:lt2>
+      <a:accent1>
+        <a:srgbClr val="009688"/>
+      </a:accent1>
+      <a:accent2>
+        <a:srgbClr val="EEEEEE"/>
+      </a:accent2>
+      <a:accent3>
+        <a:srgbClr val="78909C"/>
+      </a:accent3>
+      <a:accent4>
+        <a:srgbClr val="FFAB40"/>
+      </a:accent4>
+      <a:accent5>
+        <a:srgbClr val="4DD0E1"/>
+      </a:accent5>
+      <a:accent6>
+        <a:srgbClr val="EEFF41"/>
+      </a:accent6>
+      <a:hlink>
+        <a:srgbClr val="4DD0E1"/>
+      </a:hlink>
+      <a:folHlink>
+        <a:srgbClr val="4DD0E1"/>
+      </a:folHlink>
+    </a:clrScheme>
+    <a:fontScheme name="Office">
+      <a:majorFont>
+        <a:latin typeface="Arial"/>
+        <a:ea typeface=""/>
+        <a:cs typeface=""/>
+        <a:font script="Jpan" typeface="ＭＳ Ｐゴシック"/>
+        <a:font script="Hang" typeface="맑은 고딕"/>
+        <a:font script="Hans" typeface="宋体"/>
+        <a:font script="Hant" typeface="新細明體"/>
+        <a:font script="Arab" typeface="Times New Roman"/>
+        <a:font script="Hebr" typeface="Times New Roman"/>
+        <a:font script="Thai" typeface="Angsana New"/>
+        <a:font script="Ethi" typeface="Nyala"/>
+        <a:font script="Beng" typeface="Vrinda"/>
+        <a:font script="Gujr" typeface="Shruti"/>
+        <a:font script="Khmr" typeface="MoolBoran"/>
+        <a:font script="Knda" typeface="Tunga"/>
+        <a:font script="Guru" typeface="Raavi"/>
+        <a:font script="Cans" typeface="Euphemia"/>
+        <a:font script="Cher" typeface="Plantagenet Cherokee"/>
+        <a:font script="Yiii" typeface="Microsoft Yi Baiti"/>
+        <a:font script="Tibt" typeface="Microsoft Himalaya"/>
+        <a:font script="Thaa" typeface="MV Boli"/>
+        <a:font script="Deva" typeface="Mangal"/>
+        <a:font script="Telu" typeface="Gautami"/>
+        <a:font script="Taml" typeface="Latha"/>
+        <a:font script="Syrc" typeface="Estrangelo Edessa"/>
+        <a:font script="Orya" typeface="Kalinga"/>
+        <a:font script="Mlym" typeface="Kartika"/>
+        <a:font script="Laoo" typeface="DokChampa"/>
+        <a:font script="Sinh" typeface="Iskoola Pota"/>
+        <a:font script="Mong" typeface="Mongolian Baiti"/>
+        <a:font script="Viet" typeface="Times New Roman"/>
+        <a:font script="Uigh" typeface="Microsoft Uighur"/>
+        <a:font script="Geor" typeface="Sylfaen"/>
+      </a:majorFont>
+      <a:minorFont>
+        <a:latin typeface="Arial"/>
+        <a:ea typeface=""/>
+        <a:cs typeface=""/>
+        <a:font script="Jpan" typeface="ＭＳ Ｐゴシック"/>
+        <a:font script="Hang" typeface="맑은 고딕"/>
+        <a:font script="Hans" typeface="宋体"/>
+        <a:font script="Hant" typeface="新細明體"/>
+        <a:font script="Arab" typeface="Arial"/>
+        <a:font script="Hebr" typeface="Arial"/>
+        <a:font script="Thai" typeface="Cordia New"/>
+        <a:font script="Ethi" typeface="Nyala"/>
+        <a:font script="Beng" typeface="Vrinda"/>
+        <a:font script="Gujr" typeface="Shruti"/>
+        <a:font script="Khmr" typeface="DaunPenh"/>
+        <a:font script="Knda" typeface="Tunga"/>
+        <a:font script="Guru" typeface="Raavi"/>
+        <a:font script="Cans" typeface="Euphemia"/>
+        <a:font script="Cher" typeface="Plantagenet Cherokee"/>
+        <a:font script="Yiii" typeface="Microsoft Yi Baiti"/>
+        <a:font script="Tibt" typeface="Microsoft Himalaya"/>
+        <a:font script="Thaa" typeface="MV Boli"/>
+        <a:font script="Deva" typeface="Mangal"/>
+        <a:font script="Telu" typeface="Gautami"/>
+        <a:font script="Taml" typeface="Latha"/>
+        <a:font script="Syrc" typeface="Estrangelo Edessa"/>
+        <a:font script="Orya" typeface="Kalinga"/>
+        <a:font script="Mlym" typeface="Kartika"/>
+        <a:font script="Laoo" typeface="DokChampa"/>
+        <a:font script="Sinh" typeface="Iskoola Pota"/>
+        <a:font script="Mong" typeface="Mongolian Baiti"/>
+        <a:font script="Viet" typeface="Arial"/>
+        <a:font script="Uigh" typeface="Microsoft Uighur"/>
+        <a:font script="Geor" typeface="Sylfaen"/>
+      </a:minorFont>
+    </a:fontScheme>
+    <a:fmtScheme name="Office">
+      <a:fillStyleLst>
+        <a:solidFill>
+          <a:schemeClr val="phClr"/>
+        </a:solidFill>
+        <a:gradFill rotWithShape="1">
+          <a:gsLst>
+            <a:gs pos="0">
+              <a:schemeClr val="phClr">
+                <a:tint val="50000"/>
+                <a:satMod val="300000"/>
+              </a:schemeClr>
+            </a:gs>
+            <a:gs pos="35000">
+              <a:schemeClr val="phClr">
+                <a:tint val="37000"/>
+                <a:satMod val="300000"/>
+              </a:schemeClr>
+            </a:gs>
+            <a:gs pos="100000">
+              <a:schemeClr val="phClr">
+                <a:tint val="15000"/>
+                <a:satMod val="350000"/>
+              </a:schemeClr>
+            </a:gs>
+          </a:gsLst>
+          <a:lin ang="16200000" scaled="1"/>
+        </a:gradFill>
+        <a:gradFill rotWithShape="1">
+          <a:gsLst>
+            <a:gs pos="0">
+              <a:schemeClr val="phClr">
+                <a:tint val="100000"/>
+                <a:shade val="100000"/>
+                <a:satMod val="130000"/>
+              </a:schemeClr>
+            </a:gs>
+            <a:gs pos="100000">
+              <a:schemeClr val="phClr">
+                <a:tint val="50000"/>
+                <a:shade val="100000"/>
+                <a:satMod val="350000"/>
+              </a:schemeClr>
+            </a:gs>
+          </a:gsLst>
+          <a:lin ang="16200000" scaled="0"/>
+        </a:gradFill>
+      </a:fillStyleLst>
+      <a:lnStyleLst>
+        <a:ln w="9525" cap="flat" cmpd="sng" algn="ctr">
+          <a:solidFill>
+            <a:schemeClr val="phClr">
+              <a:shade val="95000"/>
+              <a:satMod val="105000"/>
+            </a:schemeClr>
+          </a:solidFill>
+          <a:prstDash val="solid"/>
+        </a:ln>
+        <a:ln w="25400" cap="flat" cmpd="sng" algn="ctr">
+          <a:solidFill>
+            <a:schemeClr val="phClr"/>
+          </a:solidFill>
+          <a:prstDash val="solid"/>
+        </a:ln>
+        <a:ln w="38100" cap="flat" cmpd="sng" algn="ctr">
+          <a:solidFill>
+            <a:schemeClr val="phClr"/>
+          </a:solidFill>
+          <a:prstDash val="solid"/>
+        </a:ln>
+      </a:lnStyleLst>
+      <a:effectStyleLst>
+        <a:effectStyle>
+          <a:effectLst>
+            <a:outerShdw blurRad="40000" dist="20000" dir="5400000" rotWithShape="0">
+              <a:srgbClr val="000000">
+                <a:alpha val="38000"/>
+              </a:srgbClr>
+            </a:outerShdw>
+          </a:effectLst>
+        </a:effectStyle>
+        <a:effectStyle>
+          <a:effectLst>
+            <a:outerShdw blurRad="40000" dist="23000" dir="5400000" rotWithShape="0">
+              <a:srgbClr val="000000">
+                <a:alpha val="35000"/>
+              </a:srgbClr>
+            </a:outerShdw>
+          </a:effectLst>
+        </a:effectStyle>
+        <a:effectStyle>
+          <a:effectLst>
+            <a:outerShdw blurRad="40000" dist="23000" dir="5400000" rotWithShape="0">
+              <a:srgbClr val="000000">
+                <a:alpha val="35000"/>
+              </a:srgbClr>
+            </a:outerShdw>
+          </a:effectLst>
+          <a:scene3d>
+            <a:camera prst="orthographicFront">
+              <a:rot lat="0" lon="0" rev="0"/>
+            </a:camera>
+            <a:lightRig rig="threePt" dir="t">
+              <a:rot lat="0" lon="0" rev="1200000"/>
+            </a:lightRig>
+          </a:scene3d>
+          <a:sp3d>
+            <a:bevelT w="63500" h="25400"/>
+          </a:sp3d>
+        </a:effectStyle>
+      </a:effectStyleLst>
+      <a:bgFillStyleLst>
+        <a:solidFill>
+          <a:schemeClr val="phClr"/>
+        </a:solidFill>
+        <a:gradFill rotWithShape="1">
+          <a:gsLst>
+            <a:gs pos="0">
+              <a:schemeClr val="phClr">
+                <a:tint val="40000"/>
+                <a:satMod val="350000"/>
+              </a:schemeClr>
+            </a:gs>
+            <a:gs pos="40000">
+              <a:schemeClr val="phClr">
+                <a:tint val="45000"/>
+                <a:shade val="99000"/>
+                <a:satMod val="350000"/>
+              </a:schemeClr>
+            </a:gs>
+            <a:gs pos="100000">
+              <a:schemeClr val="phClr">
+                <a:shade val="20000"/>
+                <a:satMod val="255000"/>
+              </a:schemeClr>
+            </a:gs>
+          </a:gsLst>
+          <a:path path="circle">
+            <a:fillToRect l="50000" t="-80000" r="50000" b="180000"/>
+          </a:path>
+        </a:gradFill>
+        <a:gradFill rotWithShape="1">
+          <a:gsLst>
+            <a:gs pos="0">
+              <a:schemeClr val="phClr">
+                <a:tint val="80000"/>
+                <a:satMod val="300000"/>
+              </a:schemeClr>
+            </a:gs>
+            <a:gs pos="100000">
+              <a:schemeClr val="phClr">
+                <a:shade val="30000"/>
+                <a:satMod val="200000"/>
+              </a:schemeClr>
+            </a:gs>
+          </a:gsLst>
+          <a:path path="circle">
+            <a:fillToRect l="50000" t="50000" r="50000" b="50000"/>
+          </a:path>
+        </a:gradFill>
+      </a:bgFillStyleLst>
+    </a:fmtScheme>
+  </a:themeElements>
+  <a:objectDefaults/>
+  <a:extraClrSchemeLst/>
+</a:theme>
+</file>
+
+<file path=ppt/theme/theme2.xml><?xml version="1.0" encoding="utf-8"?>
+<a:theme xmlns:a="http://schemas.openxmlformats.org/drawingml/2006/main">
   <a:themeElements>
     <a:clrScheme name="Default">
       <a:dk1>
@@ -6117,284 +6580,7 @@
       </a:bgFillStyleLst>
     </a:fmtScheme>
   </a:themeElements>
-</a:theme>
-</file>
-
-<file path=ppt/theme/theme2.xml><?xml version="1.0" encoding="utf-8"?>
-<a:theme xmlns:a="http://schemas.openxmlformats.org/drawingml/2006/main" xmlns:r="http://schemas.openxmlformats.org/officeDocument/2006/relationships" name="Simple Dark">
-  <a:themeElements>
-    <a:clrScheme name="Simple Dark">
-      <a:dk1>
-        <a:srgbClr val="FFFFFF"/>
-      </a:dk1>
-      <a:lt1>
-        <a:srgbClr val="212121"/>
-      </a:lt1>
-      <a:dk2>
-        <a:srgbClr val="303030"/>
-      </a:dk2>
-      <a:lt2>
-        <a:srgbClr val="ADADAD"/>
-      </a:lt2>
-      <a:accent1>
-        <a:srgbClr val="009688"/>
-      </a:accent1>
-      <a:accent2>
-        <a:srgbClr val="EEEEEE"/>
-      </a:accent2>
-      <a:accent3>
-        <a:srgbClr val="78909C"/>
-      </a:accent3>
-      <a:accent4>
-        <a:srgbClr val="FFAB40"/>
-      </a:accent4>
-      <a:accent5>
-        <a:srgbClr val="4DD0E1"/>
-      </a:accent5>
-      <a:accent6>
-        <a:srgbClr val="EEFF41"/>
-      </a:accent6>
-      <a:hlink>
-        <a:srgbClr val="4DD0E1"/>
-      </a:hlink>
-      <a:folHlink>
-        <a:srgbClr val="4DD0E1"/>
-      </a:folHlink>
-    </a:clrScheme>
-    <a:fontScheme name="Office">
-      <a:majorFont>
-        <a:latin typeface="Arial"/>
-        <a:ea typeface=""/>
-        <a:cs typeface=""/>
-        <a:font script="Jpan" typeface="ＭＳ Ｐゴシック"/>
-        <a:font script="Hang" typeface="맑은 고딕"/>
-        <a:font script="Hans" typeface="宋体"/>
-        <a:font script="Hant" typeface="新細明體"/>
-        <a:font script="Arab" typeface="Times New Roman"/>
-        <a:font script="Hebr" typeface="Times New Roman"/>
-        <a:font script="Thai" typeface="Angsana New"/>
-        <a:font script="Ethi" typeface="Nyala"/>
-        <a:font script="Beng" typeface="Vrinda"/>
-        <a:font script="Gujr" typeface="Shruti"/>
-        <a:font script="Khmr" typeface="MoolBoran"/>
-        <a:font script="Knda" typeface="Tunga"/>
-        <a:font script="Guru" typeface="Raavi"/>
-        <a:font script="Cans" typeface="Euphemia"/>
-        <a:font script="Cher" typeface="Plantagenet Cherokee"/>
-        <a:font script="Yiii" typeface="Microsoft Yi Baiti"/>
-        <a:font script="Tibt" typeface="Microsoft Himalaya"/>
-        <a:font script="Thaa" typeface="MV Boli"/>
-        <a:font script="Deva" typeface="Mangal"/>
-        <a:font script="Telu" typeface="Gautami"/>
-        <a:font script="Taml" typeface="Latha"/>
-        <a:font script="Syrc" typeface="Estrangelo Edessa"/>
-        <a:font script="Orya" typeface="Kalinga"/>
-        <a:font script="Mlym" typeface="Kartika"/>
-        <a:font script="Laoo" typeface="DokChampa"/>
-        <a:font script="Sinh" typeface="Iskoola Pota"/>
-        <a:font script="Mong" typeface="Mongolian Baiti"/>
-        <a:font script="Viet" typeface="Times New Roman"/>
-        <a:font script="Uigh" typeface="Microsoft Uighur"/>
-        <a:font script="Geor" typeface="Sylfaen"/>
-      </a:majorFont>
-      <a:minorFont>
-        <a:latin typeface="Arial"/>
-        <a:ea typeface=""/>
-        <a:cs typeface=""/>
-        <a:font script="Jpan" typeface="ＭＳ Ｐゴシック"/>
-        <a:font script="Hang" typeface="맑은 고딕"/>
-        <a:font script="Hans" typeface="宋体"/>
-        <a:font script="Hant" typeface="新細明體"/>
-        <a:font script="Arab" typeface="Arial"/>
-        <a:font script="Hebr" typeface="Arial"/>
-        <a:font script="Thai" typeface="Cordia New"/>
-        <a:font script="Ethi" typeface="Nyala"/>
-        <a:font script="Beng" typeface="Vrinda"/>
-        <a:font script="Gujr" typeface="Shruti"/>
-        <a:font script="Khmr" typeface="DaunPenh"/>
-        <a:font script="Knda" typeface="Tunga"/>
-        <a:font script="Guru" typeface="Raavi"/>
-        <a:font script="Cans" typeface="Euphemia"/>
-        <a:font script="Cher" typeface="Plantagenet Cherokee"/>
-        <a:font script="Yiii" typeface="Microsoft Yi Baiti"/>
-        <a:font script="Tibt" typeface="Microsoft Himalaya"/>
-        <a:font script="Thaa" typeface="MV Boli"/>
-        <a:font script="Deva" typeface="Mangal"/>
-        <a:font script="Telu" typeface="Gautami"/>
-        <a:font script="Taml" typeface="Latha"/>
-        <a:font script="Syrc" typeface="Estrangelo Edessa"/>
-        <a:font script="Orya" typeface="Kalinga"/>
-        <a:font script="Mlym" typeface="Kartika"/>
-        <a:font script="Laoo" typeface="DokChampa"/>
-        <a:font script="Sinh" typeface="Iskoola Pota"/>
-        <a:font script="Mong" typeface="Mongolian Baiti"/>
-        <a:font script="Viet" typeface="Arial"/>
-        <a:font script="Uigh" typeface="Microsoft Uighur"/>
-        <a:font script="Geor" typeface="Sylfaen"/>
-      </a:minorFont>
-    </a:fontScheme>
-    <a:fmtScheme name="Office">
-      <a:fillStyleLst>
-        <a:solidFill>
-          <a:schemeClr val="phClr"/>
-        </a:solidFill>
-        <a:gradFill rotWithShape="1">
-          <a:gsLst>
-            <a:gs pos="0">
-              <a:schemeClr val="phClr">
-                <a:tint val="50000"/>
-                <a:satMod val="300000"/>
-              </a:schemeClr>
-            </a:gs>
-            <a:gs pos="35000">
-              <a:schemeClr val="phClr">
-                <a:tint val="37000"/>
-                <a:satMod val="300000"/>
-              </a:schemeClr>
-            </a:gs>
-            <a:gs pos="100000">
-              <a:schemeClr val="phClr">
-                <a:tint val="15000"/>
-                <a:satMod val="350000"/>
-              </a:schemeClr>
-            </a:gs>
-          </a:gsLst>
-          <a:lin ang="16200000" scaled="1"/>
-        </a:gradFill>
-        <a:gradFill rotWithShape="1">
-          <a:gsLst>
-            <a:gs pos="0">
-              <a:schemeClr val="phClr">
-                <a:tint val="100000"/>
-                <a:shade val="100000"/>
-                <a:satMod val="130000"/>
-              </a:schemeClr>
-            </a:gs>
-            <a:gs pos="100000">
-              <a:schemeClr val="phClr">
-                <a:tint val="50000"/>
-                <a:shade val="100000"/>
-                <a:satMod val="350000"/>
-              </a:schemeClr>
-            </a:gs>
-          </a:gsLst>
-          <a:lin ang="16200000" scaled="0"/>
-        </a:gradFill>
-      </a:fillStyleLst>
-      <a:lnStyleLst>
-        <a:ln w="9525" cap="flat" cmpd="sng" algn="ctr">
-          <a:solidFill>
-            <a:schemeClr val="phClr">
-              <a:shade val="95000"/>
-              <a:satMod val="105000"/>
-            </a:schemeClr>
-          </a:solidFill>
-          <a:prstDash val="solid"/>
-        </a:ln>
-        <a:ln w="25400" cap="flat" cmpd="sng" algn="ctr">
-          <a:solidFill>
-            <a:schemeClr val="phClr"/>
-          </a:solidFill>
-          <a:prstDash val="solid"/>
-        </a:ln>
-        <a:ln w="38100" cap="flat" cmpd="sng" algn="ctr">
-          <a:solidFill>
-            <a:schemeClr val="phClr"/>
-          </a:solidFill>
-          <a:prstDash val="solid"/>
-        </a:ln>
-      </a:lnStyleLst>
-      <a:effectStyleLst>
-        <a:effectStyle>
-          <a:effectLst>
-            <a:outerShdw blurRad="40000" dist="20000" dir="5400000" rotWithShape="0">
-              <a:srgbClr val="000000">
-                <a:alpha val="38000"/>
-              </a:srgbClr>
-            </a:outerShdw>
-          </a:effectLst>
-        </a:effectStyle>
-        <a:effectStyle>
-          <a:effectLst>
-            <a:outerShdw blurRad="40000" dist="23000" dir="5400000" rotWithShape="0">
-              <a:srgbClr val="000000">
-                <a:alpha val="35000"/>
-              </a:srgbClr>
-            </a:outerShdw>
-          </a:effectLst>
-        </a:effectStyle>
-        <a:effectStyle>
-          <a:effectLst>
-            <a:outerShdw blurRad="40000" dist="23000" dir="5400000" rotWithShape="0">
-              <a:srgbClr val="000000">
-                <a:alpha val="35000"/>
-              </a:srgbClr>
-            </a:outerShdw>
-          </a:effectLst>
-          <a:scene3d>
-            <a:camera prst="orthographicFront">
-              <a:rot lat="0" lon="0" rev="0"/>
-            </a:camera>
-            <a:lightRig rig="threePt" dir="t">
-              <a:rot lat="0" lon="0" rev="1200000"/>
-            </a:lightRig>
-          </a:scene3d>
-          <a:sp3d>
-            <a:bevelT w="63500" h="25400"/>
-          </a:sp3d>
-        </a:effectStyle>
-      </a:effectStyleLst>
-      <a:bgFillStyleLst>
-        <a:solidFill>
-          <a:schemeClr val="phClr"/>
-        </a:solidFill>
-        <a:gradFill rotWithShape="1">
-          <a:gsLst>
-            <a:gs pos="0">
-              <a:schemeClr val="phClr">
-                <a:tint val="40000"/>
-                <a:satMod val="350000"/>
-              </a:schemeClr>
-            </a:gs>
-            <a:gs pos="40000">
-              <a:schemeClr val="phClr">
-                <a:tint val="45000"/>
-                <a:shade val="99000"/>
-                <a:satMod val="350000"/>
-              </a:schemeClr>
-            </a:gs>
-            <a:gs pos="100000">
-              <a:schemeClr val="phClr">
-                <a:shade val="20000"/>
-                <a:satMod val="255000"/>
-              </a:schemeClr>
-            </a:gs>
-          </a:gsLst>
-          <a:path path="circle">
-            <a:fillToRect l="50000" t="-80000" r="50000" b="180000"/>
-          </a:path>
-        </a:gradFill>
-        <a:gradFill rotWithShape="1">
-          <a:gsLst>
-            <a:gs pos="0">
-              <a:schemeClr val="phClr">
-                <a:tint val="80000"/>
-                <a:satMod val="300000"/>
-              </a:schemeClr>
-            </a:gs>
-            <a:gs pos="100000">
-              <a:schemeClr val="phClr">
-                <a:shade val="30000"/>
-                <a:satMod val="200000"/>
-              </a:schemeClr>
-            </a:gs>
-          </a:gsLst>
-          <a:path path="circle">
-            <a:fillToRect l="50000" t="50000" r="50000" b="50000"/>
-          </a:path>
-        </a:gradFill>
-      </a:bgFillStyleLst>
-    </a:fmtScheme>
-  </a:themeElements>
+  <a:objectDefaults/>
+  <a:extraClrSchemeLst/>
 </a:theme>
 </file>
--- a/Ai Final persentation.pptx
+++ b/Ai Final persentation.pptx
@@ -5,11 +5,12 @@
     <p:sldMasterId id="2147483659" r:id="rId1"/>
   </p:sldMasterIdLst>
   <p:notesMasterIdLst>
-    <p:notesMasterId r:id="rId4"/>
+    <p:notesMasterId r:id="rId5"/>
   </p:notesMasterIdLst>
   <p:sldIdLst>
     <p:sldId id="256" r:id="rId2"/>
     <p:sldId id="257" r:id="rId3"/>
+    <p:sldId id="258" r:id="rId4"/>
   </p:sldIdLst>
   <p:sldSz cx="9144000" cy="5143500" type="screen16x9"/>
   <p:notesSz cx="6858000" cy="9144000"/>
@@ -5959,10 +5960,115 @@
               <a:rPr lang="en" dirty="0"/>
               <a:t>sing data from previous playthroughs the game will adapt based on how well the player did.</a:t>
             </a:r>
-            <a:endParaRPr dirty="0"/>
           </a:p>
           <a:p>
             <a:pPr marL="0" lvl="0" indent="0" algn="l" rtl="0">
+              <a:lnSpc>
+                <a:spcPct val="100000"/>
+              </a:lnSpc>
+              <a:spcBef>
+                <a:spcPts val="1600"/>
+              </a:spcBef>
+              <a:spcAft>
+                <a:spcPts val="0"/>
+              </a:spcAft>
+              <a:buNone/>
+            </a:pPr>
+            <a:r>
+              <a:rPr lang="en" dirty="0"/>
+              <a:t>-</a:t>
+            </a:r>
+            <a:r>
+              <a:rPr lang="en-US" dirty="0"/>
+              <a:t>D</a:t>
+            </a:r>
+            <a:r>
+              <a:rPr lang="en" dirty="0"/>
+              <a:t>ata </a:t>
+            </a:r>
+            <a:r>
+              <a:rPr lang="en-US" dirty="0"/>
+              <a:t>will be comparing player time to beat the level to what time we want the players to beat the level</a:t>
+            </a:r>
+            <a:endParaRPr lang="en" dirty="0"/>
+          </a:p>
+        </p:txBody>
+      </p:sp>
+    </p:spTree>
+  </p:cSld>
+  <p:clrMapOvr>
+    <a:masterClrMapping/>
+  </p:clrMapOvr>
+</p:sld>
+</file>
+
+<file path=ppt/slides/slide3.xml><?xml version="1.0" encoding="utf-8"?>
+<p:sld xmlns:a="http://schemas.openxmlformats.org/drawingml/2006/main" xmlns:r="http://schemas.openxmlformats.org/officeDocument/2006/relationships" xmlns:p="http://schemas.openxmlformats.org/presentationml/2006/main">
+  <p:cSld>
+    <p:spTree>
+      <p:nvGrpSpPr>
+        <p:cNvPr id="1" name=""/>
+        <p:cNvGrpSpPr/>
+        <p:nvPr/>
+      </p:nvGrpSpPr>
+      <p:grpSpPr>
+        <a:xfrm>
+          <a:off x="0" y="0"/>
+          <a:ext cx="0" cy="0"/>
+          <a:chOff x="0" y="0"/>
+          <a:chExt cx="0" cy="0"/>
+        </a:xfrm>
+      </p:grpSpPr>
+      <p:sp>
+        <p:nvSpPr>
+          <p:cNvPr id="2" name="Title 1">
+            <a:extLst>
+              <a:ext uri="{FF2B5EF4-FFF2-40B4-BE49-F238E27FC236}">
+                <a16:creationId xmlns:a16="http://schemas.microsoft.com/office/drawing/2014/main" id="{16F37AB4-DDDD-44ED-B2A7-105914802B37}"/>
+              </a:ext>
+            </a:extLst>
+          </p:cNvPr>
+          <p:cNvSpPr>
+            <a:spLocks noGrp="1"/>
+          </p:cNvSpPr>
+          <p:nvPr>
+            <p:ph type="title"/>
+          </p:nvPr>
+        </p:nvSpPr>
+        <p:spPr/>
+        <p:txBody>
+          <a:bodyPr/>
+          <a:lstStyle/>
+          <a:p>
+            <a:r>
+              <a:rPr lang="en-US" dirty="0"/>
+              <a:t>Continued</a:t>
+            </a:r>
+          </a:p>
+        </p:txBody>
+      </p:sp>
+      <p:sp>
+        <p:nvSpPr>
+          <p:cNvPr id="3" name="Text Placeholder 2">
+            <a:extLst>
+              <a:ext uri="{FF2B5EF4-FFF2-40B4-BE49-F238E27FC236}">
+                <a16:creationId xmlns:a16="http://schemas.microsoft.com/office/drawing/2014/main" id="{8EA1E525-3D01-4D0E-AAEE-DE2216E9CA80}"/>
+              </a:ext>
+            </a:extLst>
+          </p:cNvPr>
+          <p:cNvSpPr>
+            <a:spLocks noGrp="1"/>
+          </p:cNvSpPr>
+          <p:nvPr>
+            <p:ph type="body" idx="1"/>
+          </p:nvPr>
+        </p:nvSpPr>
+        <p:spPr/>
+        <p:txBody>
+          <a:bodyPr/>
+          <a:lstStyle/>
+          <a:p>
+            <a:pPr marL="0" lvl="0" indent="0">
               <a:lnSpc>
                 <a:spcPct val="100000"/>
               </a:lnSpc>
@@ -5996,7 +6102,7 @@
             </a:r>
           </a:p>
           <a:p>
-            <a:pPr marL="0" lvl="0" indent="0" algn="l" rtl="0">
+            <a:pPr marL="0" lvl="0" indent="0">
               <a:lnSpc>
                 <a:spcPct val="100000"/>
               </a:lnSpc>
@@ -6013,9 +6119,20 @@
               <a:t>- Using C# as the scripting language</a:t>
             </a:r>
           </a:p>
+          <a:p>
+            <a:pPr marL="114300" indent="0">
+              <a:buNone/>
+            </a:pPr>
+            <a:endParaRPr lang="en-US" dirty="0"/>
+          </a:p>
         </p:txBody>
       </p:sp>
     </p:spTree>
+    <p:extLst>
+      <p:ext uri="{BB962C8B-B14F-4D97-AF65-F5344CB8AC3E}">
+        <p14:creationId xmlns:p14="http://schemas.microsoft.com/office/powerpoint/2010/main" val="3129993071"/>
+      </p:ext>
+    </p:extLst>
   </p:cSld>
   <p:clrMapOvr>
     <a:masterClrMapping/>

--- a/Ai Final persentation.pptx
+++ b/Ai Final persentation.pptx
@@ -5,12 +5,13 @@
     <p:sldMasterId id="2147483659" r:id="rId1"/>
   </p:sldMasterIdLst>
   <p:notesMasterIdLst>
-    <p:notesMasterId r:id="rId5"/>
+    <p:notesMasterId r:id="rId6"/>
   </p:notesMasterIdLst>
   <p:sldIdLst>
     <p:sldId id="256" r:id="rId2"/>
     <p:sldId id="257" r:id="rId3"/>
     <p:sldId id="258" r:id="rId4"/>
+    <p:sldId id="259" r:id="rId5"/>
   </p:sldIdLst>
   <p:sldSz cx="9144000" cy="5143500" type="screen16x9"/>
   <p:notesSz cx="6858000" cy="9144000"/>
@@ -467,6 +468,11 @@
         </p:txBody>
       </p:sp>
     </p:spTree>
+    <p:extLst>
+      <p:ext uri="{BB962C8B-B14F-4D97-AF65-F5344CB8AC3E}">
+        <p14:creationId xmlns:p14="http://schemas.microsoft.com/office/powerpoint/2010/main" val="3125206718"/>
+      </p:ext>
+    </p:extLst>
   </p:cSld>
   <p:clrMap bg1="lt1" tx1="dk1" bg2="dk2" tx2="lt2" accent1="accent1" accent2="accent2" accent3="accent3" accent4="accent4" accent5="accent5" accent6="accent6" hlink="hlink" folHlink="folHlink"/>
   <p:notesStyle>
@@ -798,6 +804,11 @@
         </p:txBody>
       </p:sp>
     </p:spTree>
+    <p:extLst>
+      <p:ext uri="{BB962C8B-B14F-4D97-AF65-F5344CB8AC3E}">
+        <p14:creationId xmlns:p14="http://schemas.microsoft.com/office/powerpoint/2010/main" val="4035484829"/>
+      </p:ext>
+    </p:extLst>
   </p:cSld>
   <p:clrMapOvr>
     <a:masterClrMapping/>
@@ -902,6 +913,11 @@
         </p:txBody>
       </p:sp>
     </p:spTree>
+    <p:extLst>
+      <p:ext uri="{BB962C8B-B14F-4D97-AF65-F5344CB8AC3E}">
+        <p14:creationId xmlns:p14="http://schemas.microsoft.com/office/powerpoint/2010/main" val="3170486848"/>
+      </p:ext>
+    </p:extLst>
   </p:cSld>
   <p:clrMapOvr>
     <a:masterClrMapping/>
@@ -6024,7 +6040,7 @@
           <p:cNvPr id="2" name="Title 1">
             <a:extLst>
               <a:ext uri="{FF2B5EF4-FFF2-40B4-BE49-F238E27FC236}">
-                <a16:creationId xmlns:a16="http://schemas.microsoft.com/office/drawing/2014/main" id="{16F37AB4-DDDD-44ED-B2A7-105914802B37}"/>
+                <a16:creationId xmlns:a16="http://schemas.microsoft.com/office/drawing/2014/main" xmlns="" id="{16F37AB4-DDDD-44ED-B2A7-105914802B37}"/>
               </a:ext>
             </a:extLst>
           </p:cNvPr>
@@ -6052,7 +6068,7 @@
           <p:cNvPr id="3" name="Text Placeholder 2">
             <a:extLst>
               <a:ext uri="{FF2B5EF4-FFF2-40B4-BE49-F238E27FC236}">
-                <a16:creationId xmlns:a16="http://schemas.microsoft.com/office/drawing/2014/main" id="{8EA1E525-3D01-4D0E-AAEE-DE2216E9CA80}"/>
+                <a16:creationId xmlns:a16="http://schemas.microsoft.com/office/drawing/2014/main" xmlns="" id="{8EA1E525-3D01-4D0E-AAEE-DE2216E9CA80}"/>
               </a:ext>
             </a:extLst>
           </p:cNvPr>
@@ -6081,23 +6097,23 @@
               <a:buNone/>
             </a:pPr>
             <a:r>
-              <a:rPr lang="en" dirty="0"/>
+              <a:rPr lang="en" sz="1200" dirty="0"/>
               <a:t>-</a:t>
             </a:r>
             <a:r>
-              <a:rPr lang="en-US" dirty="0"/>
+              <a:rPr lang="en-US" sz="1200" dirty="0"/>
               <a:t>W</a:t>
             </a:r>
             <a:r>
-              <a:rPr lang="en" dirty="0"/>
+              <a:rPr lang="en" sz="1200" dirty="0"/>
               <a:t>ill be a </a:t>
             </a:r>
             <a:r>
-              <a:rPr lang="en-US" dirty="0"/>
+              <a:rPr lang="en-US" sz="1200" dirty="0"/>
               <a:t>U</a:t>
             </a:r>
             <a:r>
-              <a:rPr lang="en" dirty="0"/>
+              <a:rPr lang="en" sz="1200" dirty="0"/>
               <a:t>nity game</a:t>
             </a:r>
           </a:p>
@@ -6115,9 +6131,131 @@
               <a:buNone/>
             </a:pPr>
             <a:r>
+              <a:rPr lang="en" sz="1200" dirty="0" smtClean="0"/>
+              <a:t>-Using </a:t>
+            </a:r>
+            <a:r>
+              <a:rPr lang="en" sz="1200" dirty="0"/>
+              <a:t>C# as the scripting </a:t>
+            </a:r>
+            <a:r>
+              <a:rPr lang="en" sz="1200" dirty="0" smtClean="0"/>
+              <a:t>language</a:t>
+            </a:r>
+          </a:p>
+          <a:p>
+            <a:pPr marL="0" lvl="0" indent="0">
+              <a:lnSpc>
+                <a:spcPct val="100000"/>
+              </a:lnSpc>
+              <a:spcBef>
+                <a:spcPts val="1600"/>
+              </a:spcBef>
+              <a:spcAft>
+                <a:spcPts val="1600"/>
+              </a:spcAft>
+              <a:buNone/>
+            </a:pPr>
+            <a:r>
+              <a:rPr lang="en" sz="1200" dirty="0" smtClean="0"/>
+              <a:t>-Three types of enemies(attack patterns)</a:t>
+            </a:r>
+          </a:p>
+          <a:p>
+            <a:pPr marL="0" lvl="0" indent="0">
+              <a:lnSpc>
+                <a:spcPct val="100000"/>
+              </a:lnSpc>
+              <a:spcBef>
+                <a:spcPts val="1600"/>
+              </a:spcBef>
+              <a:spcAft>
+                <a:spcPts val="1600"/>
+              </a:spcAft>
+              <a:buNone/>
+            </a:pPr>
+            <a:r>
+              <a:rPr lang="en" sz="1200" dirty="0"/>
+              <a:t> </a:t>
+            </a:r>
+            <a:r>
+              <a:rPr lang="en" sz="1200" dirty="0" smtClean="0"/>
+              <a:t>+Normal(nothing special)</a:t>
+            </a:r>
+          </a:p>
+          <a:p>
+            <a:pPr marL="0" lvl="0" indent="0">
+              <a:lnSpc>
+                <a:spcPct val="100000"/>
+              </a:lnSpc>
+              <a:spcBef>
+                <a:spcPts val="1600"/>
+              </a:spcBef>
+              <a:spcAft>
+                <a:spcPts val="1600"/>
+              </a:spcAft>
+              <a:buNone/>
+            </a:pPr>
+            <a:r>
+              <a:rPr lang="en" sz="1200" dirty="0"/>
+              <a:t> </a:t>
+            </a:r>
+            <a:r>
+              <a:rPr lang="en" sz="1200" dirty="0" smtClean="0"/>
+              <a:t>+Elite(fast movement, low attack damage,lower health)</a:t>
+            </a:r>
+          </a:p>
+          <a:p>
+            <a:pPr marL="0" lvl="0" indent="0">
+              <a:lnSpc>
+                <a:spcPct val="100000"/>
+              </a:lnSpc>
+              <a:spcBef>
+                <a:spcPts val="1600"/>
+              </a:spcBef>
+              <a:spcAft>
+                <a:spcPts val="1600"/>
+              </a:spcAft>
+              <a:buNone/>
+            </a:pPr>
+            <a:r>
+              <a:rPr lang="en" sz="1200" dirty="0" smtClean="0"/>
+              <a:t>+Boss(slow movement, high attack damage, high health</a:t>
+            </a:r>
+          </a:p>
+          <a:p>
+            <a:pPr marL="0" lvl="0" indent="0">
+              <a:lnSpc>
+                <a:spcPct val="100000"/>
+              </a:lnSpc>
+              <a:spcBef>
+                <a:spcPts val="1600"/>
+              </a:spcBef>
+              <a:spcAft>
+                <a:spcPts val="1600"/>
+              </a:spcAft>
+              <a:buNone/>
+            </a:pPr>
+            <a:endParaRPr lang="en" dirty="0" smtClean="0"/>
+          </a:p>
+          <a:p>
+            <a:pPr marL="0" lvl="0" indent="0">
+              <a:lnSpc>
+                <a:spcPct val="100000"/>
+              </a:lnSpc>
+              <a:spcBef>
+                <a:spcPts val="1600"/>
+              </a:spcBef>
+              <a:spcAft>
+                <a:spcPts val="1600"/>
+              </a:spcAft>
+              <a:buNone/>
+            </a:pPr>
+            <a:r>
               <a:rPr lang="en" dirty="0"/>
-              <a:t>- Using C# as the scripting language</a:t>
+              <a:t> </a:t>
             </a:r>
+            <a:endParaRPr lang="en" dirty="0" smtClean="0"/>
           </a:p>
           <a:p>
             <a:pPr marL="114300" indent="0">
@@ -6131,6 +6269,163 @@
     <p:extLst>
       <p:ext uri="{BB962C8B-B14F-4D97-AF65-F5344CB8AC3E}">
         <p14:creationId xmlns:p14="http://schemas.microsoft.com/office/powerpoint/2010/main" val="3129993071"/>
+      </p:ext>
+    </p:extLst>
+  </p:cSld>
+  <p:clrMapOvr>
+    <a:masterClrMapping/>
+  </p:clrMapOvr>
+</p:sld>
+</file>
+
+<file path=ppt/slides/slide4.xml><?xml version="1.0" encoding="utf-8"?>
+<p:sld xmlns:a="http://schemas.openxmlformats.org/drawingml/2006/main" xmlns:r="http://schemas.openxmlformats.org/officeDocument/2006/relationships" xmlns:p="http://schemas.openxmlformats.org/presentationml/2006/main">
+  <p:cSld>
+    <p:spTree>
+      <p:nvGrpSpPr>
+        <p:cNvPr id="1" name=""/>
+        <p:cNvGrpSpPr/>
+        <p:nvPr/>
+      </p:nvGrpSpPr>
+      <p:grpSpPr>
+        <a:xfrm>
+          <a:off x="0" y="0"/>
+          <a:ext cx="0" cy="0"/>
+          <a:chOff x="0" y="0"/>
+          <a:chExt cx="0" cy="0"/>
+        </a:xfrm>
+      </p:grpSpPr>
+      <p:sp>
+        <p:nvSpPr>
+          <p:cNvPr id="2" name="Title 1"/>
+          <p:cNvSpPr>
+            <a:spLocks noGrp="1"/>
+          </p:cNvSpPr>
+          <p:nvPr>
+            <p:ph type="title"/>
+          </p:nvPr>
+        </p:nvSpPr>
+        <p:spPr/>
+        <p:txBody>
+          <a:bodyPr/>
+          <a:lstStyle/>
+          <a:p>
+            <a:endParaRPr lang="en-US" dirty="0"/>
+          </a:p>
+        </p:txBody>
+      </p:sp>
+      <p:sp>
+        <p:nvSpPr>
+          <p:cNvPr id="3" name="Text Placeholder 2"/>
+          <p:cNvSpPr>
+            <a:spLocks noGrp="1"/>
+          </p:cNvSpPr>
+          <p:nvPr>
+            <p:ph type="body" idx="1"/>
+          </p:nvPr>
+        </p:nvSpPr>
+        <p:spPr/>
+        <p:txBody>
+          <a:bodyPr/>
+          <a:lstStyle/>
+          <a:p>
+            <a:pPr marL="0" lvl="0" indent="0">
+              <a:lnSpc>
+                <a:spcPct val="100000"/>
+              </a:lnSpc>
+              <a:spcBef>
+                <a:spcPts val="1600"/>
+              </a:spcBef>
+              <a:spcAft>
+                <a:spcPts val="1600"/>
+              </a:spcAft>
+              <a:buNone/>
+            </a:pPr>
+            <a:r>
+              <a:rPr lang="en" dirty="0"/>
+              <a:t>-Based on player performance these things will change:</a:t>
+            </a:r>
+          </a:p>
+          <a:p>
+            <a:pPr marL="0" lvl="0" indent="0">
+              <a:lnSpc>
+                <a:spcPct val="100000"/>
+              </a:lnSpc>
+              <a:spcBef>
+                <a:spcPts val="1600"/>
+              </a:spcBef>
+              <a:spcAft>
+                <a:spcPts val="1600"/>
+              </a:spcAft>
+              <a:buNone/>
+            </a:pPr>
+            <a:r>
+              <a:rPr lang="en" dirty="0"/>
+              <a:t> +amount of enemies will increase/decrease</a:t>
+            </a:r>
+          </a:p>
+          <a:p>
+            <a:pPr marL="0" lvl="0" indent="0">
+              <a:lnSpc>
+                <a:spcPct val="100000"/>
+              </a:lnSpc>
+              <a:spcBef>
+                <a:spcPts val="1600"/>
+              </a:spcBef>
+              <a:spcAft>
+                <a:spcPts val="1600"/>
+              </a:spcAft>
+              <a:buNone/>
+            </a:pPr>
+            <a:r>
+              <a:rPr lang="en" dirty="0"/>
+              <a:t> +enemies will get </a:t>
+            </a:r>
+            <a:r>
+              <a:rPr lang="en" dirty="0" smtClean="0"/>
+              <a:t>stronger/weaker</a:t>
+            </a:r>
+            <a:endParaRPr lang="en-US" dirty="0" smtClean="0"/>
+          </a:p>
+          <a:p>
+            <a:pPr marL="114300" indent="0">
+              <a:buNone/>
+            </a:pPr>
+            <a:r>
+              <a:rPr lang="en-US" dirty="0"/>
+              <a:t>+</a:t>
+            </a:r>
+            <a:r>
+              <a:rPr lang="en-US" dirty="0" smtClean="0"/>
+              <a:t>time between enemies groups will increase/decrease</a:t>
+            </a:r>
+          </a:p>
+          <a:p>
+            <a:pPr marL="114300" indent="0">
+              <a:buNone/>
+            </a:pPr>
+            <a:endParaRPr lang="en-US" dirty="0" smtClean="0"/>
+          </a:p>
+          <a:p>
+            <a:pPr marL="114300" indent="0">
+              <a:buNone/>
+            </a:pPr>
+            <a:r>
+              <a:rPr lang="en-US" dirty="0"/>
+              <a:t>+</a:t>
+            </a:r>
+            <a:r>
+              <a:rPr lang="en-US" dirty="0" smtClean="0"/>
+              <a:t>Frequency of  ammo/health drops</a:t>
+            </a:r>
+            <a:endParaRPr lang="en-US" dirty="0"/>
+          </a:p>
+        </p:txBody>
+      </p:sp>
+    </p:spTree>
+    <p:extLst>
+      <p:ext uri="{BB962C8B-B14F-4D97-AF65-F5344CB8AC3E}">
+        <p14:creationId xmlns:p14="http://schemas.microsoft.com/office/powerpoint/2010/main" val="3857906137"/>
       </p:ext>
     </p:extLst>
   </p:cSld>

--- a/Ai Final persentation.pptx
+++ b/Ai Final persentation.pptx
@@ -6040,7 +6040,7 @@
           <p:cNvPr id="2" name="Title 1">
             <a:extLst>
               <a:ext uri="{FF2B5EF4-FFF2-40B4-BE49-F238E27FC236}">
-                <a16:creationId xmlns:a16="http://schemas.microsoft.com/office/drawing/2014/main" xmlns="" id="{16F37AB4-DDDD-44ED-B2A7-105914802B37}"/>
+                <a16:creationId xmlns:a16="http://schemas.microsoft.com/office/drawing/2014/main" id="{16F37AB4-DDDD-44ED-B2A7-105914802B37}"/>
               </a:ext>
             </a:extLst>
           </p:cNvPr>
@@ -6068,7 +6068,7 @@
           <p:cNvPr id="3" name="Text Placeholder 2">
             <a:extLst>
               <a:ext uri="{FF2B5EF4-FFF2-40B4-BE49-F238E27FC236}">
-                <a16:creationId xmlns:a16="http://schemas.microsoft.com/office/drawing/2014/main" xmlns="" id="{8EA1E525-3D01-4D0E-AAEE-DE2216E9CA80}"/>
+                <a16:creationId xmlns:a16="http://schemas.microsoft.com/office/drawing/2014/main" id="{8EA1E525-3D01-4D0E-AAEE-DE2216E9CA80}"/>
               </a:ext>
             </a:extLst>
           </p:cNvPr>
@@ -6131,16 +6131,8 @@
               <a:buNone/>
             </a:pPr>
             <a:r>
-              <a:rPr lang="en" sz="1200" dirty="0" smtClean="0"/>
-              <a:t>-Using </a:t>
-            </a:r>
-            <a:r>
               <a:rPr lang="en" sz="1200" dirty="0"/>
-              <a:t>C# as the scripting </a:t>
-            </a:r>
-            <a:r>
-              <a:rPr lang="en" sz="1200" dirty="0" smtClean="0"/>
-              <a:t>language</a:t>
+              <a:t>-Using C# as the scripting language</a:t>
             </a:r>
           </a:p>
           <a:p>
@@ -6157,7 +6149,7 @@
               <a:buNone/>
             </a:pPr>
             <a:r>
-              <a:rPr lang="en" sz="1200" dirty="0" smtClean="0"/>
+              <a:rPr lang="en" sz="1200" dirty="0"/>
               <a:t>-Three types of enemies(attack patterns)</a:t>
             </a:r>
           </a:p>
@@ -6176,11 +6168,7 @@
             </a:pPr>
             <a:r>
               <a:rPr lang="en" sz="1200" dirty="0"/>
-              <a:t> </a:t>
-            </a:r>
-            <a:r>
-              <a:rPr lang="en" sz="1200" dirty="0" smtClean="0"/>
-              <a:t>+Normal(nothing special)</a:t>
+              <a:t> +Normal(nothing special)</a:t>
             </a:r>
           </a:p>
           <a:p>
@@ -6198,11 +6186,15 @@
             </a:pPr>
             <a:r>
               <a:rPr lang="en" sz="1200" dirty="0"/>
-              <a:t> </a:t>
+              <a:t> +Elite(fast movement/</a:t>
             </a:r>
             <a:r>
-              <a:rPr lang="en" sz="1200" dirty="0" smtClean="0"/>
-              <a:t>+Elite(fast movement, low attack damage,lower health)</a:t>
+              <a:rPr lang="en-US" sz="1200" dirty="0"/>
+              <a:t>attacks</a:t>
+            </a:r>
+            <a:r>
+              <a:rPr lang="en" sz="1200" dirty="0"/>
+              <a:t>, low attack damage,lower health)</a:t>
             </a:r>
           </a:p>
           <a:p>
@@ -6219,9 +6211,26 @@
               <a:buNone/>
             </a:pPr>
             <a:r>
-              <a:rPr lang="en" sz="1200" dirty="0" smtClean="0"/>
-              <a:t>+Boss(slow movement, high attack damage, high health</a:t>
+              <a:rPr lang="en" sz="1200" dirty="0"/>
+              <a:t>+Boss(slow movement</a:t>
             </a:r>
+            <a:r>
+              <a:rPr lang="en-US" sz="1200"/>
+              <a:t>/attacks</a:t>
+            </a:r>
+            <a:r>
+              <a:rPr lang="en" sz="1200"/>
+              <a:t>, </a:t>
+            </a:r>
+            <a:r>
+              <a:rPr lang="en" sz="1200" dirty="0"/>
+              <a:t>high attack damage, </a:t>
+            </a:r>
+            <a:r>
+              <a:rPr lang="en" sz="1200"/>
+              <a:t>high health)</a:t>
+            </a:r>
+            <a:endParaRPr lang="en" sz="1200" dirty="0"/>
           </a:p>
           <a:p>
             <a:pPr marL="0" lvl="0" indent="0">
@@ -6236,7 +6245,7 @@
               </a:spcAft>
               <a:buNone/>
             </a:pPr>
-            <a:endParaRPr lang="en" dirty="0" smtClean="0"/>
+            <a:endParaRPr lang="en" dirty="0"/>
           </a:p>
           <a:p>
             <a:pPr marL="0" lvl="0" indent="0">
@@ -6255,7 +6264,6 @@
               <a:rPr lang="en" dirty="0"/>
               <a:t> </a:t>
             </a:r>
-            <a:endParaRPr lang="en" dirty="0" smtClean="0"/>
           </a:p>
           <a:p>
             <a:pPr marL="114300" indent="0">
@@ -6379,13 +6387,9 @@
             </a:pPr>
             <a:r>
               <a:rPr lang="en" dirty="0"/>
-              <a:t> +enemies will get </a:t>
+              <a:t> +enemies will get stronger/weaker</a:t>
             </a:r>
-            <a:r>
-              <a:rPr lang="en" dirty="0" smtClean="0"/>
-              <a:t>stronger/weaker</a:t>
-            </a:r>
-            <a:endParaRPr lang="en-US" dirty="0" smtClean="0"/>
+            <a:endParaRPr lang="en-US" dirty="0"/>
           </a:p>
           <a:p>
             <a:pPr marL="114300" indent="0">
@@ -6393,18 +6397,14 @@
             </a:pPr>
             <a:r>
               <a:rPr lang="en-US" dirty="0"/>
-              <a:t>+</a:t>
-            </a:r>
-            <a:r>
-              <a:rPr lang="en-US" dirty="0" smtClean="0"/>
-              <a:t>time between enemies groups will increase/decrease</a:t>
+              <a:t>+time between enemies groups will increase/decrease</a:t>
             </a:r>
           </a:p>
           <a:p>
             <a:pPr marL="114300" indent="0">
               <a:buNone/>
             </a:pPr>
-            <a:endParaRPr lang="en-US" dirty="0" smtClean="0"/>
+            <a:endParaRPr lang="en-US" dirty="0"/>
           </a:p>
           <a:p>
             <a:pPr marL="114300" indent="0">
@@ -6412,13 +6412,8 @@
             </a:pPr>
             <a:r>
               <a:rPr lang="en-US" dirty="0"/>
-              <a:t>+</a:t>
+              <a:t>+Frequency of  ammo/health drops</a:t>
             </a:r>
-            <a:r>
-              <a:rPr lang="en-US" dirty="0" smtClean="0"/>
-              <a:t>Frequency of  ammo/health drops</a:t>
-            </a:r>
-            <a:endParaRPr lang="en-US" dirty="0"/>
           </a:p>
         </p:txBody>
       </p:sp>

--- a/Ai Final persentation.pptx
+++ b/Ai Final persentation.pptx
@@ -10,8 +10,8 @@
   <p:sldIdLst>
     <p:sldId id="256" r:id="rId2"/>
     <p:sldId id="257" r:id="rId3"/>
-    <p:sldId id="258" r:id="rId4"/>
-    <p:sldId id="259" r:id="rId5"/>
+    <p:sldId id="259" r:id="rId4"/>
+    <p:sldId id="258" r:id="rId5"/>
   </p:sldIdLst>
   <p:sldSz cx="9144000" cy="5143500" type="screen16x9"/>
   <p:notesSz cx="6858000" cy="9144000"/>
@@ -6037,6 +6037,153 @@
       </p:grpSpPr>
       <p:sp>
         <p:nvSpPr>
+          <p:cNvPr id="2" name="Title 1"/>
+          <p:cNvSpPr>
+            <a:spLocks noGrp="1"/>
+          </p:cNvSpPr>
+          <p:nvPr>
+            <p:ph type="title"/>
+          </p:nvPr>
+        </p:nvSpPr>
+        <p:spPr/>
+        <p:txBody>
+          <a:bodyPr/>
+          <a:lstStyle/>
+          <a:p>
+            <a:r>
+              <a:rPr lang="en-US" dirty="0"/>
+              <a:t>Problem Statement Continued</a:t>
+            </a:r>
+          </a:p>
+        </p:txBody>
+      </p:sp>
+      <p:sp>
+        <p:nvSpPr>
+          <p:cNvPr id="3" name="Text Placeholder 2"/>
+          <p:cNvSpPr>
+            <a:spLocks noGrp="1"/>
+          </p:cNvSpPr>
+          <p:nvPr>
+            <p:ph type="body" idx="1"/>
+          </p:nvPr>
+        </p:nvSpPr>
+        <p:spPr/>
+        <p:txBody>
+          <a:bodyPr/>
+          <a:lstStyle/>
+          <a:p>
+            <a:pPr marL="0" lvl="0" indent="0">
+              <a:lnSpc>
+                <a:spcPct val="100000"/>
+              </a:lnSpc>
+              <a:spcBef>
+                <a:spcPts val="1600"/>
+              </a:spcBef>
+              <a:spcAft>
+                <a:spcPts val="1600"/>
+              </a:spcAft>
+              <a:buNone/>
+            </a:pPr>
+            <a:r>
+              <a:rPr lang="en" dirty="0"/>
+              <a:t>-Based on player performance these things will change:</a:t>
+            </a:r>
+          </a:p>
+          <a:p>
+            <a:pPr marL="0" lvl="0" indent="0">
+              <a:lnSpc>
+                <a:spcPct val="100000"/>
+              </a:lnSpc>
+              <a:spcBef>
+                <a:spcPts val="1600"/>
+              </a:spcBef>
+              <a:spcAft>
+                <a:spcPts val="1600"/>
+              </a:spcAft>
+              <a:buNone/>
+            </a:pPr>
+            <a:r>
+              <a:rPr lang="en" dirty="0"/>
+              <a:t> +amount of enemies will increase/decrease</a:t>
+            </a:r>
+          </a:p>
+          <a:p>
+            <a:pPr marL="0" lvl="0" indent="0">
+              <a:lnSpc>
+                <a:spcPct val="100000"/>
+              </a:lnSpc>
+              <a:spcBef>
+                <a:spcPts val="1600"/>
+              </a:spcBef>
+              <a:spcAft>
+                <a:spcPts val="1600"/>
+              </a:spcAft>
+              <a:buNone/>
+            </a:pPr>
+            <a:r>
+              <a:rPr lang="en" dirty="0"/>
+              <a:t> +enemies will get stronger/weaker</a:t>
+            </a:r>
+            <a:endParaRPr lang="en-US" dirty="0"/>
+          </a:p>
+          <a:p>
+            <a:pPr marL="114300" indent="0">
+              <a:buNone/>
+            </a:pPr>
+            <a:r>
+              <a:rPr lang="en-US" dirty="0"/>
+              <a:t>+time between enemies groups will increase/decrease</a:t>
+            </a:r>
+          </a:p>
+          <a:p>
+            <a:pPr marL="114300" indent="0">
+              <a:buNone/>
+            </a:pPr>
+            <a:endParaRPr lang="en-US" dirty="0"/>
+          </a:p>
+          <a:p>
+            <a:pPr marL="114300" indent="0">
+              <a:buNone/>
+            </a:pPr>
+            <a:r>
+              <a:rPr lang="en-US" dirty="0"/>
+              <a:t>+Frequency of  ammo/health drops</a:t>
+            </a:r>
+          </a:p>
+        </p:txBody>
+      </p:sp>
+    </p:spTree>
+    <p:extLst>
+      <p:ext uri="{BB962C8B-B14F-4D97-AF65-F5344CB8AC3E}">
+        <p14:creationId xmlns:p14="http://schemas.microsoft.com/office/powerpoint/2010/main" val="3857906137"/>
+      </p:ext>
+    </p:extLst>
+  </p:cSld>
+  <p:clrMapOvr>
+    <a:masterClrMapping/>
+  </p:clrMapOvr>
+</p:sld>
+</file>
+
+<file path=ppt/slides/slide4.xml><?xml version="1.0" encoding="utf-8"?>
+<p:sld xmlns:a="http://schemas.openxmlformats.org/drawingml/2006/main" xmlns:r="http://schemas.openxmlformats.org/officeDocument/2006/relationships" xmlns:p="http://schemas.openxmlformats.org/presentationml/2006/main">
+  <p:cSld>
+    <p:spTree>
+      <p:nvGrpSpPr>
+        <p:cNvPr id="1" name=""/>
+        <p:cNvGrpSpPr/>
+        <p:nvPr/>
+      </p:nvGrpSpPr>
+      <p:grpSpPr>
+        <a:xfrm>
+          <a:off x="0" y="0"/>
+          <a:ext cx="0" cy="0"/>
+          <a:chOff x="0" y="0"/>
+          <a:chExt cx="0" cy="0"/>
+        </a:xfrm>
+      </p:grpSpPr>
+      <p:sp>
+        <p:nvSpPr>
           <p:cNvPr id="2" name="Title 1">
             <a:extLst>
               <a:ext uri="{FF2B5EF4-FFF2-40B4-BE49-F238E27FC236}">
@@ -6058,7 +6205,7 @@
           <a:p>
             <a:r>
               <a:rPr lang="en-US" dirty="0"/>
-              <a:t>Continued</a:t>
+              <a:t>Representation of Problem</a:t>
             </a:r>
           </a:p>
         </p:txBody>
@@ -6277,150 +6424,6 @@
     <p:extLst>
       <p:ext uri="{BB962C8B-B14F-4D97-AF65-F5344CB8AC3E}">
         <p14:creationId xmlns:p14="http://schemas.microsoft.com/office/powerpoint/2010/main" val="3129993071"/>
-      </p:ext>
-    </p:extLst>
-  </p:cSld>
-  <p:clrMapOvr>
-    <a:masterClrMapping/>
-  </p:clrMapOvr>
-</p:sld>
-</file>
-
-<file path=ppt/slides/slide4.xml><?xml version="1.0" encoding="utf-8"?>
-<p:sld xmlns:a="http://schemas.openxmlformats.org/drawingml/2006/main" xmlns:r="http://schemas.openxmlformats.org/officeDocument/2006/relationships" xmlns:p="http://schemas.openxmlformats.org/presentationml/2006/main">
-  <p:cSld>
-    <p:spTree>
-      <p:nvGrpSpPr>
-        <p:cNvPr id="1" name=""/>
-        <p:cNvGrpSpPr/>
-        <p:nvPr/>
-      </p:nvGrpSpPr>
-      <p:grpSpPr>
-        <a:xfrm>
-          <a:off x="0" y="0"/>
-          <a:ext cx="0" cy="0"/>
-          <a:chOff x="0" y="0"/>
-          <a:chExt cx="0" cy="0"/>
-        </a:xfrm>
-      </p:grpSpPr>
-      <p:sp>
-        <p:nvSpPr>
-          <p:cNvPr id="2" name="Title 1"/>
-          <p:cNvSpPr>
-            <a:spLocks noGrp="1"/>
-          </p:cNvSpPr>
-          <p:nvPr>
-            <p:ph type="title"/>
-          </p:nvPr>
-        </p:nvSpPr>
-        <p:spPr/>
-        <p:txBody>
-          <a:bodyPr/>
-          <a:lstStyle/>
-          <a:p>
-            <a:endParaRPr lang="en-US" dirty="0"/>
-          </a:p>
-        </p:txBody>
-      </p:sp>
-      <p:sp>
-        <p:nvSpPr>
-          <p:cNvPr id="3" name="Text Placeholder 2"/>
-          <p:cNvSpPr>
-            <a:spLocks noGrp="1"/>
-          </p:cNvSpPr>
-          <p:nvPr>
-            <p:ph type="body" idx="1"/>
-          </p:nvPr>
-        </p:nvSpPr>
-        <p:spPr/>
-        <p:txBody>
-          <a:bodyPr/>
-          <a:lstStyle/>
-          <a:p>
-            <a:pPr marL="0" lvl="0" indent="0">
-              <a:lnSpc>
-                <a:spcPct val="100000"/>
-              </a:lnSpc>
-              <a:spcBef>
-                <a:spcPts val="1600"/>
-              </a:spcBef>
-              <a:spcAft>
-                <a:spcPts val="1600"/>
-              </a:spcAft>
-              <a:buNone/>
-            </a:pPr>
-            <a:r>
-              <a:rPr lang="en" dirty="0"/>
-              <a:t>-Based on player performance these things will change:</a:t>
-            </a:r>
-          </a:p>
-          <a:p>
-            <a:pPr marL="0" lvl="0" indent="0">
-              <a:lnSpc>
-                <a:spcPct val="100000"/>
-              </a:lnSpc>
-              <a:spcBef>
-                <a:spcPts val="1600"/>
-              </a:spcBef>
-              <a:spcAft>
-                <a:spcPts val="1600"/>
-              </a:spcAft>
-              <a:buNone/>
-            </a:pPr>
-            <a:r>
-              <a:rPr lang="en" dirty="0"/>
-              <a:t> +amount of enemies will increase/decrease</a:t>
-            </a:r>
-          </a:p>
-          <a:p>
-            <a:pPr marL="0" lvl="0" indent="0">
-              <a:lnSpc>
-                <a:spcPct val="100000"/>
-              </a:lnSpc>
-              <a:spcBef>
-                <a:spcPts val="1600"/>
-              </a:spcBef>
-              <a:spcAft>
-                <a:spcPts val="1600"/>
-              </a:spcAft>
-              <a:buNone/>
-            </a:pPr>
-            <a:r>
-              <a:rPr lang="en" dirty="0"/>
-              <a:t> +enemies will get stronger/weaker</a:t>
-            </a:r>
-            <a:endParaRPr lang="en-US" dirty="0"/>
-          </a:p>
-          <a:p>
-            <a:pPr marL="114300" indent="0">
-              <a:buNone/>
-            </a:pPr>
-            <a:r>
-              <a:rPr lang="en-US" dirty="0"/>
-              <a:t>+time between enemies groups will increase/decrease</a:t>
-            </a:r>
-          </a:p>
-          <a:p>
-            <a:pPr marL="114300" indent="0">
-              <a:buNone/>
-            </a:pPr>
-            <a:endParaRPr lang="en-US" dirty="0"/>
-          </a:p>
-          <a:p>
-            <a:pPr marL="114300" indent="0">
-              <a:buNone/>
-            </a:pPr>
-            <a:r>
-              <a:rPr lang="en-US" dirty="0"/>
-              <a:t>+Frequency of  ammo/health drops</a:t>
-            </a:r>
-          </a:p>
-        </p:txBody>
-      </p:sp>
-    </p:spTree>
-    <p:extLst>
-      <p:ext uri="{BB962C8B-B14F-4D97-AF65-F5344CB8AC3E}">
-        <p14:creationId xmlns:p14="http://schemas.microsoft.com/office/powerpoint/2010/main" val="3857906137"/>
       </p:ext>
     </p:extLst>
   </p:cSld>
